--- a/topic-07-jQuery-3/talk-1/talk-1.pptx
+++ b/topic-07-jQuery-3/talk-1/talk-1.pptx
@@ -5,11 +5,36 @@
     <p:sldMasterId id="2147483861" r:id="rId1"/>
   </p:sldMasterIdLst>
   <p:notesMasterIdLst>
-    <p:notesMasterId r:id="rId4"/>
+    <p:notesMasterId r:id="rId29"/>
   </p:notesMasterIdLst>
   <p:sldIdLst>
     <p:sldId id="283" r:id="rId2"/>
     <p:sldId id="284" r:id="rId3"/>
+    <p:sldId id="285" r:id="rId4"/>
+    <p:sldId id="286" r:id="rId5"/>
+    <p:sldId id="287" r:id="rId6"/>
+    <p:sldId id="288" r:id="rId7"/>
+    <p:sldId id="289" r:id="rId8"/>
+    <p:sldId id="290" r:id="rId9"/>
+    <p:sldId id="291" r:id="rId10"/>
+    <p:sldId id="292" r:id="rId11"/>
+    <p:sldId id="293" r:id="rId12"/>
+    <p:sldId id="294" r:id="rId13"/>
+    <p:sldId id="295" r:id="rId14"/>
+    <p:sldId id="296" r:id="rId15"/>
+    <p:sldId id="297" r:id="rId16"/>
+    <p:sldId id="298" r:id="rId17"/>
+    <p:sldId id="299" r:id="rId18"/>
+    <p:sldId id="300" r:id="rId19"/>
+    <p:sldId id="301" r:id="rId20"/>
+    <p:sldId id="302" r:id="rId21"/>
+    <p:sldId id="303" r:id="rId22"/>
+    <p:sldId id="304" r:id="rId23"/>
+    <p:sldId id="305" r:id="rId24"/>
+    <p:sldId id="306" r:id="rId25"/>
+    <p:sldId id="307" r:id="rId26"/>
+    <p:sldId id="308" r:id="rId27"/>
+    <p:sldId id="309" r:id="rId28"/>
   </p:sldIdLst>
   <p:sldSz cx="9144000" cy="6858000" type="screen4x3"/>
   <p:notesSz cx="6858000" cy="9144000"/>
@@ -110,7 +135,7 @@
   </p:defaultTextStyle>
   <p:extLst>
     <p:ext uri="{EFAFB233-063F-42B5-8137-9DF3F51BA10A}">
-      <p15:sldGuideLst xmlns:p15="http://schemas.microsoft.com/office/powerpoint/2012/main" xmlns="">
+      <p15:sldGuideLst xmlns="" xmlns:p15="http://schemas.microsoft.com/office/powerpoint/2012/main">
         <p15:guide id="1" orient="horz" pos="2160">
           <p15:clr>
             <a:srgbClr val="A4A3A4"/>
@@ -209,7 +234,7 @@
           <a:p>
             <a:fld id="{31E3A3E0-0EEC-43C3-B8B8-6A5D051024B7}" type="datetimeFigureOut">
               <a:rPr lang="en-US" smtClean="0"/>
-              <a:t>3/4/2018</a:t>
+              <a:t>3/12/2018</a:t>
             </a:fld>
             <a:endParaRPr lang="en-US"/>
           </a:p>
@@ -1688,7 +1713,7 @@
           <a:p>
             <a:fld id="{4BC48473-ACCD-4242-806A-1249CC2C55A8}" type="datetimeFigureOut">
               <a:rPr lang="en-US" smtClean="0"/>
-              <a:t>3/4/2018</a:t>
+              <a:t>3/12/2018</a:t>
             </a:fld>
             <a:endParaRPr lang="en-US"/>
           </a:p>
@@ -1964,7 +1989,7 @@
           <a:p>
             <a:fld id="{4BC48473-ACCD-4242-806A-1249CC2C55A8}" type="datetimeFigureOut">
               <a:rPr lang="en-US" smtClean="0"/>
-              <a:t>3/4/2018</a:t>
+              <a:t>3/12/2018</a:t>
             </a:fld>
             <a:endParaRPr lang="en-US"/>
           </a:p>
@@ -2144,7 +2169,7 @@
           <a:p>
             <a:fld id="{4BC48473-ACCD-4242-806A-1249CC2C55A8}" type="datetimeFigureOut">
               <a:rPr lang="en-US" smtClean="0"/>
-              <a:t>3/4/2018</a:t>
+              <a:t>3/12/2018</a:t>
             </a:fld>
             <a:endParaRPr lang="en-US"/>
           </a:p>
@@ -2314,7 +2339,7 @@
           <a:p>
             <a:fld id="{4BC48473-ACCD-4242-806A-1249CC2C55A8}" type="datetimeFigureOut">
               <a:rPr lang="en-US" smtClean="0"/>
-              <a:t>3/4/2018</a:t>
+              <a:t>3/12/2018</a:t>
             </a:fld>
             <a:endParaRPr lang="en-US"/>
           </a:p>
@@ -2910,7 +2935,7 @@
           <a:p>
             <a:fld id="{4BC48473-ACCD-4242-806A-1249CC2C55A8}" type="datetimeFigureOut">
               <a:rPr lang="en-US" smtClean="0"/>
-              <a:t>3/4/2018</a:t>
+              <a:t>3/12/2018</a:t>
             </a:fld>
             <a:endParaRPr lang="en-US"/>
           </a:p>
@@ -4716,7 +4741,7 @@
           <a:p>
             <a:fld id="{4BC48473-ACCD-4242-806A-1249CC2C55A8}" type="datetimeFigureOut">
               <a:rPr lang="en-US" smtClean="0"/>
-              <a:t>3/4/2018</a:t>
+              <a:t>3/12/2018</a:t>
             </a:fld>
             <a:endParaRPr lang="en-US"/>
           </a:p>
@@ -4776,7 +4801,7 @@
   </p:clrMapOvr>
   <p:extLst mod="1">
     <p:ext uri="{DCECCB84-F9BA-43D5-87BE-67443E8EF086}">
-      <p15:sldGuideLst xmlns:p15="http://schemas.microsoft.com/office/powerpoint/2012/main" xmlns=""/>
+      <p15:sldGuideLst xmlns="" xmlns:p15="http://schemas.microsoft.com/office/powerpoint/2012/main"/>
     </p:ext>
   </p:extLst>
 </p:sldLayout>
@@ -5106,7 +5131,7 @@
           <a:p>
             <a:fld id="{4BC48473-ACCD-4242-806A-1249CC2C55A8}" type="datetimeFigureOut">
               <a:rPr lang="en-US" smtClean="0"/>
-              <a:t>3/4/2018</a:t>
+              <a:t>3/12/2018</a:t>
             </a:fld>
             <a:endParaRPr lang="en-US"/>
           </a:p>
@@ -5166,7 +5191,7 @@
   </p:clrMapOvr>
   <p:extLst mod="1">
     <p:ext uri="{DCECCB84-F9BA-43D5-87BE-67443E8EF086}">
-      <p15:sldGuideLst xmlns:p15="http://schemas.microsoft.com/office/powerpoint/2012/main" xmlns=""/>
+      <p15:sldGuideLst xmlns="" xmlns:p15="http://schemas.microsoft.com/office/powerpoint/2012/main"/>
     </p:ext>
   </p:extLst>
 </p:sldLayout>
@@ -5229,7 +5254,7 @@
           <a:p>
             <a:fld id="{4BC48473-ACCD-4242-806A-1249CC2C55A8}" type="datetimeFigureOut">
               <a:rPr lang="en-US" smtClean="0"/>
-              <a:t>3/4/2018</a:t>
+              <a:t>3/12/2018</a:t>
             </a:fld>
             <a:endParaRPr lang="en-US"/>
           </a:p>
@@ -5324,7 +5349,7 @@
           <a:p>
             <a:fld id="{4BC48473-ACCD-4242-806A-1249CC2C55A8}" type="datetimeFigureOut">
               <a:rPr lang="en-US" smtClean="0"/>
-              <a:t>3/4/2018</a:t>
+              <a:t>3/12/2018</a:t>
             </a:fld>
             <a:endParaRPr lang="en-US"/>
           </a:p>
@@ -6089,7 +6114,7 @@
           <a:p>
             <a:fld id="{4BC48473-ACCD-4242-806A-1249CC2C55A8}" type="datetimeFigureOut">
               <a:rPr lang="en-US" smtClean="0"/>
-              <a:t>3/4/2018</a:t>
+              <a:t>3/12/2018</a:t>
             </a:fld>
             <a:endParaRPr lang="en-US"/>
           </a:p>
@@ -6235,7 +6260,7 @@
   </p:clrMapOvr>
   <p:extLst mod="1">
     <p:ext uri="{DCECCB84-F9BA-43D5-87BE-67443E8EF086}">
-      <p15:sldGuideLst xmlns:p15="http://schemas.microsoft.com/office/powerpoint/2012/main" xmlns="">
+      <p15:sldGuideLst xmlns="" xmlns:p15="http://schemas.microsoft.com/office/powerpoint/2012/main">
         <p15:guide id="1" orient="horz" pos="696">
           <p15:clr>
             <a:srgbClr val="FBAE40"/>
@@ -6969,7 +6994,7 @@
           <a:p>
             <a:fld id="{4BC48473-ACCD-4242-806A-1249CC2C55A8}" type="datetimeFigureOut">
               <a:rPr lang="en-US" smtClean="0"/>
-              <a:t>3/4/2018</a:t>
+              <a:t>3/12/2018</a:t>
             </a:fld>
             <a:endParaRPr lang="en-US"/>
           </a:p>
@@ -7234,7 +7259,7 @@
           <a:p>
             <a:fld id="{4BC48473-ACCD-4242-806A-1249CC2C55A8}" type="datetimeFigureOut">
               <a:rPr lang="en-US" smtClean="0"/>
-              <a:t>3/4/2018</a:t>
+              <a:t>3/12/2018</a:t>
             </a:fld>
             <a:endParaRPr lang="en-US"/>
           </a:p>
@@ -7852,7 +7877,7 @@
   </p:txStyles>
   <p:extLst mod="1">
     <p:ext uri="{27BBF7A9-308A-43DC-89C8-2F10F3537804}">
-      <p15:sldGuideLst xmlns:p15="http://schemas.microsoft.com/office/powerpoint/2012/main" xmlns="">
+      <p15:sldGuideLst xmlns="" xmlns:p15="http://schemas.microsoft.com/office/powerpoint/2012/main">
         <p15:guide id="1" pos="792">
           <p15:clr>
             <a:srgbClr val="F26B43"/>
@@ -7978,6 +8003,2936 @@
 </p:sld>
 </file>
 
+<file path=ppt/slides/slide10.xml><?xml version="1.0" encoding="utf-8"?>
+<p:sld xmlns:a="http://schemas.openxmlformats.org/drawingml/2006/main" xmlns:r="http://schemas.openxmlformats.org/officeDocument/2006/relationships" xmlns:p="http://schemas.openxmlformats.org/presentationml/2006/main">
+  <p:cSld>
+    <p:spTree>
+      <p:nvGrpSpPr>
+        <p:cNvPr id="1" name=""/>
+        <p:cNvGrpSpPr/>
+        <p:nvPr/>
+      </p:nvGrpSpPr>
+      <p:grpSpPr>
+        <a:xfrm>
+          <a:off x="0" y="0"/>
+          <a:ext cx="0" cy="0"/>
+          <a:chOff x="0" y="0"/>
+          <a:chExt cx="0" cy="0"/>
+        </a:xfrm>
+      </p:grpSpPr>
+      <p:sp>
+        <p:nvSpPr>
+          <p:cNvPr id="2" name="Title 1"/>
+          <p:cNvSpPr>
+            <a:spLocks noGrp="1"/>
+          </p:cNvSpPr>
+          <p:nvPr>
+            <p:ph type="title"/>
+          </p:nvPr>
+        </p:nvSpPr>
+        <p:spPr/>
+        <p:txBody>
+          <a:bodyPr/>
+          <a:lstStyle/>
+          <a:p>
+            <a:r>
+              <a:rPr lang="en-IE" dirty="0" err="1"/>
+              <a:t>Jquery</a:t>
+            </a:r>
+            <a:r>
+              <a:rPr lang="en-IE" dirty="0"/>
+              <a:t> effects example</a:t>
+            </a:r>
+          </a:p>
+        </p:txBody>
+      </p:sp>
+      <p:sp>
+        <p:nvSpPr>
+          <p:cNvPr id="3" name="Content Placeholder 2"/>
+          <p:cNvSpPr>
+            <a:spLocks noGrp="1"/>
+          </p:cNvSpPr>
+          <p:nvPr>
+            <p:ph idx="1"/>
+          </p:nvPr>
+        </p:nvSpPr>
+        <p:spPr>
+          <a:xfrm>
+            <a:off x="938758" y="1600200"/>
+            <a:ext cx="2642642" cy="3593591"/>
+          </a:xfrm>
+        </p:spPr>
+        <p:txBody>
+          <a:bodyPr/>
+          <a:lstStyle/>
+          <a:p>
+            <a:r>
+              <a:rPr lang="en-US" dirty="0"/>
+              <a:t>The final part creates an event listener that waits for the user to click on a list item. </a:t>
+            </a:r>
+            <a:endParaRPr lang="en-US" dirty="0" smtClean="0"/>
+          </a:p>
+          <a:p>
+            <a:r>
+              <a:rPr lang="en-US" dirty="0" smtClean="0"/>
+              <a:t>When </a:t>
+            </a:r>
+            <a:r>
+              <a:rPr lang="en-US" dirty="0"/>
+              <a:t>they do, it will fade that item out to remove it from the list (the fade will take 700 milliseconds).</a:t>
+            </a:r>
+            <a:endParaRPr lang="en-IE" dirty="0"/>
+          </a:p>
+        </p:txBody>
+      </p:sp>
+      <p:pic>
+        <p:nvPicPr>
+          <p:cNvPr id="4098" name="Picture 2"/>
+          <p:cNvPicPr>
+            <a:picLocks noChangeAspect="1" noChangeArrowheads="1"/>
+          </p:cNvPicPr>
+          <p:nvPr/>
+        </p:nvPicPr>
+        <p:blipFill>
+          <a:blip r:embed="rId2">
+            <a:extLst>
+              <a:ext uri="{28A0092B-C50C-407E-A947-70E740481C1C}">
+                <a14:useLocalDpi xmlns:a14="http://schemas.microsoft.com/office/drawing/2010/main" val="0"/>
+              </a:ext>
+            </a:extLst>
+          </a:blip>
+          <a:srcRect/>
+          <a:stretch>
+            <a:fillRect/>
+          </a:stretch>
+        </p:blipFill>
+        <p:spPr bwMode="auto">
+          <a:xfrm>
+            <a:off x="3581400" y="1590675"/>
+            <a:ext cx="5172075" cy="4390120"/>
+          </a:xfrm>
+          <a:prstGeom prst="rect">
+            <a:avLst/>
+          </a:prstGeom>
+          <a:noFill/>
+          <a:ln>
+            <a:noFill/>
+          </a:ln>
+          <a:extLst>
+            <a:ext uri="{909E8E84-426E-40DD-AFC4-6F175D3DCCD1}">
+              <a14:hiddenFill xmlns:a14="http://schemas.microsoft.com/office/drawing/2010/main">
+                <a:solidFill>
+                  <a:schemeClr val="accent1"/>
+                </a:solidFill>
+              </a14:hiddenFill>
+            </a:ext>
+            <a:ext uri="{91240B29-F687-4F45-9708-019B960494DF}">
+              <a14:hiddenLine xmlns:a14="http://schemas.microsoft.com/office/drawing/2010/main" w="9525">
+                <a:solidFill>
+                  <a:schemeClr val="tx1"/>
+                </a:solidFill>
+                <a:miter lim="800000"/>
+                <a:headEnd/>
+                <a:tailEnd/>
+              </a14:hiddenLine>
+            </a:ext>
+          </a:extLst>
+        </p:spPr>
+      </p:pic>
+    </p:spTree>
+    <p:extLst>
+      <p:ext uri="{BB962C8B-B14F-4D97-AF65-F5344CB8AC3E}">
+        <p14:creationId xmlns:p14="http://schemas.microsoft.com/office/powerpoint/2010/main" val="963874453"/>
+      </p:ext>
+    </p:extLst>
+  </p:cSld>
+  <p:clrMapOvr>
+    <a:masterClrMapping/>
+  </p:clrMapOvr>
+</p:sld>
+</file>
+
+<file path=ppt/slides/slide11.xml><?xml version="1.0" encoding="utf-8"?>
+<p:sld xmlns:a="http://schemas.openxmlformats.org/drawingml/2006/main" xmlns:r="http://schemas.openxmlformats.org/officeDocument/2006/relationships" xmlns:p="http://schemas.openxmlformats.org/presentationml/2006/main">
+  <p:cSld>
+    <p:spTree>
+      <p:nvGrpSpPr>
+        <p:cNvPr id="1" name=""/>
+        <p:cNvGrpSpPr/>
+        <p:nvPr/>
+      </p:nvGrpSpPr>
+      <p:grpSpPr>
+        <a:xfrm>
+          <a:off x="0" y="0"/>
+          <a:ext cx="0" cy="0"/>
+          <a:chOff x="0" y="0"/>
+          <a:chExt cx="0" cy="0"/>
+        </a:xfrm>
+      </p:grpSpPr>
+      <p:sp>
+        <p:nvSpPr>
+          <p:cNvPr id="2" name="Title 1"/>
+          <p:cNvSpPr>
+            <a:spLocks noGrp="1"/>
+          </p:cNvSpPr>
+          <p:nvPr>
+            <p:ph type="title"/>
+          </p:nvPr>
+        </p:nvSpPr>
+        <p:spPr/>
+        <p:txBody>
+          <a:bodyPr/>
+          <a:lstStyle/>
+          <a:p>
+            <a:r>
+              <a:rPr lang="en-IE" dirty="0" smtClean="0"/>
+              <a:t>The animate method</a:t>
+            </a:r>
+            <a:endParaRPr lang="en-IE" dirty="0"/>
+          </a:p>
+        </p:txBody>
+      </p:sp>
+      <p:sp>
+        <p:nvSpPr>
+          <p:cNvPr id="3" name="Content Placeholder 2"/>
+          <p:cNvSpPr>
+            <a:spLocks noGrp="1"/>
+          </p:cNvSpPr>
+          <p:nvPr>
+            <p:ph idx="1"/>
+          </p:nvPr>
+        </p:nvSpPr>
+        <p:spPr/>
+        <p:txBody>
+          <a:bodyPr/>
+          <a:lstStyle/>
+          <a:p>
+            <a:r>
+              <a:rPr lang="en-US" dirty="0"/>
+              <a:t>The .animate() method allows you to create some of your own effects and animations by changing CSS properties. </a:t>
+            </a:r>
+            <a:endParaRPr lang="en-US" dirty="0" smtClean="0"/>
+          </a:p>
+          <a:p>
+            <a:r>
+              <a:rPr lang="en-US" dirty="0" smtClean="0"/>
+              <a:t>You </a:t>
+            </a:r>
+            <a:r>
+              <a:rPr lang="en-US" dirty="0"/>
+              <a:t>can animate any CSS property whose value can be represented as a number, e.g. height, width and font-size (but not those whose value would be a string e.g. font-family or text-transform</a:t>
+            </a:r>
+            <a:r>
+              <a:rPr lang="en-US" dirty="0" smtClean="0"/>
+              <a:t>).</a:t>
+            </a:r>
+          </a:p>
+          <a:p>
+            <a:r>
+              <a:rPr lang="en-US" dirty="0"/>
+              <a:t>The CSS properties are written using </a:t>
+            </a:r>
+            <a:r>
+              <a:rPr lang="en-US" dirty="0" err="1"/>
+              <a:t>camelCase</a:t>
+            </a:r>
+            <a:r>
+              <a:rPr lang="en-US" dirty="0"/>
+              <a:t> notation. For example, </a:t>
+            </a:r>
+            <a:r>
+              <a:rPr lang="en-US" b="1" dirty="0"/>
+              <a:t>border-left-top-radius</a:t>
+            </a:r>
+            <a:r>
+              <a:rPr lang="en-US" dirty="0"/>
+              <a:t> would become </a:t>
+            </a:r>
+            <a:r>
+              <a:rPr lang="en-US" b="1" dirty="0" err="1"/>
+              <a:t>borderLeftTopRadius</a:t>
+            </a:r>
+            <a:r>
+              <a:rPr lang="en-US" dirty="0"/>
+              <a:t>. </a:t>
+            </a:r>
+            <a:endParaRPr lang="en-IE" dirty="0"/>
+          </a:p>
+        </p:txBody>
+      </p:sp>
+    </p:spTree>
+    <p:extLst>
+      <p:ext uri="{BB962C8B-B14F-4D97-AF65-F5344CB8AC3E}">
+        <p14:creationId xmlns:p14="http://schemas.microsoft.com/office/powerpoint/2010/main" val="2432058411"/>
+      </p:ext>
+    </p:extLst>
+  </p:cSld>
+  <p:clrMapOvr>
+    <a:masterClrMapping/>
+  </p:clrMapOvr>
+</p:sld>
+</file>
+
+<file path=ppt/slides/slide12.xml><?xml version="1.0" encoding="utf-8"?>
+<p:sld xmlns:a="http://schemas.openxmlformats.org/drawingml/2006/main" xmlns:r="http://schemas.openxmlformats.org/officeDocument/2006/relationships" xmlns:p="http://schemas.openxmlformats.org/presentationml/2006/main">
+  <p:cSld>
+    <p:spTree>
+      <p:nvGrpSpPr>
+        <p:cNvPr id="1" name=""/>
+        <p:cNvGrpSpPr/>
+        <p:nvPr/>
+      </p:nvGrpSpPr>
+      <p:grpSpPr>
+        <a:xfrm>
+          <a:off x="0" y="0"/>
+          <a:ext cx="0" cy="0"/>
+          <a:chOff x="0" y="0"/>
+          <a:chExt cx="0" cy="0"/>
+        </a:xfrm>
+      </p:grpSpPr>
+      <p:sp>
+        <p:nvSpPr>
+          <p:cNvPr id="2" name="Title 1"/>
+          <p:cNvSpPr>
+            <a:spLocks noGrp="1"/>
+          </p:cNvSpPr>
+          <p:nvPr>
+            <p:ph type="title"/>
+          </p:nvPr>
+        </p:nvSpPr>
+        <p:spPr/>
+        <p:txBody>
+          <a:bodyPr/>
+          <a:lstStyle/>
+          <a:p>
+            <a:r>
+              <a:rPr lang="en-IE" dirty="0"/>
+              <a:t>The animate method</a:t>
+            </a:r>
+          </a:p>
+        </p:txBody>
+      </p:sp>
+      <p:sp>
+        <p:nvSpPr>
+          <p:cNvPr id="3" name="Content Placeholder 2"/>
+          <p:cNvSpPr>
+            <a:spLocks noGrp="1"/>
+          </p:cNvSpPr>
+          <p:nvPr>
+            <p:ph idx="1"/>
+          </p:nvPr>
+        </p:nvSpPr>
+        <p:spPr>
+          <a:xfrm>
+            <a:off x="938758" y="1600200"/>
+            <a:ext cx="7633742" cy="4279393"/>
+          </a:xfrm>
+        </p:spPr>
+        <p:txBody>
+          <a:bodyPr>
+            <a:normAutofit fontScale="92500" lnSpcReduction="20000"/>
+          </a:bodyPr>
+          <a:lstStyle/>
+          <a:p>
+            <a:r>
+              <a:rPr lang="en-US" dirty="0"/>
+              <a:t>The animate method can take three optional parameters, as shown here</a:t>
+            </a:r>
+            <a:r>
+              <a:rPr lang="en-US" dirty="0" smtClean="0"/>
+              <a:t>:</a:t>
+            </a:r>
+          </a:p>
+          <a:p>
+            <a:endParaRPr lang="en-US" dirty="0"/>
+          </a:p>
+          <a:p>
+            <a:endParaRPr lang="en-US" dirty="0" smtClean="0"/>
+          </a:p>
+          <a:p>
+            <a:endParaRPr lang="en-US" dirty="0" smtClean="0"/>
+          </a:p>
+          <a:p>
+            <a:endParaRPr lang="en-US" dirty="0"/>
+          </a:p>
+          <a:p>
+            <a:endParaRPr lang="en-US" dirty="0"/>
+          </a:p>
+          <a:p>
+            <a:r>
+              <a:rPr lang="en-US" b="1" dirty="0"/>
+              <a:t>speed</a:t>
+            </a:r>
+            <a:r>
+              <a:rPr lang="en-US" dirty="0"/>
+              <a:t> indicates the duration of the animation in milliseconds. It can also take the keywords </a:t>
+            </a:r>
+            <a:r>
+              <a:rPr lang="en-US" i="1" dirty="0"/>
+              <a:t>slow</a:t>
+            </a:r>
+            <a:r>
+              <a:rPr lang="en-US" dirty="0"/>
+              <a:t> and </a:t>
+            </a:r>
+            <a:r>
+              <a:rPr lang="en-US" i="1" dirty="0"/>
+              <a:t>fast</a:t>
+            </a:r>
+            <a:r>
+              <a:rPr lang="en-US" dirty="0"/>
+              <a:t>.</a:t>
+            </a:r>
+          </a:p>
+          <a:p>
+            <a:r>
+              <a:rPr lang="en-US" b="1" dirty="0"/>
+              <a:t>easing</a:t>
+            </a:r>
+            <a:r>
+              <a:rPr lang="en-US" dirty="0"/>
+              <a:t> can have two values: </a:t>
+            </a:r>
+            <a:r>
+              <a:rPr lang="en-US" i="1" dirty="0"/>
+              <a:t>linear</a:t>
+            </a:r>
+            <a:r>
+              <a:rPr lang="en-US" dirty="0"/>
+              <a:t> (the speed of the animation is uniform); or </a:t>
+            </a:r>
+            <a:r>
+              <a:rPr lang="en-US" i="1" dirty="0"/>
+              <a:t>swing</a:t>
+            </a:r>
+            <a:r>
+              <a:rPr lang="en-US" dirty="0"/>
+              <a:t> (speeds up in the middle of the transition, and is slower at the start and end). If no value is specified, swing is used by default.</a:t>
+            </a:r>
+          </a:p>
+          <a:p>
+            <a:r>
+              <a:rPr lang="en-US" b="1" dirty="0"/>
+              <a:t>complete</a:t>
+            </a:r>
+            <a:r>
+              <a:rPr lang="en-US" dirty="0"/>
+              <a:t> is used to call a function that should run when the animation has finished. This is known as a callback function.</a:t>
+            </a:r>
+          </a:p>
+          <a:p>
+            <a:endParaRPr lang="en-IE" dirty="0"/>
+          </a:p>
+        </p:txBody>
+      </p:sp>
+      <p:pic>
+        <p:nvPicPr>
+          <p:cNvPr id="5122" name="Picture 2"/>
+          <p:cNvPicPr>
+            <a:picLocks noChangeAspect="1" noChangeArrowheads="1"/>
+          </p:cNvPicPr>
+          <p:nvPr/>
+        </p:nvPicPr>
+        <p:blipFill>
+          <a:blip r:embed="rId2">
+            <a:extLst>
+              <a:ext uri="{28A0092B-C50C-407E-A947-70E740481C1C}">
+                <a14:useLocalDpi xmlns:a14="http://schemas.microsoft.com/office/drawing/2010/main" val="0"/>
+              </a:ext>
+            </a:extLst>
+          </a:blip>
+          <a:srcRect/>
+          <a:stretch>
+            <a:fillRect/>
+          </a:stretch>
+        </p:blipFill>
+        <p:spPr bwMode="auto">
+          <a:xfrm>
+            <a:off x="2472619" y="2133600"/>
+            <a:ext cx="4232981" cy="1352550"/>
+          </a:xfrm>
+          <a:prstGeom prst="rect">
+            <a:avLst/>
+          </a:prstGeom>
+          <a:noFill/>
+          <a:ln>
+            <a:noFill/>
+          </a:ln>
+          <a:extLst>
+            <a:ext uri="{909E8E84-426E-40DD-AFC4-6F175D3DCCD1}">
+              <a14:hiddenFill xmlns:a14="http://schemas.microsoft.com/office/drawing/2010/main">
+                <a:solidFill>
+                  <a:schemeClr val="accent1"/>
+                </a:solidFill>
+              </a14:hiddenFill>
+            </a:ext>
+            <a:ext uri="{91240B29-F687-4F45-9708-019B960494DF}">
+              <a14:hiddenLine xmlns:a14="http://schemas.microsoft.com/office/drawing/2010/main" w="9525">
+                <a:solidFill>
+                  <a:schemeClr val="tx1"/>
+                </a:solidFill>
+                <a:miter lim="800000"/>
+                <a:headEnd/>
+                <a:tailEnd/>
+              </a14:hiddenLine>
+            </a:ext>
+          </a:extLst>
+        </p:spPr>
+      </p:pic>
+    </p:spTree>
+    <p:extLst>
+      <p:ext uri="{BB962C8B-B14F-4D97-AF65-F5344CB8AC3E}">
+        <p14:creationId xmlns:p14="http://schemas.microsoft.com/office/powerpoint/2010/main" val="1724347707"/>
+      </p:ext>
+    </p:extLst>
+  </p:cSld>
+  <p:clrMapOvr>
+    <a:masterClrMapping/>
+  </p:clrMapOvr>
+</p:sld>
+</file>
+
+<file path=ppt/slides/slide13.xml><?xml version="1.0" encoding="utf-8"?>
+<p:sld xmlns:a="http://schemas.openxmlformats.org/drawingml/2006/main" xmlns:r="http://schemas.openxmlformats.org/officeDocument/2006/relationships" xmlns:p="http://schemas.openxmlformats.org/presentationml/2006/main">
+  <p:cSld>
+    <p:spTree>
+      <p:nvGrpSpPr>
+        <p:cNvPr id="1" name=""/>
+        <p:cNvGrpSpPr/>
+        <p:nvPr/>
+      </p:nvGrpSpPr>
+      <p:grpSpPr>
+        <a:xfrm>
+          <a:off x="0" y="0"/>
+          <a:ext cx="0" cy="0"/>
+          <a:chOff x="0" y="0"/>
+          <a:chExt cx="0" cy="0"/>
+        </a:xfrm>
+      </p:grpSpPr>
+      <p:sp>
+        <p:nvSpPr>
+          <p:cNvPr id="2" name="Title 1"/>
+          <p:cNvSpPr>
+            <a:spLocks noGrp="1"/>
+          </p:cNvSpPr>
+          <p:nvPr>
+            <p:ph type="title"/>
+          </p:nvPr>
+        </p:nvSpPr>
+        <p:spPr/>
+        <p:txBody>
+          <a:bodyPr/>
+          <a:lstStyle/>
+          <a:p>
+            <a:r>
+              <a:rPr lang="en-IE" dirty="0"/>
+              <a:t>The animate method</a:t>
+            </a:r>
+          </a:p>
+        </p:txBody>
+      </p:sp>
+      <p:sp>
+        <p:nvSpPr>
+          <p:cNvPr id="3" name="Content Placeholder 2"/>
+          <p:cNvSpPr>
+            <a:spLocks noGrp="1"/>
+          </p:cNvSpPr>
+          <p:nvPr>
+            <p:ph idx="1"/>
+          </p:nvPr>
+        </p:nvSpPr>
+        <p:spPr>
+          <a:xfrm>
+            <a:off x="938758" y="2286002"/>
+            <a:ext cx="2985542" cy="3593591"/>
+          </a:xfrm>
+        </p:spPr>
+        <p:txBody>
+          <a:bodyPr/>
+          <a:lstStyle/>
+          <a:p>
+            <a:r>
+              <a:rPr lang="en-US" dirty="0"/>
+              <a:t>In this example, the .animate() method is used to gradually change the values of two CSS properties. </a:t>
+            </a:r>
+            <a:endParaRPr lang="en-US" dirty="0" smtClean="0"/>
+          </a:p>
+          <a:p>
+            <a:r>
+              <a:rPr lang="en-US" dirty="0" smtClean="0"/>
+              <a:t>Both </a:t>
+            </a:r>
+            <a:r>
+              <a:rPr lang="en-US" dirty="0"/>
+              <a:t>of them have numerical values: opacity and padding-left.</a:t>
+            </a:r>
+            <a:endParaRPr lang="en-IE" dirty="0"/>
+          </a:p>
+        </p:txBody>
+      </p:sp>
+      <p:pic>
+        <p:nvPicPr>
+          <p:cNvPr id="6146" name="Picture 2"/>
+          <p:cNvPicPr>
+            <a:picLocks noChangeAspect="1" noChangeArrowheads="1"/>
+          </p:cNvPicPr>
+          <p:nvPr/>
+        </p:nvPicPr>
+        <p:blipFill>
+          <a:blip r:embed="rId2">
+            <a:extLst>
+              <a:ext uri="{28A0092B-C50C-407E-A947-70E740481C1C}">
+                <a14:useLocalDpi xmlns:a14="http://schemas.microsoft.com/office/drawing/2010/main" val="0"/>
+              </a:ext>
+            </a:extLst>
+          </a:blip>
+          <a:srcRect/>
+          <a:stretch>
+            <a:fillRect/>
+          </a:stretch>
+        </p:blipFill>
+        <p:spPr bwMode="auto">
+          <a:xfrm>
+            <a:off x="3962400" y="2514600"/>
+            <a:ext cx="4762500" cy="2514600"/>
+          </a:xfrm>
+          <a:prstGeom prst="rect">
+            <a:avLst/>
+          </a:prstGeom>
+          <a:noFill/>
+          <a:ln>
+            <a:noFill/>
+          </a:ln>
+          <a:extLst>
+            <a:ext uri="{909E8E84-426E-40DD-AFC4-6F175D3DCCD1}">
+              <a14:hiddenFill xmlns:a14="http://schemas.microsoft.com/office/drawing/2010/main">
+                <a:solidFill>
+                  <a:schemeClr val="accent1"/>
+                </a:solidFill>
+              </a14:hiddenFill>
+            </a:ext>
+            <a:ext uri="{91240B29-F687-4F45-9708-019B960494DF}">
+              <a14:hiddenLine xmlns:a14="http://schemas.microsoft.com/office/drawing/2010/main" w="9525">
+                <a:solidFill>
+                  <a:schemeClr val="tx1"/>
+                </a:solidFill>
+                <a:miter lim="800000"/>
+                <a:headEnd/>
+                <a:tailEnd/>
+              </a14:hiddenLine>
+            </a:ext>
+          </a:extLst>
+        </p:spPr>
+      </p:pic>
+    </p:spTree>
+    <p:extLst>
+      <p:ext uri="{BB962C8B-B14F-4D97-AF65-F5344CB8AC3E}">
+        <p14:creationId xmlns:p14="http://schemas.microsoft.com/office/powerpoint/2010/main" val="2283535188"/>
+      </p:ext>
+    </p:extLst>
+  </p:cSld>
+  <p:clrMapOvr>
+    <a:masterClrMapping/>
+  </p:clrMapOvr>
+</p:sld>
+</file>
+
+<file path=ppt/slides/slide14.xml><?xml version="1.0" encoding="utf-8"?>
+<p:sld xmlns:a="http://schemas.openxmlformats.org/drawingml/2006/main" xmlns:r="http://schemas.openxmlformats.org/officeDocument/2006/relationships" xmlns:p="http://schemas.openxmlformats.org/presentationml/2006/main">
+  <p:cSld>
+    <p:spTree>
+      <p:nvGrpSpPr>
+        <p:cNvPr id="1" name=""/>
+        <p:cNvGrpSpPr/>
+        <p:nvPr/>
+      </p:nvGrpSpPr>
+      <p:grpSpPr>
+        <a:xfrm>
+          <a:off x="0" y="0"/>
+          <a:ext cx="0" cy="0"/>
+          <a:chOff x="0" y="0"/>
+          <a:chExt cx="0" cy="0"/>
+        </a:xfrm>
+      </p:grpSpPr>
+      <p:sp>
+        <p:nvSpPr>
+          <p:cNvPr id="2" name="Title 1"/>
+          <p:cNvSpPr>
+            <a:spLocks noGrp="1"/>
+          </p:cNvSpPr>
+          <p:nvPr>
+            <p:ph type="title"/>
+          </p:nvPr>
+        </p:nvSpPr>
+        <p:spPr/>
+        <p:txBody>
+          <a:bodyPr/>
+          <a:lstStyle/>
+          <a:p>
+            <a:r>
+              <a:rPr lang="en-IE" dirty="0"/>
+              <a:t>The animate method</a:t>
+            </a:r>
+          </a:p>
+        </p:txBody>
+      </p:sp>
+      <p:sp>
+        <p:nvSpPr>
+          <p:cNvPr id="3" name="Content Placeholder 2"/>
+          <p:cNvSpPr>
+            <a:spLocks noGrp="1"/>
+          </p:cNvSpPr>
+          <p:nvPr>
+            <p:ph idx="1"/>
+          </p:nvPr>
+        </p:nvSpPr>
+        <p:spPr>
+          <a:xfrm>
+            <a:off x="938758" y="1981200"/>
+            <a:ext cx="7633742" cy="3593591"/>
+          </a:xfrm>
+        </p:spPr>
+        <p:txBody>
+          <a:bodyPr/>
+          <a:lstStyle/>
+          <a:p>
+            <a:r>
+              <a:rPr lang="en-US" dirty="0"/>
+              <a:t>All list items are selected and, when a user clicks on one of them, an anonymous function runs. </a:t>
+            </a:r>
+            <a:endParaRPr lang="en-US" dirty="0" smtClean="0"/>
+          </a:p>
+          <a:p>
+            <a:r>
+              <a:rPr lang="en-US" dirty="0" smtClean="0"/>
+              <a:t>Inside </a:t>
+            </a:r>
+            <a:r>
+              <a:rPr lang="en-US" dirty="0"/>
+              <a:t>it, $(this) creates a new jQuery object holding the element the user clicked on. </a:t>
+            </a:r>
+            <a:endParaRPr lang="en-US" dirty="0" smtClean="0"/>
+          </a:p>
+          <a:p>
+            <a:r>
+              <a:rPr lang="en-US" dirty="0" smtClean="0"/>
+              <a:t>The </a:t>
+            </a:r>
+            <a:r>
+              <a:rPr lang="en-US" dirty="0"/>
+              <a:t>.animate() method is then called on that jQuery object.</a:t>
+            </a:r>
+            <a:endParaRPr lang="en-IE" dirty="0"/>
+          </a:p>
+        </p:txBody>
+      </p:sp>
+      <p:pic>
+        <p:nvPicPr>
+          <p:cNvPr id="7170" name="Picture 2"/>
+          <p:cNvPicPr>
+            <a:picLocks noChangeAspect="1" noChangeArrowheads="1"/>
+          </p:cNvPicPr>
+          <p:nvPr/>
+        </p:nvPicPr>
+        <p:blipFill>
+          <a:blip r:embed="rId2">
+            <a:extLst>
+              <a:ext uri="{28A0092B-C50C-407E-A947-70E740481C1C}">
+                <a14:useLocalDpi xmlns:a14="http://schemas.microsoft.com/office/drawing/2010/main" val="0"/>
+              </a:ext>
+            </a:extLst>
+          </a:blip>
+          <a:srcRect/>
+          <a:stretch>
+            <a:fillRect/>
+          </a:stretch>
+        </p:blipFill>
+        <p:spPr bwMode="auto">
+          <a:xfrm>
+            <a:off x="2590800" y="4081463"/>
+            <a:ext cx="4000765" cy="2471737"/>
+          </a:xfrm>
+          <a:prstGeom prst="rect">
+            <a:avLst/>
+          </a:prstGeom>
+          <a:noFill/>
+          <a:ln>
+            <a:noFill/>
+          </a:ln>
+          <a:extLst>
+            <a:ext uri="{909E8E84-426E-40DD-AFC4-6F175D3DCCD1}">
+              <a14:hiddenFill xmlns:a14="http://schemas.microsoft.com/office/drawing/2010/main">
+                <a:solidFill>
+                  <a:schemeClr val="accent1"/>
+                </a:solidFill>
+              </a14:hiddenFill>
+            </a:ext>
+            <a:ext uri="{91240B29-F687-4F45-9708-019B960494DF}">
+              <a14:hiddenLine xmlns:a14="http://schemas.microsoft.com/office/drawing/2010/main" w="9525">
+                <a:solidFill>
+                  <a:schemeClr val="tx1"/>
+                </a:solidFill>
+                <a:miter lim="800000"/>
+                <a:headEnd/>
+                <a:tailEnd/>
+              </a14:hiddenLine>
+            </a:ext>
+          </a:extLst>
+        </p:spPr>
+      </p:pic>
+    </p:spTree>
+    <p:extLst>
+      <p:ext uri="{BB962C8B-B14F-4D97-AF65-F5344CB8AC3E}">
+        <p14:creationId xmlns:p14="http://schemas.microsoft.com/office/powerpoint/2010/main" val="628170091"/>
+      </p:ext>
+    </p:extLst>
+  </p:cSld>
+  <p:clrMapOvr>
+    <a:masterClrMapping/>
+  </p:clrMapOvr>
+</p:sld>
+</file>
+
+<file path=ppt/slides/slide15.xml><?xml version="1.0" encoding="utf-8"?>
+<p:sld xmlns:a="http://schemas.openxmlformats.org/drawingml/2006/main" xmlns:r="http://schemas.openxmlformats.org/officeDocument/2006/relationships" xmlns:p="http://schemas.openxmlformats.org/presentationml/2006/main">
+  <p:cSld>
+    <p:spTree>
+      <p:nvGrpSpPr>
+        <p:cNvPr id="1" name=""/>
+        <p:cNvGrpSpPr/>
+        <p:nvPr/>
+      </p:nvGrpSpPr>
+      <p:grpSpPr>
+        <a:xfrm>
+          <a:off x="0" y="0"/>
+          <a:ext cx="0" cy="0"/>
+          <a:chOff x="0" y="0"/>
+          <a:chExt cx="0" cy="0"/>
+        </a:xfrm>
+      </p:grpSpPr>
+      <p:sp>
+        <p:nvSpPr>
+          <p:cNvPr id="2" name="Title 1"/>
+          <p:cNvSpPr>
+            <a:spLocks noGrp="1"/>
+          </p:cNvSpPr>
+          <p:nvPr>
+            <p:ph type="title"/>
+          </p:nvPr>
+        </p:nvSpPr>
+        <p:spPr/>
+        <p:txBody>
+          <a:bodyPr/>
+          <a:lstStyle/>
+          <a:p>
+            <a:r>
+              <a:rPr lang="en-IE" dirty="0"/>
+              <a:t>The animate method</a:t>
+            </a:r>
+          </a:p>
+        </p:txBody>
+      </p:sp>
+      <p:sp>
+        <p:nvSpPr>
+          <p:cNvPr id="3" name="Content Placeholder 2"/>
+          <p:cNvSpPr>
+            <a:spLocks noGrp="1"/>
+          </p:cNvSpPr>
+          <p:nvPr>
+            <p:ph idx="1"/>
+          </p:nvPr>
+        </p:nvSpPr>
+        <p:spPr/>
+        <p:txBody>
+          <a:bodyPr/>
+          <a:lstStyle/>
+          <a:p>
+            <a:r>
+              <a:rPr lang="en-US" dirty="0" smtClean="0"/>
+              <a:t>Inside </a:t>
+            </a:r>
+            <a:r>
+              <a:rPr lang="en-US" dirty="0"/>
+              <a:t>the .animate() method, the opacity and </a:t>
+            </a:r>
+            <a:r>
+              <a:rPr lang="en-US" dirty="0" err="1"/>
+              <a:t>paddingLeft</a:t>
+            </a:r>
+            <a:r>
+              <a:rPr lang="en-US" dirty="0"/>
+              <a:t> are changed. </a:t>
+            </a:r>
+            <a:endParaRPr lang="en-US" dirty="0" smtClean="0"/>
+          </a:p>
+          <a:p>
+            <a:r>
+              <a:rPr lang="en-US" dirty="0" smtClean="0"/>
+              <a:t>The </a:t>
+            </a:r>
+            <a:r>
+              <a:rPr lang="en-US" dirty="0"/>
+              <a:t>value of the </a:t>
+            </a:r>
+            <a:r>
+              <a:rPr lang="en-US" dirty="0" err="1"/>
+              <a:t>paddingLeft</a:t>
+            </a:r>
+            <a:r>
+              <a:rPr lang="en-US" dirty="0"/>
+              <a:t> property is increased by 80 pixels which makes it look like the text is sliding to the right as it fades out.</a:t>
+            </a:r>
+            <a:endParaRPr lang="en-IE" dirty="0"/>
+          </a:p>
+        </p:txBody>
+      </p:sp>
+      <p:pic>
+        <p:nvPicPr>
+          <p:cNvPr id="8194" name="Picture 2"/>
+          <p:cNvPicPr>
+            <a:picLocks noChangeAspect="1" noChangeArrowheads="1"/>
+          </p:cNvPicPr>
+          <p:nvPr/>
+        </p:nvPicPr>
+        <p:blipFill>
+          <a:blip r:embed="rId2">
+            <a:extLst>
+              <a:ext uri="{28A0092B-C50C-407E-A947-70E740481C1C}">
+                <a14:useLocalDpi xmlns:a14="http://schemas.microsoft.com/office/drawing/2010/main" val="0"/>
+              </a:ext>
+            </a:extLst>
+          </a:blip>
+          <a:srcRect/>
+          <a:stretch>
+            <a:fillRect/>
+          </a:stretch>
+        </p:blipFill>
+        <p:spPr bwMode="auto">
+          <a:xfrm>
+            <a:off x="2469527" y="3581400"/>
+            <a:ext cx="4236073" cy="2917406"/>
+          </a:xfrm>
+          <a:prstGeom prst="rect">
+            <a:avLst/>
+          </a:prstGeom>
+          <a:noFill/>
+          <a:ln>
+            <a:noFill/>
+          </a:ln>
+          <a:extLst>
+            <a:ext uri="{909E8E84-426E-40DD-AFC4-6F175D3DCCD1}">
+              <a14:hiddenFill xmlns:a14="http://schemas.microsoft.com/office/drawing/2010/main">
+                <a:solidFill>
+                  <a:schemeClr val="accent1"/>
+                </a:solidFill>
+              </a14:hiddenFill>
+            </a:ext>
+            <a:ext uri="{91240B29-F687-4F45-9708-019B960494DF}">
+              <a14:hiddenLine xmlns:a14="http://schemas.microsoft.com/office/drawing/2010/main" w="9525">
+                <a:solidFill>
+                  <a:schemeClr val="tx1"/>
+                </a:solidFill>
+                <a:miter lim="800000"/>
+                <a:headEnd/>
+                <a:tailEnd/>
+              </a14:hiddenLine>
+            </a:ext>
+          </a:extLst>
+        </p:spPr>
+      </p:pic>
+    </p:spTree>
+    <p:extLst>
+      <p:ext uri="{BB962C8B-B14F-4D97-AF65-F5344CB8AC3E}">
+        <p14:creationId xmlns:p14="http://schemas.microsoft.com/office/powerpoint/2010/main" val="4005631566"/>
+      </p:ext>
+    </p:extLst>
+  </p:cSld>
+  <p:clrMapOvr>
+    <a:masterClrMapping/>
+  </p:clrMapOvr>
+</p:sld>
+</file>
+
+<file path=ppt/slides/slide16.xml><?xml version="1.0" encoding="utf-8"?>
+<p:sld xmlns:a="http://schemas.openxmlformats.org/drawingml/2006/main" xmlns:r="http://schemas.openxmlformats.org/officeDocument/2006/relationships" xmlns:p="http://schemas.openxmlformats.org/presentationml/2006/main">
+  <p:cSld>
+    <p:spTree>
+      <p:nvGrpSpPr>
+        <p:cNvPr id="1" name=""/>
+        <p:cNvGrpSpPr/>
+        <p:nvPr/>
+      </p:nvGrpSpPr>
+      <p:grpSpPr>
+        <a:xfrm>
+          <a:off x="0" y="0"/>
+          <a:ext cx="0" cy="0"/>
+          <a:chOff x="0" y="0"/>
+          <a:chExt cx="0" cy="0"/>
+        </a:xfrm>
+      </p:grpSpPr>
+      <p:sp>
+        <p:nvSpPr>
+          <p:cNvPr id="2" name="Title 1"/>
+          <p:cNvSpPr>
+            <a:spLocks noGrp="1"/>
+          </p:cNvSpPr>
+          <p:nvPr>
+            <p:ph type="title"/>
+          </p:nvPr>
+        </p:nvSpPr>
+        <p:spPr/>
+        <p:txBody>
+          <a:bodyPr/>
+          <a:lstStyle/>
+          <a:p>
+            <a:r>
+              <a:rPr lang="en-IE" dirty="0"/>
+              <a:t>The animate method</a:t>
+            </a:r>
+          </a:p>
+        </p:txBody>
+      </p:sp>
+      <p:sp>
+        <p:nvSpPr>
+          <p:cNvPr id="3" name="Content Placeholder 2"/>
+          <p:cNvSpPr>
+            <a:spLocks noGrp="1"/>
+          </p:cNvSpPr>
+          <p:nvPr>
+            <p:ph idx="1"/>
+          </p:nvPr>
+        </p:nvSpPr>
+        <p:spPr>
+          <a:xfrm>
+            <a:off x="938758" y="1359409"/>
+            <a:ext cx="7633742" cy="3593591"/>
+          </a:xfrm>
+        </p:spPr>
+        <p:txBody>
+          <a:bodyPr/>
+          <a:lstStyle/>
+          <a:p>
+            <a:r>
+              <a:rPr lang="en-US" dirty="0"/>
+              <a:t>The .animate() method has two more parameters. </a:t>
+            </a:r>
+            <a:endParaRPr lang="en-US" dirty="0" smtClean="0"/>
+          </a:p>
+          <a:p>
+            <a:r>
+              <a:rPr lang="en-US" dirty="0" smtClean="0"/>
+              <a:t>The </a:t>
+            </a:r>
+            <a:r>
+              <a:rPr lang="en-US" dirty="0"/>
+              <a:t>first is the speed of the animation in milliseconds (in this case, 500ms). </a:t>
+            </a:r>
+            <a:endParaRPr lang="en-US" dirty="0" smtClean="0"/>
+          </a:p>
+          <a:p>
+            <a:r>
+              <a:rPr lang="en-US" dirty="0" smtClean="0"/>
+              <a:t>The </a:t>
+            </a:r>
+            <a:r>
+              <a:rPr lang="en-US" dirty="0"/>
+              <a:t>second is another anonymous function indicating what should happen when the animation finishes. When the animation has finished, the callback function removes that list item from the page using the .remove() method.</a:t>
+            </a:r>
+            <a:endParaRPr lang="en-IE" dirty="0"/>
+          </a:p>
+        </p:txBody>
+      </p:sp>
+      <p:pic>
+        <p:nvPicPr>
+          <p:cNvPr id="9218" name="Picture 2"/>
+          <p:cNvPicPr>
+            <a:picLocks noChangeAspect="1" noChangeArrowheads="1"/>
+          </p:cNvPicPr>
+          <p:nvPr/>
+        </p:nvPicPr>
+        <p:blipFill>
+          <a:blip r:embed="rId2">
+            <a:extLst>
+              <a:ext uri="{28A0092B-C50C-407E-A947-70E740481C1C}">
+                <a14:useLocalDpi xmlns:a14="http://schemas.microsoft.com/office/drawing/2010/main" val="0"/>
+              </a:ext>
+            </a:extLst>
+          </a:blip>
+          <a:srcRect/>
+          <a:stretch>
+            <a:fillRect/>
+          </a:stretch>
+        </p:blipFill>
+        <p:spPr bwMode="auto">
+          <a:xfrm>
+            <a:off x="3733800" y="3781425"/>
+            <a:ext cx="3657600" cy="2924175"/>
+          </a:xfrm>
+          <a:prstGeom prst="rect">
+            <a:avLst/>
+          </a:prstGeom>
+          <a:noFill/>
+          <a:ln>
+            <a:noFill/>
+          </a:ln>
+          <a:extLst>
+            <a:ext uri="{909E8E84-426E-40DD-AFC4-6F175D3DCCD1}">
+              <a14:hiddenFill xmlns:a14="http://schemas.microsoft.com/office/drawing/2010/main">
+                <a:solidFill>
+                  <a:schemeClr val="accent1"/>
+                </a:solidFill>
+              </a14:hiddenFill>
+            </a:ext>
+            <a:ext uri="{91240B29-F687-4F45-9708-019B960494DF}">
+              <a14:hiddenLine xmlns:a14="http://schemas.microsoft.com/office/drawing/2010/main" w="9525">
+                <a:solidFill>
+                  <a:schemeClr val="tx1"/>
+                </a:solidFill>
+                <a:miter lim="800000"/>
+                <a:headEnd/>
+                <a:tailEnd/>
+              </a14:hiddenLine>
+            </a:ext>
+          </a:extLst>
+        </p:spPr>
+      </p:pic>
+    </p:spTree>
+    <p:extLst>
+      <p:ext uri="{BB962C8B-B14F-4D97-AF65-F5344CB8AC3E}">
+        <p14:creationId xmlns:p14="http://schemas.microsoft.com/office/powerpoint/2010/main" val="147181202"/>
+      </p:ext>
+    </p:extLst>
+  </p:cSld>
+  <p:clrMapOvr>
+    <a:masterClrMapping/>
+  </p:clrMapOvr>
+</p:sld>
+</file>
+
+<file path=ppt/slides/slide17.xml><?xml version="1.0" encoding="utf-8"?>
+<p:sld xmlns:a="http://schemas.openxmlformats.org/drawingml/2006/main" xmlns:r="http://schemas.openxmlformats.org/officeDocument/2006/relationships" xmlns:p="http://schemas.openxmlformats.org/presentationml/2006/main">
+  <p:cSld>
+    <p:spTree>
+      <p:nvGrpSpPr>
+        <p:cNvPr id="1" name=""/>
+        <p:cNvGrpSpPr/>
+        <p:nvPr/>
+      </p:nvGrpSpPr>
+      <p:grpSpPr>
+        <a:xfrm>
+          <a:off x="0" y="0"/>
+          <a:ext cx="0" cy="0"/>
+          <a:chOff x="0" y="0"/>
+          <a:chExt cx="0" cy="0"/>
+        </a:xfrm>
+      </p:grpSpPr>
+      <p:sp>
+        <p:nvSpPr>
+          <p:cNvPr id="2" name="Title 1"/>
+          <p:cNvSpPr>
+            <a:spLocks noGrp="1"/>
+          </p:cNvSpPr>
+          <p:nvPr>
+            <p:ph type="title"/>
+          </p:nvPr>
+        </p:nvSpPr>
+        <p:spPr/>
+        <p:txBody>
+          <a:bodyPr/>
+          <a:lstStyle/>
+          <a:p>
+            <a:r>
+              <a:rPr lang="en-IE" dirty="0" err="1" smtClean="0"/>
+              <a:t>Jquery</a:t>
+            </a:r>
+            <a:r>
+              <a:rPr lang="en-IE" dirty="0" smtClean="0"/>
+              <a:t> form selectors</a:t>
+            </a:r>
+            <a:endParaRPr lang="en-IE" dirty="0"/>
+          </a:p>
+        </p:txBody>
+      </p:sp>
+      <p:sp>
+        <p:nvSpPr>
+          <p:cNvPr id="3" name="Content Placeholder 2"/>
+          <p:cNvSpPr>
+            <a:spLocks noGrp="1"/>
+          </p:cNvSpPr>
+          <p:nvPr>
+            <p:ph idx="1"/>
+          </p:nvPr>
+        </p:nvSpPr>
+        <p:spPr/>
+        <p:txBody>
+          <a:bodyPr/>
+          <a:lstStyle/>
+          <a:p>
+            <a:r>
+              <a:rPr lang="en-US" dirty="0"/>
+              <a:t>jQuery has selectors that are designed specifically to work with forms. </a:t>
+            </a:r>
+            <a:endParaRPr lang="en-US" dirty="0" smtClean="0"/>
+          </a:p>
+          <a:p>
+            <a:r>
+              <a:rPr lang="en-US" dirty="0" smtClean="0"/>
+              <a:t>However</a:t>
+            </a:r>
+            <a:r>
+              <a:rPr lang="en-US" dirty="0"/>
+              <a:t>, because of the way jQuery searches for elements, these selectors are not always the quickest way to select elements on a page. </a:t>
+            </a:r>
+            <a:endParaRPr lang="en-US" dirty="0" smtClean="0"/>
+          </a:p>
+          <a:p>
+            <a:r>
+              <a:rPr lang="en-US" dirty="0" smtClean="0"/>
+              <a:t>The </a:t>
+            </a:r>
+            <a:r>
+              <a:rPr lang="en-US" dirty="0"/>
+              <a:t>jQuery selectors are shown </a:t>
+            </a:r>
+            <a:r>
+              <a:rPr lang="en-US" dirty="0" smtClean="0"/>
+              <a:t>on the next slide.</a:t>
+            </a:r>
+            <a:endParaRPr lang="en-IE" dirty="0"/>
+          </a:p>
+        </p:txBody>
+      </p:sp>
+    </p:spTree>
+    <p:extLst>
+      <p:ext uri="{BB962C8B-B14F-4D97-AF65-F5344CB8AC3E}">
+        <p14:creationId xmlns:p14="http://schemas.microsoft.com/office/powerpoint/2010/main" val="896937715"/>
+      </p:ext>
+    </p:extLst>
+  </p:cSld>
+  <p:clrMapOvr>
+    <a:masterClrMapping/>
+  </p:clrMapOvr>
+</p:sld>
+</file>
+
+<file path=ppt/slides/slide18.xml><?xml version="1.0" encoding="utf-8"?>
+<p:sld xmlns:a="http://schemas.openxmlformats.org/drawingml/2006/main" xmlns:r="http://schemas.openxmlformats.org/officeDocument/2006/relationships" xmlns:p="http://schemas.openxmlformats.org/presentationml/2006/main">
+  <p:cSld>
+    <p:spTree>
+      <p:nvGrpSpPr>
+        <p:cNvPr id="1" name=""/>
+        <p:cNvGrpSpPr/>
+        <p:nvPr/>
+      </p:nvGrpSpPr>
+      <p:grpSpPr>
+        <a:xfrm>
+          <a:off x="0" y="0"/>
+          <a:ext cx="0" cy="0"/>
+          <a:chOff x="0" y="0"/>
+          <a:chExt cx="0" cy="0"/>
+        </a:xfrm>
+      </p:grpSpPr>
+      <p:sp>
+        <p:nvSpPr>
+          <p:cNvPr id="2" name="Title 1"/>
+          <p:cNvSpPr>
+            <a:spLocks noGrp="1"/>
+          </p:cNvSpPr>
+          <p:nvPr>
+            <p:ph type="title"/>
+          </p:nvPr>
+        </p:nvSpPr>
+        <p:spPr/>
+        <p:txBody>
+          <a:bodyPr/>
+          <a:lstStyle/>
+          <a:p>
+            <a:endParaRPr lang="en-IE"/>
+          </a:p>
+        </p:txBody>
+      </p:sp>
+      <p:graphicFrame>
+        <p:nvGraphicFramePr>
+          <p:cNvPr id="4" name="Content Placeholder 3"/>
+          <p:cNvGraphicFramePr>
+            <a:graphicFrameLocks noGrp="1"/>
+          </p:cNvGraphicFramePr>
+          <p:nvPr>
+            <p:ph idx="1"/>
+            <p:extLst>
+              <p:ext uri="{D42A27DB-BD31-4B8C-83A1-F6EECF244321}">
+                <p14:modId xmlns:p14="http://schemas.microsoft.com/office/powerpoint/2010/main" val="2210356084"/>
+              </p:ext>
+            </p:extLst>
+          </p:nvPr>
+        </p:nvGraphicFramePr>
+        <p:xfrm>
+          <a:off x="762000" y="609600"/>
+          <a:ext cx="8001000" cy="5669280"/>
+        </p:xfrm>
+        <a:graphic>
+          <a:graphicData uri="http://schemas.openxmlformats.org/drawingml/2006/table">
+            <a:tbl>
+              <a:tblPr firstRow="1" bandRow="1">
+                <a:tableStyleId>{5C22544A-7EE6-4342-B048-85BDC9FD1C3A}</a:tableStyleId>
+              </a:tblPr>
+              <a:tblGrid>
+                <a:gridCol w="1219200"/>
+                <a:gridCol w="6781800"/>
+              </a:tblGrid>
+              <a:tr h="0">
+                <a:tc>
+                  <a:txBody>
+                    <a:bodyPr/>
+                    <a:lstStyle/>
+                    <a:p>
+                      <a:r>
+                        <a:rPr lang="en-IE" sz="1600" dirty="0" smtClean="0"/>
+                        <a:t>Selector</a:t>
+                      </a:r>
+                      <a:endParaRPr lang="en-IE" sz="1600" dirty="0"/>
+                    </a:p>
+                  </a:txBody>
+                  <a:tcPr/>
+                </a:tc>
+                <a:tc>
+                  <a:txBody>
+                    <a:bodyPr/>
+                    <a:lstStyle/>
+                    <a:p>
+                      <a:endParaRPr lang="en-IE" sz="1600" dirty="0"/>
+                    </a:p>
+                  </a:txBody>
+                  <a:tcPr/>
+                </a:tc>
+              </a:tr>
+              <a:tr h="0">
+                <a:tc>
+                  <a:txBody>
+                    <a:bodyPr/>
+                    <a:lstStyle/>
+                    <a:p>
+                      <a:r>
+                        <a:rPr lang="en-US" sz="1600" b="1" i="0" kern="1200" dirty="0" smtClean="0">
+                          <a:solidFill>
+                            <a:schemeClr val="dk1"/>
+                          </a:solidFill>
+                          <a:effectLst/>
+                          <a:latin typeface="+mn-lt"/>
+                          <a:ea typeface="+mn-ea"/>
+                          <a:cs typeface="+mn-cs"/>
+                        </a:rPr>
+                        <a:t>:button</a:t>
+                      </a:r>
+                      <a:endParaRPr lang="en-US" sz="1600" b="0" i="0" kern="1200" dirty="0" smtClean="0">
+                        <a:solidFill>
+                          <a:schemeClr val="dk1"/>
+                        </a:solidFill>
+                        <a:effectLst/>
+                        <a:latin typeface="+mn-lt"/>
+                        <a:ea typeface="+mn-ea"/>
+                        <a:cs typeface="+mn-cs"/>
+                      </a:endParaRPr>
+                    </a:p>
+                  </a:txBody>
+                  <a:tcPr/>
+                </a:tc>
+                <a:tc>
+                  <a:txBody>
+                    <a:bodyPr/>
+                    <a:lstStyle/>
+                    <a:p>
+                      <a:pPr marL="0" marR="0" indent="0" algn="l" defTabSz="685800" rtl="0" eaLnBrk="1" fontAlgn="auto" latinLnBrk="0" hangingPunct="1">
+                        <a:lnSpc>
+                          <a:spcPct val="100000"/>
+                        </a:lnSpc>
+                        <a:spcBef>
+                          <a:spcPts val="0"/>
+                        </a:spcBef>
+                        <a:spcAft>
+                          <a:spcPts val="0"/>
+                        </a:spcAft>
+                        <a:buClrTx/>
+                        <a:buSzTx/>
+                        <a:buFontTx/>
+                        <a:buNone/>
+                        <a:tabLst/>
+                        <a:defRPr/>
+                      </a:pPr>
+                      <a:r>
+                        <a:rPr lang="en-US" sz="1600" b="0" i="0" kern="1200" dirty="0" smtClean="0">
+                          <a:solidFill>
+                            <a:schemeClr val="dk1"/>
+                          </a:solidFill>
+                          <a:effectLst/>
+                          <a:latin typeface="+mn-lt"/>
+                          <a:ea typeface="+mn-ea"/>
+                          <a:cs typeface="+mn-cs"/>
+                        </a:rPr>
+                        <a:t>&lt;button&gt; and &lt;input&gt; elements whose type attribute has a value of button.</a:t>
+                      </a:r>
+                    </a:p>
+                  </a:txBody>
+                  <a:tcPr/>
+                </a:tc>
+              </a:tr>
+              <a:tr h="0">
+                <a:tc>
+                  <a:txBody>
+                    <a:bodyPr/>
+                    <a:lstStyle/>
+                    <a:p>
+                      <a:pPr marL="0" marR="0" indent="0" algn="l" defTabSz="685800" rtl="0" eaLnBrk="1" fontAlgn="auto" latinLnBrk="0" hangingPunct="1">
+                        <a:lnSpc>
+                          <a:spcPct val="100000"/>
+                        </a:lnSpc>
+                        <a:spcBef>
+                          <a:spcPts val="0"/>
+                        </a:spcBef>
+                        <a:spcAft>
+                          <a:spcPts val="0"/>
+                        </a:spcAft>
+                        <a:buClrTx/>
+                        <a:buSzTx/>
+                        <a:buFontTx/>
+                        <a:buNone/>
+                        <a:tabLst/>
+                        <a:defRPr/>
+                      </a:pPr>
+                      <a:r>
+                        <a:rPr lang="en-US" sz="1600" b="1" i="0" kern="1200" dirty="0" smtClean="0">
+                          <a:solidFill>
+                            <a:schemeClr val="dk1"/>
+                          </a:solidFill>
+                          <a:effectLst/>
+                          <a:latin typeface="+mn-lt"/>
+                          <a:ea typeface="+mn-ea"/>
+                          <a:cs typeface="+mn-cs"/>
+                        </a:rPr>
+                        <a:t>:checkbox</a:t>
+                      </a:r>
+                      <a:endParaRPr lang="en-US" sz="1600" b="0" i="0" kern="1200" dirty="0" smtClean="0">
+                        <a:solidFill>
+                          <a:schemeClr val="dk1"/>
+                        </a:solidFill>
+                        <a:effectLst/>
+                        <a:latin typeface="+mn-lt"/>
+                        <a:ea typeface="+mn-ea"/>
+                        <a:cs typeface="+mn-cs"/>
+                      </a:endParaRPr>
+                    </a:p>
+                    <a:p>
+                      <a:endParaRPr lang="en-IE" sz="1600" dirty="0"/>
+                    </a:p>
+                  </a:txBody>
+                  <a:tcPr/>
+                </a:tc>
+                <a:tc>
+                  <a:txBody>
+                    <a:bodyPr/>
+                    <a:lstStyle/>
+                    <a:p>
+                      <a:pPr marL="0" marR="0" indent="0" algn="l" defTabSz="685800" rtl="0" eaLnBrk="1" fontAlgn="auto" latinLnBrk="0" hangingPunct="1">
+                        <a:lnSpc>
+                          <a:spcPct val="100000"/>
+                        </a:lnSpc>
+                        <a:spcBef>
+                          <a:spcPts val="0"/>
+                        </a:spcBef>
+                        <a:spcAft>
+                          <a:spcPts val="0"/>
+                        </a:spcAft>
+                        <a:buClrTx/>
+                        <a:buSzTx/>
+                        <a:buFontTx/>
+                        <a:buNone/>
+                        <a:tabLst/>
+                        <a:defRPr/>
+                      </a:pPr>
+                      <a:r>
+                        <a:rPr lang="en-US" sz="1600" b="0" i="0" kern="1200" dirty="0" smtClean="0">
+                          <a:solidFill>
+                            <a:schemeClr val="dk1"/>
+                          </a:solidFill>
+                          <a:effectLst/>
+                          <a:latin typeface="+mn-lt"/>
+                          <a:ea typeface="+mn-ea"/>
+                          <a:cs typeface="+mn-cs"/>
+                        </a:rPr>
+                        <a:t>&lt;input&gt; elements whose type attribute has a value of checkbox. </a:t>
+                      </a:r>
+                      <a:endParaRPr lang="en-IE" sz="1600" dirty="0"/>
+                    </a:p>
+                  </a:txBody>
+                  <a:tcPr/>
+                </a:tc>
+              </a:tr>
+              <a:tr h="0">
+                <a:tc>
+                  <a:txBody>
+                    <a:bodyPr/>
+                    <a:lstStyle/>
+                    <a:p>
+                      <a:pPr marL="0" marR="0" indent="0" algn="l" defTabSz="685800" rtl="0" eaLnBrk="1" fontAlgn="auto" latinLnBrk="0" hangingPunct="1">
+                        <a:lnSpc>
+                          <a:spcPct val="100000"/>
+                        </a:lnSpc>
+                        <a:spcBef>
+                          <a:spcPts val="0"/>
+                        </a:spcBef>
+                        <a:spcAft>
+                          <a:spcPts val="0"/>
+                        </a:spcAft>
+                        <a:buClrTx/>
+                        <a:buSzTx/>
+                        <a:buFontTx/>
+                        <a:buNone/>
+                        <a:tabLst/>
+                        <a:defRPr/>
+                      </a:pPr>
+                      <a:r>
+                        <a:rPr lang="en-US" sz="1600" b="1" i="0" kern="1200" dirty="0" smtClean="0">
+                          <a:solidFill>
+                            <a:schemeClr val="dk1"/>
+                          </a:solidFill>
+                          <a:effectLst/>
+                          <a:latin typeface="+mn-lt"/>
+                          <a:ea typeface="+mn-ea"/>
+                          <a:cs typeface="+mn-cs"/>
+                        </a:rPr>
+                        <a:t>:checked</a:t>
+                      </a:r>
+                      <a:endParaRPr lang="en-US" sz="1600" b="0" i="0" kern="1200" dirty="0" smtClean="0">
+                        <a:solidFill>
+                          <a:schemeClr val="dk1"/>
+                        </a:solidFill>
+                        <a:effectLst/>
+                        <a:latin typeface="+mn-lt"/>
+                        <a:ea typeface="+mn-ea"/>
+                        <a:cs typeface="+mn-cs"/>
+                      </a:endParaRPr>
+                    </a:p>
+                    <a:p>
+                      <a:endParaRPr lang="en-IE" sz="1600" dirty="0"/>
+                    </a:p>
+                  </a:txBody>
+                  <a:tcPr/>
+                </a:tc>
+                <a:tc>
+                  <a:txBody>
+                    <a:bodyPr/>
+                    <a:lstStyle/>
+                    <a:p>
+                      <a:pPr marL="0" marR="0" indent="0" algn="l" defTabSz="685800" rtl="0" eaLnBrk="1" fontAlgn="auto" latinLnBrk="0" hangingPunct="1">
+                        <a:lnSpc>
+                          <a:spcPct val="100000"/>
+                        </a:lnSpc>
+                        <a:spcBef>
+                          <a:spcPts val="0"/>
+                        </a:spcBef>
+                        <a:spcAft>
+                          <a:spcPts val="0"/>
+                        </a:spcAft>
+                        <a:buClrTx/>
+                        <a:buSzTx/>
+                        <a:buFontTx/>
+                        <a:buNone/>
+                        <a:tabLst/>
+                        <a:defRPr/>
+                      </a:pPr>
+                      <a:r>
+                        <a:rPr lang="en-US" sz="1600" b="0" i="0" kern="1200" dirty="0" smtClean="0">
+                          <a:solidFill>
+                            <a:schemeClr val="dk1"/>
+                          </a:solidFill>
+                          <a:effectLst/>
+                          <a:latin typeface="+mn-lt"/>
+                          <a:ea typeface="+mn-ea"/>
+                          <a:cs typeface="+mn-cs"/>
+                        </a:rPr>
+                        <a:t>Checked elements from checkboxes and radio buttons (see :selected for select boxes)</a:t>
+                      </a:r>
+                      <a:endParaRPr lang="en-IE" sz="1600" dirty="0"/>
+                    </a:p>
+                  </a:txBody>
+                  <a:tcPr/>
+                </a:tc>
+              </a:tr>
+              <a:tr h="0">
+                <a:tc>
+                  <a:txBody>
+                    <a:bodyPr/>
+                    <a:lstStyle/>
+                    <a:p>
+                      <a:pPr marL="0" marR="0" indent="0" algn="l" defTabSz="685800" rtl="0" eaLnBrk="1" fontAlgn="auto" latinLnBrk="0" hangingPunct="1">
+                        <a:lnSpc>
+                          <a:spcPct val="100000"/>
+                        </a:lnSpc>
+                        <a:spcBef>
+                          <a:spcPts val="0"/>
+                        </a:spcBef>
+                        <a:spcAft>
+                          <a:spcPts val="0"/>
+                        </a:spcAft>
+                        <a:buClrTx/>
+                        <a:buSzTx/>
+                        <a:buFontTx/>
+                        <a:buNone/>
+                        <a:tabLst/>
+                        <a:defRPr/>
+                      </a:pPr>
+                      <a:r>
+                        <a:rPr lang="en-US" sz="1600" b="1" i="0" kern="1200" dirty="0" smtClean="0">
+                          <a:solidFill>
+                            <a:schemeClr val="dk1"/>
+                          </a:solidFill>
+                          <a:effectLst/>
+                          <a:latin typeface="+mn-lt"/>
+                          <a:ea typeface="+mn-ea"/>
+                          <a:cs typeface="+mn-cs"/>
+                        </a:rPr>
+                        <a:t>:focus</a:t>
+                      </a:r>
+                      <a:endParaRPr lang="en-IE" sz="1600" dirty="0"/>
+                    </a:p>
+                  </a:txBody>
+                  <a:tcPr/>
+                </a:tc>
+                <a:tc>
+                  <a:txBody>
+                    <a:bodyPr/>
+                    <a:lstStyle/>
+                    <a:p>
+                      <a:pPr marL="0" marR="0" indent="0" algn="l" defTabSz="685800" rtl="0" eaLnBrk="1" fontAlgn="auto" latinLnBrk="0" hangingPunct="1">
+                        <a:lnSpc>
+                          <a:spcPct val="100000"/>
+                        </a:lnSpc>
+                        <a:spcBef>
+                          <a:spcPts val="0"/>
+                        </a:spcBef>
+                        <a:spcAft>
+                          <a:spcPts val="0"/>
+                        </a:spcAft>
+                        <a:buClrTx/>
+                        <a:buSzTx/>
+                        <a:buFontTx/>
+                        <a:buNone/>
+                        <a:tabLst/>
+                        <a:defRPr/>
+                      </a:pPr>
+                      <a:r>
+                        <a:rPr lang="en-US" sz="1600" b="0" i="0" kern="1200" dirty="0" smtClean="0">
+                          <a:solidFill>
+                            <a:schemeClr val="dk1"/>
+                          </a:solidFill>
+                          <a:effectLst/>
+                          <a:latin typeface="+mn-lt"/>
+                          <a:ea typeface="+mn-ea"/>
+                          <a:cs typeface="+mn-cs"/>
+                        </a:rPr>
+                        <a:t>Element that currently has focus. </a:t>
+                      </a:r>
+                      <a:endParaRPr lang="en-IE" sz="1600" dirty="0"/>
+                    </a:p>
+                  </a:txBody>
+                  <a:tcPr/>
+                </a:tc>
+              </a:tr>
+              <a:tr h="0">
+                <a:tc>
+                  <a:txBody>
+                    <a:bodyPr/>
+                    <a:lstStyle/>
+                    <a:p>
+                      <a:pPr marL="0" marR="0" indent="0" algn="l" defTabSz="685800" rtl="0" eaLnBrk="1" fontAlgn="auto" latinLnBrk="0" hangingPunct="1">
+                        <a:lnSpc>
+                          <a:spcPct val="100000"/>
+                        </a:lnSpc>
+                        <a:spcBef>
+                          <a:spcPts val="0"/>
+                        </a:spcBef>
+                        <a:spcAft>
+                          <a:spcPts val="0"/>
+                        </a:spcAft>
+                        <a:buClrTx/>
+                        <a:buSzTx/>
+                        <a:buFontTx/>
+                        <a:buNone/>
+                        <a:tabLst/>
+                        <a:defRPr/>
+                      </a:pPr>
+                      <a:r>
+                        <a:rPr lang="en-US" sz="1600" b="1" i="0" kern="1200" dirty="0" smtClean="0">
+                          <a:solidFill>
+                            <a:schemeClr val="dk1"/>
+                          </a:solidFill>
+                          <a:effectLst/>
+                          <a:latin typeface="+mn-lt"/>
+                          <a:ea typeface="+mn-ea"/>
+                          <a:cs typeface="+mn-cs"/>
+                        </a:rPr>
+                        <a:t>:file</a:t>
+                      </a:r>
+                      <a:endParaRPr lang="en-IE" sz="1600" dirty="0"/>
+                    </a:p>
+                  </a:txBody>
+                  <a:tcPr/>
+                </a:tc>
+                <a:tc>
+                  <a:txBody>
+                    <a:bodyPr/>
+                    <a:lstStyle/>
+                    <a:p>
+                      <a:pPr marL="0" marR="0" indent="0" algn="l" defTabSz="685800" rtl="0" eaLnBrk="1" fontAlgn="auto" latinLnBrk="0" hangingPunct="1">
+                        <a:lnSpc>
+                          <a:spcPct val="100000"/>
+                        </a:lnSpc>
+                        <a:spcBef>
+                          <a:spcPts val="0"/>
+                        </a:spcBef>
+                        <a:spcAft>
+                          <a:spcPts val="0"/>
+                        </a:spcAft>
+                        <a:buClrTx/>
+                        <a:buSzTx/>
+                        <a:buFontTx/>
+                        <a:buNone/>
+                        <a:tabLst/>
+                        <a:defRPr/>
+                      </a:pPr>
+                      <a:r>
+                        <a:rPr lang="en-US" sz="1600" b="0" i="0" kern="1200" dirty="0" smtClean="0">
+                          <a:solidFill>
+                            <a:schemeClr val="dk1"/>
+                          </a:solidFill>
+                          <a:effectLst/>
+                          <a:latin typeface="+mn-lt"/>
+                          <a:ea typeface="+mn-ea"/>
+                          <a:cs typeface="+mn-cs"/>
+                        </a:rPr>
+                        <a:t>All elements that are file inputs.</a:t>
+                      </a:r>
+                      <a:endParaRPr lang="en-IE" sz="1600" dirty="0"/>
+                    </a:p>
+                  </a:txBody>
+                  <a:tcPr/>
+                </a:tc>
+              </a:tr>
+              <a:tr h="0">
+                <a:tc>
+                  <a:txBody>
+                    <a:bodyPr/>
+                    <a:lstStyle/>
+                    <a:p>
+                      <a:pPr marL="0" marR="0" indent="0" algn="l" defTabSz="685800" rtl="0" eaLnBrk="1" fontAlgn="auto" latinLnBrk="0" hangingPunct="1">
+                        <a:lnSpc>
+                          <a:spcPct val="100000"/>
+                        </a:lnSpc>
+                        <a:spcBef>
+                          <a:spcPts val="0"/>
+                        </a:spcBef>
+                        <a:spcAft>
+                          <a:spcPts val="0"/>
+                        </a:spcAft>
+                        <a:buClrTx/>
+                        <a:buSzTx/>
+                        <a:buFontTx/>
+                        <a:buNone/>
+                        <a:tabLst/>
+                        <a:defRPr/>
+                      </a:pPr>
+                      <a:r>
+                        <a:rPr lang="en-US" sz="1600" b="1" i="0" kern="1200" dirty="0" smtClean="0">
+                          <a:solidFill>
+                            <a:schemeClr val="dk1"/>
+                          </a:solidFill>
+                          <a:effectLst/>
+                          <a:latin typeface="+mn-lt"/>
+                          <a:ea typeface="+mn-ea"/>
+                          <a:cs typeface="+mn-cs"/>
+                        </a:rPr>
+                        <a:t>:image</a:t>
+                      </a:r>
+                      <a:endParaRPr lang="en-IE" sz="1600" dirty="0"/>
+                    </a:p>
+                  </a:txBody>
+                  <a:tcPr/>
+                </a:tc>
+                <a:tc>
+                  <a:txBody>
+                    <a:bodyPr/>
+                    <a:lstStyle/>
+                    <a:p>
+                      <a:pPr marL="0" marR="0" indent="0" algn="l" defTabSz="685800" rtl="0" eaLnBrk="1" fontAlgn="auto" latinLnBrk="0" hangingPunct="1">
+                        <a:lnSpc>
+                          <a:spcPct val="100000"/>
+                        </a:lnSpc>
+                        <a:spcBef>
+                          <a:spcPts val="0"/>
+                        </a:spcBef>
+                        <a:spcAft>
+                          <a:spcPts val="0"/>
+                        </a:spcAft>
+                        <a:buClrTx/>
+                        <a:buSzTx/>
+                        <a:buFontTx/>
+                        <a:buNone/>
+                        <a:tabLst/>
+                        <a:defRPr/>
+                      </a:pPr>
+                      <a:r>
+                        <a:rPr lang="en-US" sz="1600" b="0" i="0" kern="1200" dirty="0" smtClean="0">
+                          <a:solidFill>
+                            <a:schemeClr val="dk1"/>
+                          </a:solidFill>
+                          <a:effectLst/>
+                          <a:latin typeface="+mn-lt"/>
+                          <a:ea typeface="+mn-ea"/>
+                          <a:cs typeface="+mn-cs"/>
+                        </a:rPr>
+                        <a:t>All image inputs. </a:t>
+                      </a:r>
+                      <a:endParaRPr lang="en-IE" sz="1600" dirty="0"/>
+                    </a:p>
+                  </a:txBody>
+                  <a:tcPr/>
+                </a:tc>
+              </a:tr>
+              <a:tr h="0">
+                <a:tc>
+                  <a:txBody>
+                    <a:bodyPr/>
+                    <a:lstStyle/>
+                    <a:p>
+                      <a:pPr marL="0" marR="0" indent="0" algn="l" defTabSz="685800" rtl="0" eaLnBrk="1" fontAlgn="auto" latinLnBrk="0" hangingPunct="1">
+                        <a:lnSpc>
+                          <a:spcPct val="100000"/>
+                        </a:lnSpc>
+                        <a:spcBef>
+                          <a:spcPts val="0"/>
+                        </a:spcBef>
+                        <a:spcAft>
+                          <a:spcPts val="0"/>
+                        </a:spcAft>
+                        <a:buClrTx/>
+                        <a:buSzTx/>
+                        <a:buFontTx/>
+                        <a:buNone/>
+                        <a:tabLst/>
+                        <a:defRPr/>
+                      </a:pPr>
+                      <a:r>
+                        <a:rPr lang="en-US" sz="1600" b="1" i="0" kern="1200" dirty="0" smtClean="0">
+                          <a:solidFill>
+                            <a:schemeClr val="dk1"/>
+                          </a:solidFill>
+                          <a:effectLst/>
+                          <a:latin typeface="+mn-lt"/>
+                          <a:ea typeface="+mn-ea"/>
+                          <a:cs typeface="+mn-cs"/>
+                        </a:rPr>
+                        <a:t>:input</a:t>
+                      </a:r>
+                      <a:endParaRPr lang="en-IE" sz="1600" dirty="0"/>
+                    </a:p>
+                  </a:txBody>
+                  <a:tcPr/>
+                </a:tc>
+                <a:tc>
+                  <a:txBody>
+                    <a:bodyPr/>
+                    <a:lstStyle/>
+                    <a:p>
+                      <a:pPr marL="0" marR="0" indent="0" algn="l" defTabSz="685800" rtl="0" eaLnBrk="1" fontAlgn="auto" latinLnBrk="0" hangingPunct="1">
+                        <a:lnSpc>
+                          <a:spcPct val="100000"/>
+                        </a:lnSpc>
+                        <a:spcBef>
+                          <a:spcPts val="0"/>
+                        </a:spcBef>
+                        <a:spcAft>
+                          <a:spcPts val="0"/>
+                        </a:spcAft>
+                        <a:buClrTx/>
+                        <a:buSzTx/>
+                        <a:buFontTx/>
+                        <a:buNone/>
+                        <a:tabLst/>
+                        <a:defRPr/>
+                      </a:pPr>
+                      <a:r>
+                        <a:rPr lang="en-US" sz="1600" b="0" i="0" kern="1200" dirty="0" smtClean="0">
+                          <a:solidFill>
+                            <a:schemeClr val="dk1"/>
+                          </a:solidFill>
+                          <a:effectLst/>
+                          <a:latin typeface="+mn-lt"/>
+                          <a:ea typeface="+mn-ea"/>
+                          <a:cs typeface="+mn-cs"/>
+                        </a:rPr>
+                        <a:t>All &lt;button&gt;, &lt;input&gt;, &lt;select&gt; and &lt;</a:t>
+                      </a:r>
+                      <a:r>
+                        <a:rPr lang="en-US" sz="1600" b="0" i="0" kern="1200" dirty="0" err="1" smtClean="0">
+                          <a:solidFill>
+                            <a:schemeClr val="dk1"/>
+                          </a:solidFill>
+                          <a:effectLst/>
+                          <a:latin typeface="+mn-lt"/>
+                          <a:ea typeface="+mn-ea"/>
+                          <a:cs typeface="+mn-cs"/>
+                        </a:rPr>
+                        <a:t>textarea</a:t>
+                      </a:r>
+                      <a:r>
+                        <a:rPr lang="en-US" sz="1600" b="0" i="0" kern="1200" dirty="0" smtClean="0">
+                          <a:solidFill>
+                            <a:schemeClr val="dk1"/>
+                          </a:solidFill>
+                          <a:effectLst/>
+                          <a:latin typeface="+mn-lt"/>
+                          <a:ea typeface="+mn-ea"/>
+                          <a:cs typeface="+mn-cs"/>
+                        </a:rPr>
+                        <a:t>&gt; elements.</a:t>
+                      </a:r>
+                      <a:endParaRPr lang="en-IE" sz="1600" dirty="0"/>
+                    </a:p>
+                  </a:txBody>
+                  <a:tcPr/>
+                </a:tc>
+              </a:tr>
+              <a:tr h="0">
+                <a:tc>
+                  <a:txBody>
+                    <a:bodyPr/>
+                    <a:lstStyle/>
+                    <a:p>
+                      <a:pPr marL="0" marR="0" indent="0" algn="l" defTabSz="685800" rtl="0" eaLnBrk="1" fontAlgn="auto" latinLnBrk="0" hangingPunct="1">
+                        <a:lnSpc>
+                          <a:spcPct val="100000"/>
+                        </a:lnSpc>
+                        <a:spcBef>
+                          <a:spcPts val="0"/>
+                        </a:spcBef>
+                        <a:spcAft>
+                          <a:spcPts val="0"/>
+                        </a:spcAft>
+                        <a:buClrTx/>
+                        <a:buSzTx/>
+                        <a:buFontTx/>
+                        <a:buNone/>
+                        <a:tabLst/>
+                        <a:defRPr/>
+                      </a:pPr>
+                      <a:r>
+                        <a:rPr lang="en-US" sz="1600" b="1" i="0" kern="1200" dirty="0" smtClean="0">
+                          <a:solidFill>
+                            <a:schemeClr val="dk1"/>
+                          </a:solidFill>
+                          <a:effectLst/>
+                          <a:latin typeface="+mn-lt"/>
+                          <a:ea typeface="+mn-ea"/>
+                          <a:cs typeface="+mn-cs"/>
+                        </a:rPr>
+                        <a:t>:password</a:t>
+                      </a:r>
+                      <a:endParaRPr lang="en-IE" sz="1600" dirty="0"/>
+                    </a:p>
+                  </a:txBody>
+                  <a:tcPr/>
+                </a:tc>
+                <a:tc>
+                  <a:txBody>
+                    <a:bodyPr/>
+                    <a:lstStyle/>
+                    <a:p>
+                      <a:pPr marL="0" marR="0" indent="0" algn="l" defTabSz="685800" rtl="0" eaLnBrk="1" fontAlgn="auto" latinLnBrk="0" hangingPunct="1">
+                        <a:lnSpc>
+                          <a:spcPct val="100000"/>
+                        </a:lnSpc>
+                        <a:spcBef>
+                          <a:spcPts val="0"/>
+                        </a:spcBef>
+                        <a:spcAft>
+                          <a:spcPts val="0"/>
+                        </a:spcAft>
+                        <a:buClrTx/>
+                        <a:buSzTx/>
+                        <a:buFontTx/>
+                        <a:buNone/>
+                        <a:tabLst/>
+                        <a:defRPr/>
+                      </a:pPr>
+                      <a:r>
+                        <a:rPr lang="en-US" sz="1600" b="0" i="0" kern="1200" dirty="0" smtClean="0">
+                          <a:solidFill>
+                            <a:schemeClr val="dk1"/>
+                          </a:solidFill>
+                          <a:effectLst/>
+                          <a:latin typeface="+mn-lt"/>
+                          <a:ea typeface="+mn-ea"/>
+                          <a:cs typeface="+mn-cs"/>
+                        </a:rPr>
+                        <a:t>All password inputs. </a:t>
+                      </a:r>
+                      <a:endParaRPr lang="en-IE" sz="1600" dirty="0"/>
+                    </a:p>
+                  </a:txBody>
+                  <a:tcPr/>
+                </a:tc>
+              </a:tr>
+              <a:tr h="0">
+                <a:tc>
+                  <a:txBody>
+                    <a:bodyPr/>
+                    <a:lstStyle/>
+                    <a:p>
+                      <a:pPr marL="0" marR="0" indent="0" algn="l" defTabSz="685800" rtl="0" eaLnBrk="1" fontAlgn="auto" latinLnBrk="0" hangingPunct="1">
+                        <a:lnSpc>
+                          <a:spcPct val="100000"/>
+                        </a:lnSpc>
+                        <a:spcBef>
+                          <a:spcPts val="0"/>
+                        </a:spcBef>
+                        <a:spcAft>
+                          <a:spcPts val="0"/>
+                        </a:spcAft>
+                        <a:buClrTx/>
+                        <a:buSzTx/>
+                        <a:buFontTx/>
+                        <a:buNone/>
+                        <a:tabLst/>
+                        <a:defRPr/>
+                      </a:pPr>
+                      <a:r>
+                        <a:rPr lang="en-US" sz="1600" b="1" i="0" kern="1200" dirty="0" smtClean="0">
+                          <a:solidFill>
+                            <a:schemeClr val="dk1"/>
+                          </a:solidFill>
+                          <a:effectLst/>
+                          <a:latin typeface="+mn-lt"/>
+                          <a:ea typeface="+mn-ea"/>
+                          <a:cs typeface="+mn-cs"/>
+                        </a:rPr>
+                        <a:t>:radio</a:t>
+                      </a:r>
+                      <a:endParaRPr lang="en-IE" sz="1600" dirty="0"/>
+                    </a:p>
+                  </a:txBody>
+                  <a:tcPr/>
+                </a:tc>
+                <a:tc>
+                  <a:txBody>
+                    <a:bodyPr/>
+                    <a:lstStyle/>
+                    <a:p>
+                      <a:pPr marL="0" marR="0" indent="0" algn="l" defTabSz="685800" rtl="0" eaLnBrk="1" fontAlgn="auto" latinLnBrk="0" hangingPunct="1">
+                        <a:lnSpc>
+                          <a:spcPct val="100000"/>
+                        </a:lnSpc>
+                        <a:spcBef>
+                          <a:spcPts val="0"/>
+                        </a:spcBef>
+                        <a:spcAft>
+                          <a:spcPts val="0"/>
+                        </a:spcAft>
+                        <a:buClrTx/>
+                        <a:buSzTx/>
+                        <a:buFontTx/>
+                        <a:buNone/>
+                        <a:tabLst/>
+                        <a:defRPr/>
+                      </a:pPr>
+                      <a:r>
+                        <a:rPr lang="en-US" sz="1600" b="0" i="0" kern="1200" dirty="0" smtClean="0">
+                          <a:solidFill>
+                            <a:schemeClr val="dk1"/>
+                          </a:solidFill>
+                          <a:effectLst/>
+                          <a:latin typeface="+mn-lt"/>
+                          <a:ea typeface="+mn-ea"/>
+                          <a:cs typeface="+mn-cs"/>
+                        </a:rPr>
+                        <a:t>All radio inputs. To select a group of radio buttons, you can use $('input[name="gender"]:radio').</a:t>
+                      </a:r>
+                      <a:endParaRPr lang="en-IE" sz="1600" dirty="0"/>
+                    </a:p>
+                  </a:txBody>
+                  <a:tcPr/>
+                </a:tc>
+              </a:tr>
+              <a:tr h="0">
+                <a:tc>
+                  <a:txBody>
+                    <a:bodyPr/>
+                    <a:lstStyle/>
+                    <a:p>
+                      <a:r>
+                        <a:rPr lang="en-US" sz="1600" b="1" i="0" kern="1200" dirty="0" smtClean="0">
+                          <a:solidFill>
+                            <a:schemeClr val="dk1"/>
+                          </a:solidFill>
+                          <a:effectLst/>
+                          <a:latin typeface="+mn-lt"/>
+                          <a:ea typeface="+mn-ea"/>
+                          <a:cs typeface="+mn-cs"/>
+                        </a:rPr>
+                        <a:t>:reset</a:t>
+                      </a:r>
+                      <a:endParaRPr lang="en-IE" sz="1600" dirty="0"/>
+                    </a:p>
+                  </a:txBody>
+                  <a:tcPr/>
+                </a:tc>
+                <a:tc>
+                  <a:txBody>
+                    <a:bodyPr/>
+                    <a:lstStyle/>
+                    <a:p>
+                      <a:pPr marL="0" marR="0" indent="0" algn="l" defTabSz="685800" rtl="0" eaLnBrk="1" fontAlgn="auto" latinLnBrk="0" hangingPunct="1">
+                        <a:lnSpc>
+                          <a:spcPct val="100000"/>
+                        </a:lnSpc>
+                        <a:spcBef>
+                          <a:spcPts val="0"/>
+                        </a:spcBef>
+                        <a:spcAft>
+                          <a:spcPts val="0"/>
+                        </a:spcAft>
+                        <a:buClrTx/>
+                        <a:buSzTx/>
+                        <a:buFontTx/>
+                        <a:buNone/>
+                        <a:tabLst/>
+                        <a:defRPr/>
+                      </a:pPr>
+                      <a:r>
+                        <a:rPr lang="en-US" sz="1600" b="0" i="0" kern="1200" dirty="0" smtClean="0">
+                          <a:solidFill>
+                            <a:schemeClr val="dk1"/>
+                          </a:solidFill>
+                          <a:effectLst/>
+                          <a:latin typeface="+mn-lt"/>
+                          <a:ea typeface="+mn-ea"/>
+                          <a:cs typeface="+mn-cs"/>
+                        </a:rPr>
+                        <a:t>All inputs that are reset buttons.</a:t>
+                      </a:r>
+                      <a:endParaRPr lang="en-IE" sz="1600" dirty="0"/>
+                    </a:p>
+                  </a:txBody>
+                  <a:tcPr/>
+                </a:tc>
+              </a:tr>
+              <a:tr h="0">
+                <a:tc>
+                  <a:txBody>
+                    <a:bodyPr/>
+                    <a:lstStyle/>
+                    <a:p>
+                      <a:pPr marL="0" marR="0" indent="0" algn="l" defTabSz="685800" rtl="0" eaLnBrk="1" fontAlgn="auto" latinLnBrk="0" hangingPunct="1">
+                        <a:lnSpc>
+                          <a:spcPct val="100000"/>
+                        </a:lnSpc>
+                        <a:spcBef>
+                          <a:spcPts val="0"/>
+                        </a:spcBef>
+                        <a:spcAft>
+                          <a:spcPts val="0"/>
+                        </a:spcAft>
+                        <a:buClrTx/>
+                        <a:buSzTx/>
+                        <a:buFontTx/>
+                        <a:buNone/>
+                        <a:tabLst/>
+                        <a:defRPr/>
+                      </a:pPr>
+                      <a:r>
+                        <a:rPr lang="en-US" sz="1600" b="1" i="0" kern="1200" dirty="0" smtClean="0">
+                          <a:solidFill>
+                            <a:schemeClr val="dk1"/>
+                          </a:solidFill>
+                          <a:effectLst/>
+                          <a:latin typeface="+mn-lt"/>
+                          <a:ea typeface="+mn-ea"/>
+                          <a:cs typeface="+mn-cs"/>
+                        </a:rPr>
+                        <a:t>:selected</a:t>
+                      </a:r>
+                      <a:endParaRPr lang="en-IE" sz="1600" dirty="0"/>
+                    </a:p>
+                  </a:txBody>
+                  <a:tcPr/>
+                </a:tc>
+                <a:tc>
+                  <a:txBody>
+                    <a:bodyPr/>
+                    <a:lstStyle/>
+                    <a:p>
+                      <a:pPr marL="0" marR="0" indent="0" algn="l" defTabSz="685800" rtl="0" eaLnBrk="1" fontAlgn="auto" latinLnBrk="0" hangingPunct="1">
+                        <a:lnSpc>
+                          <a:spcPct val="100000"/>
+                        </a:lnSpc>
+                        <a:spcBef>
+                          <a:spcPts val="0"/>
+                        </a:spcBef>
+                        <a:spcAft>
+                          <a:spcPts val="0"/>
+                        </a:spcAft>
+                        <a:buClrTx/>
+                        <a:buSzTx/>
+                        <a:buFontTx/>
+                        <a:buNone/>
+                        <a:tabLst/>
+                        <a:defRPr/>
+                      </a:pPr>
+                      <a:r>
+                        <a:rPr lang="en-US" sz="1600" b="0" i="0" kern="1200" dirty="0" smtClean="0">
+                          <a:solidFill>
+                            <a:schemeClr val="dk1"/>
+                          </a:solidFill>
+                          <a:effectLst/>
+                          <a:latin typeface="+mn-lt"/>
+                          <a:ea typeface="+mn-ea"/>
+                          <a:cs typeface="+mn-cs"/>
+                        </a:rPr>
+                        <a:t>All elements that are selected.</a:t>
+                      </a:r>
+                      <a:endParaRPr lang="en-IE" sz="1600" dirty="0"/>
+                    </a:p>
+                  </a:txBody>
+                  <a:tcPr/>
+                </a:tc>
+              </a:tr>
+              <a:tr h="0">
+                <a:tc>
+                  <a:txBody>
+                    <a:bodyPr/>
+                    <a:lstStyle/>
+                    <a:p>
+                      <a:pPr marL="0" marR="0" indent="0" algn="l" defTabSz="685800" rtl="0" eaLnBrk="1" fontAlgn="auto" latinLnBrk="0" hangingPunct="1">
+                        <a:lnSpc>
+                          <a:spcPct val="100000"/>
+                        </a:lnSpc>
+                        <a:spcBef>
+                          <a:spcPts val="0"/>
+                        </a:spcBef>
+                        <a:spcAft>
+                          <a:spcPts val="0"/>
+                        </a:spcAft>
+                        <a:buClrTx/>
+                        <a:buSzTx/>
+                        <a:buFontTx/>
+                        <a:buNone/>
+                        <a:tabLst/>
+                        <a:defRPr/>
+                      </a:pPr>
+                      <a:r>
+                        <a:rPr lang="en-US" sz="1600" b="1" i="0" kern="1200" dirty="0" smtClean="0">
+                          <a:solidFill>
+                            <a:schemeClr val="dk1"/>
+                          </a:solidFill>
+                          <a:effectLst/>
+                          <a:latin typeface="+mn-lt"/>
+                          <a:ea typeface="+mn-ea"/>
+                          <a:cs typeface="+mn-cs"/>
+                        </a:rPr>
+                        <a:t>:submit</a:t>
+                      </a:r>
+                      <a:endParaRPr lang="en-IE" sz="1600" dirty="0"/>
+                    </a:p>
+                  </a:txBody>
+                  <a:tcPr/>
+                </a:tc>
+                <a:tc>
+                  <a:txBody>
+                    <a:bodyPr/>
+                    <a:lstStyle/>
+                    <a:p>
+                      <a:pPr marL="0" marR="0" indent="0" algn="l" defTabSz="685800" rtl="0" eaLnBrk="1" fontAlgn="auto" latinLnBrk="0" hangingPunct="1">
+                        <a:lnSpc>
+                          <a:spcPct val="100000"/>
+                        </a:lnSpc>
+                        <a:spcBef>
+                          <a:spcPts val="0"/>
+                        </a:spcBef>
+                        <a:spcAft>
+                          <a:spcPts val="0"/>
+                        </a:spcAft>
+                        <a:buClrTx/>
+                        <a:buSzTx/>
+                        <a:buFontTx/>
+                        <a:buNone/>
+                        <a:tabLst/>
+                        <a:defRPr/>
+                      </a:pPr>
+                      <a:r>
+                        <a:rPr lang="en-US" sz="1600" b="0" i="0" kern="1200" dirty="0" smtClean="0">
+                          <a:solidFill>
+                            <a:schemeClr val="dk1"/>
+                          </a:solidFill>
+                          <a:effectLst/>
+                          <a:latin typeface="+mn-lt"/>
+                          <a:ea typeface="+mn-ea"/>
+                          <a:cs typeface="+mn-cs"/>
+                        </a:rPr>
+                        <a:t>&lt;button&gt; and &lt;input&gt; elements whose type attribute has a value of submit. </a:t>
+                      </a:r>
+                      <a:endParaRPr lang="en-IE" sz="1600" dirty="0"/>
+                    </a:p>
+                  </a:txBody>
+                  <a:tcPr/>
+                </a:tc>
+              </a:tr>
+              <a:tr h="0">
+                <a:tc>
+                  <a:txBody>
+                    <a:bodyPr/>
+                    <a:lstStyle/>
+                    <a:p>
+                      <a:pPr marL="0" marR="0" indent="0" algn="l" defTabSz="685800" rtl="0" eaLnBrk="1" fontAlgn="auto" latinLnBrk="0" hangingPunct="1">
+                        <a:lnSpc>
+                          <a:spcPct val="100000"/>
+                        </a:lnSpc>
+                        <a:spcBef>
+                          <a:spcPts val="0"/>
+                        </a:spcBef>
+                        <a:spcAft>
+                          <a:spcPts val="0"/>
+                        </a:spcAft>
+                        <a:buClrTx/>
+                        <a:buSzTx/>
+                        <a:buFontTx/>
+                        <a:buNone/>
+                        <a:tabLst/>
+                        <a:defRPr/>
+                      </a:pPr>
+                      <a:r>
+                        <a:rPr lang="en-US" sz="1600" b="1" i="0" kern="1200" dirty="0" smtClean="0">
+                          <a:solidFill>
+                            <a:schemeClr val="dk1"/>
+                          </a:solidFill>
+                          <a:effectLst/>
+                          <a:latin typeface="+mn-lt"/>
+                          <a:ea typeface="+mn-ea"/>
+                          <a:cs typeface="+mn-cs"/>
+                        </a:rPr>
+                        <a:t>:text</a:t>
+                      </a:r>
+                      <a:endParaRPr lang="en-IE" sz="1600" dirty="0"/>
+                    </a:p>
+                  </a:txBody>
+                  <a:tcPr/>
+                </a:tc>
+                <a:tc>
+                  <a:txBody>
+                    <a:bodyPr/>
+                    <a:lstStyle/>
+                    <a:p>
+                      <a:pPr marL="0" marR="0" indent="0" algn="l" defTabSz="685800" rtl="0" eaLnBrk="1" fontAlgn="auto" latinLnBrk="0" hangingPunct="1">
+                        <a:lnSpc>
+                          <a:spcPct val="100000"/>
+                        </a:lnSpc>
+                        <a:spcBef>
+                          <a:spcPts val="0"/>
+                        </a:spcBef>
+                        <a:spcAft>
+                          <a:spcPts val="0"/>
+                        </a:spcAft>
+                        <a:buClrTx/>
+                        <a:buSzTx/>
+                        <a:buFontTx/>
+                        <a:buNone/>
+                        <a:tabLst/>
+                        <a:defRPr/>
+                      </a:pPr>
+                      <a:r>
+                        <a:rPr lang="en-US" sz="1600" b="0" i="0" kern="1200" dirty="0" smtClean="0">
+                          <a:solidFill>
+                            <a:schemeClr val="dk1"/>
+                          </a:solidFill>
+                          <a:effectLst/>
+                          <a:latin typeface="+mn-lt"/>
+                          <a:ea typeface="+mn-ea"/>
+                          <a:cs typeface="+mn-cs"/>
+                        </a:rPr>
+                        <a:t>Selects &lt;input&gt; elements with a type attribute whose value is text, or whose type attribute is not present. </a:t>
+                      </a:r>
+                      <a:endParaRPr lang="en-IE" sz="1600" dirty="0"/>
+                    </a:p>
+                  </a:txBody>
+                  <a:tcPr/>
+                </a:tc>
+              </a:tr>
+            </a:tbl>
+          </a:graphicData>
+        </a:graphic>
+      </p:graphicFrame>
+    </p:spTree>
+    <p:extLst>
+      <p:ext uri="{BB962C8B-B14F-4D97-AF65-F5344CB8AC3E}">
+        <p14:creationId xmlns:p14="http://schemas.microsoft.com/office/powerpoint/2010/main" val="3037919472"/>
+      </p:ext>
+    </p:extLst>
+  </p:cSld>
+  <p:clrMapOvr>
+    <a:masterClrMapping/>
+  </p:clrMapOvr>
+</p:sld>
+</file>
+
+<file path=ppt/slides/slide19.xml><?xml version="1.0" encoding="utf-8"?>
+<p:sld xmlns:a="http://schemas.openxmlformats.org/drawingml/2006/main" xmlns:r="http://schemas.openxmlformats.org/officeDocument/2006/relationships" xmlns:p="http://schemas.openxmlformats.org/presentationml/2006/main">
+  <p:cSld>
+    <p:spTree>
+      <p:nvGrpSpPr>
+        <p:cNvPr id="1" name=""/>
+        <p:cNvGrpSpPr/>
+        <p:nvPr/>
+      </p:nvGrpSpPr>
+      <p:grpSpPr>
+        <a:xfrm>
+          <a:off x="0" y="0"/>
+          <a:ext cx="0" cy="0"/>
+          <a:chOff x="0" y="0"/>
+          <a:chExt cx="0" cy="0"/>
+        </a:xfrm>
+      </p:grpSpPr>
+      <p:sp>
+        <p:nvSpPr>
+          <p:cNvPr id="2" name="Title 1"/>
+          <p:cNvSpPr>
+            <a:spLocks noGrp="1"/>
+          </p:cNvSpPr>
+          <p:nvPr>
+            <p:ph type="title"/>
+          </p:nvPr>
+        </p:nvSpPr>
+        <p:spPr/>
+        <p:txBody>
+          <a:bodyPr/>
+          <a:lstStyle/>
+          <a:p>
+            <a:r>
+              <a:rPr lang="en-IE" dirty="0" err="1" smtClean="0"/>
+              <a:t>Jquery</a:t>
+            </a:r>
+            <a:r>
+              <a:rPr lang="en-IE" dirty="0" smtClean="0"/>
+              <a:t> form methods</a:t>
+            </a:r>
+            <a:endParaRPr lang="en-IE" dirty="0"/>
+          </a:p>
+        </p:txBody>
+      </p:sp>
+      <p:sp>
+        <p:nvSpPr>
+          <p:cNvPr id="3" name="Content Placeholder 2"/>
+          <p:cNvSpPr>
+            <a:spLocks noGrp="1"/>
+          </p:cNvSpPr>
+          <p:nvPr>
+            <p:ph idx="1"/>
+          </p:nvPr>
+        </p:nvSpPr>
+        <p:spPr>
+          <a:xfrm>
+            <a:off x="938758" y="1588009"/>
+            <a:ext cx="7633742" cy="3593591"/>
+          </a:xfrm>
+        </p:spPr>
+        <p:txBody>
+          <a:bodyPr/>
+          <a:lstStyle/>
+          <a:p>
+            <a:r>
+              <a:rPr lang="en-US" dirty="0"/>
+              <a:t>jQuery also provides methods that can be used with forms. For example, the .</a:t>
+            </a:r>
+            <a:r>
+              <a:rPr lang="en-US" dirty="0" err="1"/>
+              <a:t>val</a:t>
+            </a:r>
+            <a:r>
+              <a:rPr lang="en-US" dirty="0"/>
+              <a:t>() method gets the value from the first element in a selection; it can also be used to set the value for all matching elements.</a:t>
+            </a:r>
+            <a:endParaRPr lang="en-IE" dirty="0"/>
+          </a:p>
+        </p:txBody>
+      </p:sp>
+      <p:graphicFrame>
+        <p:nvGraphicFramePr>
+          <p:cNvPr id="4" name="Table 3"/>
+          <p:cNvGraphicFramePr>
+            <a:graphicFrameLocks noGrp="1"/>
+          </p:cNvGraphicFramePr>
+          <p:nvPr>
+            <p:extLst>
+              <p:ext uri="{D42A27DB-BD31-4B8C-83A1-F6EECF244321}">
+                <p14:modId xmlns:p14="http://schemas.microsoft.com/office/powerpoint/2010/main" val="2401134367"/>
+              </p:ext>
+            </p:extLst>
+          </p:nvPr>
+        </p:nvGraphicFramePr>
+        <p:xfrm>
+          <a:off x="1066800" y="3124200"/>
+          <a:ext cx="7467600" cy="3479800"/>
+        </p:xfrm>
+        <a:graphic>
+          <a:graphicData uri="http://schemas.openxmlformats.org/drawingml/2006/table">
+            <a:tbl>
+              <a:tblPr firstRow="1" bandRow="1">
+                <a:tableStyleId>{5C22544A-7EE6-4342-B048-85BDC9FD1C3A}</a:tableStyleId>
+              </a:tblPr>
+              <a:tblGrid>
+                <a:gridCol w="2053590"/>
+                <a:gridCol w="5414010"/>
+              </a:tblGrid>
+              <a:tr h="370840">
+                <a:tc>
+                  <a:txBody>
+                    <a:bodyPr/>
+                    <a:lstStyle/>
+                    <a:p>
+                      <a:r>
+                        <a:rPr lang="en-IE" sz="1800" dirty="0" smtClean="0"/>
+                        <a:t>Method</a:t>
+                      </a:r>
+                      <a:endParaRPr lang="en-IE" sz="1800" dirty="0"/>
+                    </a:p>
+                  </a:txBody>
+                  <a:tcPr/>
+                </a:tc>
+                <a:tc>
+                  <a:txBody>
+                    <a:bodyPr/>
+                    <a:lstStyle/>
+                    <a:p>
+                      <a:r>
+                        <a:rPr lang="en-IE" sz="1800" dirty="0" smtClean="0"/>
+                        <a:t>Usage</a:t>
+                      </a:r>
+                      <a:endParaRPr lang="en-IE" sz="1800" dirty="0"/>
+                    </a:p>
+                  </a:txBody>
+                  <a:tcPr/>
+                </a:tc>
+              </a:tr>
+              <a:tr h="370840">
+                <a:tc>
+                  <a:txBody>
+                    <a:bodyPr/>
+                    <a:lstStyle/>
+                    <a:p>
+                      <a:r>
+                        <a:rPr lang="en-US" sz="1800" b="1" i="0" kern="1200" dirty="0" smtClean="0">
+                          <a:solidFill>
+                            <a:schemeClr val="dk1"/>
+                          </a:solidFill>
+                          <a:effectLst/>
+                          <a:latin typeface="+mn-lt"/>
+                          <a:ea typeface="+mn-ea"/>
+                          <a:cs typeface="+mn-cs"/>
+                        </a:rPr>
+                        <a:t>.</a:t>
+                      </a:r>
+                      <a:r>
+                        <a:rPr lang="en-US" sz="1800" b="1" i="0" kern="1200" dirty="0" err="1" smtClean="0">
+                          <a:solidFill>
+                            <a:schemeClr val="dk1"/>
+                          </a:solidFill>
+                          <a:effectLst/>
+                          <a:latin typeface="+mn-lt"/>
+                          <a:ea typeface="+mn-ea"/>
+                          <a:cs typeface="+mn-cs"/>
+                        </a:rPr>
+                        <a:t>val</a:t>
+                      </a:r>
+                      <a:r>
+                        <a:rPr lang="en-US" sz="1800" b="1" i="0" kern="1200" dirty="0" smtClean="0">
+                          <a:solidFill>
+                            <a:schemeClr val="dk1"/>
+                          </a:solidFill>
+                          <a:effectLst/>
+                          <a:latin typeface="+mn-lt"/>
+                          <a:ea typeface="+mn-ea"/>
+                          <a:cs typeface="+mn-cs"/>
+                        </a:rPr>
+                        <a:t>()</a:t>
+                      </a:r>
+                      <a:endParaRPr lang="en-US" sz="1800" b="0" i="0" kern="1200" dirty="0" smtClean="0">
+                        <a:solidFill>
+                          <a:schemeClr val="dk1"/>
+                        </a:solidFill>
+                        <a:effectLst/>
+                        <a:latin typeface="+mn-lt"/>
+                        <a:ea typeface="+mn-ea"/>
+                        <a:cs typeface="+mn-cs"/>
+                      </a:endParaRPr>
+                    </a:p>
+                  </a:txBody>
+                  <a:tcPr/>
+                </a:tc>
+                <a:tc>
+                  <a:txBody>
+                    <a:bodyPr/>
+                    <a:lstStyle/>
+                    <a:p>
+                      <a:pPr marL="0" marR="0" indent="0" algn="l" defTabSz="685800" rtl="0" eaLnBrk="1" fontAlgn="auto" latinLnBrk="0" hangingPunct="1">
+                        <a:lnSpc>
+                          <a:spcPct val="100000"/>
+                        </a:lnSpc>
+                        <a:spcBef>
+                          <a:spcPts val="0"/>
+                        </a:spcBef>
+                        <a:spcAft>
+                          <a:spcPts val="0"/>
+                        </a:spcAft>
+                        <a:buClrTx/>
+                        <a:buSzTx/>
+                        <a:buFontTx/>
+                        <a:buNone/>
+                        <a:tabLst/>
+                        <a:defRPr/>
+                      </a:pPr>
+                      <a:r>
+                        <a:rPr lang="en-US" sz="1800" b="0" i="0" kern="1200" dirty="0" smtClean="0">
+                          <a:solidFill>
+                            <a:schemeClr val="dk1"/>
+                          </a:solidFill>
+                          <a:effectLst/>
+                          <a:latin typeface="+mn-lt"/>
+                          <a:ea typeface="+mn-ea"/>
+                          <a:cs typeface="+mn-cs"/>
+                        </a:rPr>
+                        <a:t>Primarily used with &lt;input&gt;, &lt;select&gt;, and &lt;</a:t>
+                      </a:r>
+                      <a:r>
+                        <a:rPr lang="en-US" sz="1800" b="0" i="0" kern="1200" dirty="0" err="1" smtClean="0">
+                          <a:solidFill>
+                            <a:schemeClr val="dk1"/>
+                          </a:solidFill>
+                          <a:effectLst/>
+                          <a:latin typeface="+mn-lt"/>
+                          <a:ea typeface="+mn-ea"/>
+                          <a:cs typeface="+mn-cs"/>
+                        </a:rPr>
+                        <a:t>textarea</a:t>
+                      </a:r>
+                      <a:r>
+                        <a:rPr lang="en-US" sz="1800" b="0" i="0" kern="1200" dirty="0" smtClean="0">
+                          <a:solidFill>
+                            <a:schemeClr val="dk1"/>
+                          </a:solidFill>
+                          <a:effectLst/>
+                          <a:latin typeface="+mn-lt"/>
+                          <a:ea typeface="+mn-ea"/>
+                          <a:cs typeface="+mn-cs"/>
+                        </a:rPr>
+                        <a:t>&gt; elements. It can be used to get the value of the first element in a matched set, or update the value of all of them</a:t>
+                      </a:r>
+                    </a:p>
+                  </a:txBody>
+                  <a:tcPr/>
+                </a:tc>
+              </a:tr>
+              <a:tr h="370840">
+                <a:tc>
+                  <a:txBody>
+                    <a:bodyPr/>
+                    <a:lstStyle/>
+                    <a:p>
+                      <a:pPr marL="0" marR="0" indent="0" algn="l" defTabSz="685800" rtl="0" eaLnBrk="1" fontAlgn="auto" latinLnBrk="0" hangingPunct="1">
+                        <a:lnSpc>
+                          <a:spcPct val="100000"/>
+                        </a:lnSpc>
+                        <a:spcBef>
+                          <a:spcPts val="0"/>
+                        </a:spcBef>
+                        <a:spcAft>
+                          <a:spcPts val="0"/>
+                        </a:spcAft>
+                        <a:buClrTx/>
+                        <a:buSzTx/>
+                        <a:buFontTx/>
+                        <a:buNone/>
+                        <a:tabLst/>
+                        <a:defRPr/>
+                      </a:pPr>
+                      <a:r>
+                        <a:rPr lang="en-US" sz="1800" b="1" i="0" kern="1200" dirty="0" smtClean="0">
+                          <a:solidFill>
+                            <a:schemeClr val="dk1"/>
+                          </a:solidFill>
+                          <a:effectLst/>
+                          <a:latin typeface="+mn-lt"/>
+                          <a:ea typeface="+mn-ea"/>
+                          <a:cs typeface="+mn-cs"/>
+                        </a:rPr>
+                        <a:t>.filter()</a:t>
+                      </a:r>
+                      <a:endParaRPr lang="en-US" sz="1800" b="0" i="0" kern="1200" dirty="0" smtClean="0">
+                        <a:solidFill>
+                          <a:schemeClr val="dk1"/>
+                        </a:solidFill>
+                        <a:effectLst/>
+                        <a:latin typeface="+mn-lt"/>
+                        <a:ea typeface="+mn-ea"/>
+                        <a:cs typeface="+mn-cs"/>
+                      </a:endParaRPr>
+                    </a:p>
+                  </a:txBody>
+                  <a:tcPr/>
+                </a:tc>
+                <a:tc>
+                  <a:txBody>
+                    <a:bodyPr/>
+                    <a:lstStyle/>
+                    <a:p>
+                      <a:pPr marL="0" marR="0" indent="0" algn="l" defTabSz="685800" rtl="0" eaLnBrk="1" fontAlgn="auto" latinLnBrk="0" hangingPunct="1">
+                        <a:lnSpc>
+                          <a:spcPct val="100000"/>
+                        </a:lnSpc>
+                        <a:spcBef>
+                          <a:spcPts val="0"/>
+                        </a:spcBef>
+                        <a:spcAft>
+                          <a:spcPts val="0"/>
+                        </a:spcAft>
+                        <a:buClrTx/>
+                        <a:buSzTx/>
+                        <a:buFontTx/>
+                        <a:buNone/>
+                        <a:tabLst/>
+                        <a:defRPr/>
+                      </a:pPr>
+                      <a:r>
+                        <a:rPr lang="en-US" sz="1800" b="0" i="0" kern="1200" dirty="0" smtClean="0">
+                          <a:solidFill>
+                            <a:schemeClr val="dk1"/>
+                          </a:solidFill>
+                          <a:effectLst/>
+                          <a:latin typeface="+mn-lt"/>
+                          <a:ea typeface="+mn-ea"/>
+                          <a:cs typeface="+mn-cs"/>
+                        </a:rPr>
+                        <a:t>Used to filter a jQuery selection using a second selector (especially form-specific filters)</a:t>
+                      </a:r>
+                    </a:p>
+                  </a:txBody>
+                  <a:tcPr/>
+                </a:tc>
+              </a:tr>
+              <a:tr h="370840">
+                <a:tc>
+                  <a:txBody>
+                    <a:bodyPr/>
+                    <a:lstStyle/>
+                    <a:p>
+                      <a:pPr marL="0" marR="0" indent="0" algn="l" defTabSz="685800" rtl="0" eaLnBrk="1" fontAlgn="auto" latinLnBrk="0" hangingPunct="1">
+                        <a:lnSpc>
+                          <a:spcPct val="100000"/>
+                        </a:lnSpc>
+                        <a:spcBef>
+                          <a:spcPts val="0"/>
+                        </a:spcBef>
+                        <a:spcAft>
+                          <a:spcPts val="0"/>
+                        </a:spcAft>
+                        <a:buClrTx/>
+                        <a:buSzTx/>
+                        <a:buFontTx/>
+                        <a:buNone/>
+                        <a:tabLst/>
+                        <a:defRPr/>
+                      </a:pPr>
+                      <a:r>
+                        <a:rPr lang="en-US" sz="1800" b="1" i="0" kern="1200" dirty="0" smtClean="0">
+                          <a:solidFill>
+                            <a:schemeClr val="dk1"/>
+                          </a:solidFill>
+                          <a:effectLst/>
+                          <a:latin typeface="+mn-lt"/>
+                          <a:ea typeface="+mn-ea"/>
+                          <a:cs typeface="+mn-cs"/>
+                        </a:rPr>
+                        <a:t>.is()</a:t>
+                      </a:r>
+                      <a:endParaRPr lang="en-US" sz="1800" b="0" i="0" kern="1200" dirty="0" smtClean="0">
+                        <a:solidFill>
+                          <a:schemeClr val="dk1"/>
+                        </a:solidFill>
+                        <a:effectLst/>
+                        <a:latin typeface="+mn-lt"/>
+                        <a:ea typeface="+mn-ea"/>
+                        <a:cs typeface="+mn-cs"/>
+                      </a:endParaRPr>
+                    </a:p>
+                  </a:txBody>
+                  <a:tcPr/>
+                </a:tc>
+                <a:tc>
+                  <a:txBody>
+                    <a:bodyPr/>
+                    <a:lstStyle/>
+                    <a:p>
+                      <a:pPr marL="0" marR="0" indent="0" algn="l" defTabSz="685800" rtl="0" eaLnBrk="1" fontAlgn="auto" latinLnBrk="0" hangingPunct="1">
+                        <a:lnSpc>
+                          <a:spcPct val="100000"/>
+                        </a:lnSpc>
+                        <a:spcBef>
+                          <a:spcPts val="0"/>
+                        </a:spcBef>
+                        <a:spcAft>
+                          <a:spcPts val="0"/>
+                        </a:spcAft>
+                        <a:buClrTx/>
+                        <a:buSzTx/>
+                        <a:buFontTx/>
+                        <a:buNone/>
+                        <a:tabLst/>
+                        <a:defRPr/>
+                      </a:pPr>
+                      <a:r>
+                        <a:rPr lang="en-US" sz="1800" b="0" i="0" kern="1200" dirty="0" smtClean="0">
+                          <a:solidFill>
+                            <a:schemeClr val="dk1"/>
+                          </a:solidFill>
+                          <a:effectLst/>
+                          <a:latin typeface="+mn-lt"/>
+                          <a:ea typeface="+mn-ea"/>
+                          <a:cs typeface="+mn-cs"/>
+                        </a:rPr>
+                        <a:t>Often used with filters to check whether a form input is selected/checked</a:t>
+                      </a:r>
+                    </a:p>
+                  </a:txBody>
+                  <a:tcPr/>
+                </a:tc>
+              </a:tr>
+              <a:tr h="370840">
+                <a:tc>
+                  <a:txBody>
+                    <a:bodyPr/>
+                    <a:lstStyle/>
+                    <a:p>
+                      <a:pPr marL="0" marR="0" indent="0" algn="l" defTabSz="685800" rtl="0" eaLnBrk="1" fontAlgn="auto" latinLnBrk="0" hangingPunct="1">
+                        <a:lnSpc>
+                          <a:spcPct val="100000"/>
+                        </a:lnSpc>
+                        <a:spcBef>
+                          <a:spcPts val="0"/>
+                        </a:spcBef>
+                        <a:spcAft>
+                          <a:spcPts val="0"/>
+                        </a:spcAft>
+                        <a:buClrTx/>
+                        <a:buSzTx/>
+                        <a:buFontTx/>
+                        <a:buNone/>
+                        <a:tabLst/>
+                        <a:defRPr/>
+                      </a:pPr>
+                      <a:r>
+                        <a:rPr lang="en-US" sz="1800" b="1" i="0" kern="1200" dirty="0" smtClean="0">
+                          <a:solidFill>
+                            <a:schemeClr val="dk1"/>
+                          </a:solidFill>
+                          <a:effectLst/>
+                          <a:latin typeface="+mn-lt"/>
+                          <a:ea typeface="+mn-ea"/>
+                          <a:cs typeface="+mn-cs"/>
+                        </a:rPr>
+                        <a:t>.</a:t>
+                      </a:r>
+                      <a:r>
+                        <a:rPr lang="en-US" sz="1800" b="1" i="0" kern="1200" dirty="0" err="1" smtClean="0">
+                          <a:solidFill>
+                            <a:schemeClr val="dk1"/>
+                          </a:solidFill>
+                          <a:effectLst/>
+                          <a:latin typeface="+mn-lt"/>
+                          <a:ea typeface="+mn-ea"/>
+                          <a:cs typeface="+mn-cs"/>
+                        </a:rPr>
+                        <a:t>isNumeric</a:t>
+                      </a:r>
+                      <a:r>
+                        <a:rPr lang="en-US" sz="1800" b="1" i="0" kern="1200" dirty="0" smtClean="0">
+                          <a:solidFill>
+                            <a:schemeClr val="dk1"/>
+                          </a:solidFill>
+                          <a:effectLst/>
+                          <a:latin typeface="+mn-lt"/>
+                          <a:ea typeface="+mn-ea"/>
+                          <a:cs typeface="+mn-cs"/>
+                        </a:rPr>
+                        <a:t>()</a:t>
+                      </a:r>
+                      <a:endParaRPr lang="en-IE" sz="1800" dirty="0"/>
+                    </a:p>
+                  </a:txBody>
+                  <a:tcPr/>
+                </a:tc>
+                <a:tc>
+                  <a:txBody>
+                    <a:bodyPr/>
+                    <a:lstStyle/>
+                    <a:p>
+                      <a:pPr marL="0" marR="0" indent="0" algn="l" defTabSz="685800" rtl="0" eaLnBrk="1" fontAlgn="auto" latinLnBrk="0" hangingPunct="1">
+                        <a:lnSpc>
+                          <a:spcPct val="100000"/>
+                        </a:lnSpc>
+                        <a:spcBef>
+                          <a:spcPts val="0"/>
+                        </a:spcBef>
+                        <a:spcAft>
+                          <a:spcPts val="0"/>
+                        </a:spcAft>
+                        <a:buClrTx/>
+                        <a:buSzTx/>
+                        <a:buFontTx/>
+                        <a:buNone/>
+                        <a:tabLst/>
+                        <a:defRPr/>
+                      </a:pPr>
+                      <a:r>
+                        <a:rPr lang="en-US" sz="1800" b="0" i="0" kern="1200" dirty="0" smtClean="0">
+                          <a:solidFill>
+                            <a:schemeClr val="dk1"/>
+                          </a:solidFill>
+                          <a:effectLst/>
+                          <a:latin typeface="+mn-lt"/>
+                          <a:ea typeface="+mn-ea"/>
+                          <a:cs typeface="+mn-cs"/>
+                        </a:rPr>
+                        <a:t>Checks whether the value represents a numeric value and returns a Boolean.</a:t>
+                      </a:r>
+                      <a:endParaRPr lang="en-IE" sz="1800" dirty="0"/>
+                    </a:p>
+                  </a:txBody>
+                  <a:tcPr/>
+                </a:tc>
+              </a:tr>
+            </a:tbl>
+          </a:graphicData>
+        </a:graphic>
+      </p:graphicFrame>
+    </p:spTree>
+    <p:extLst>
+      <p:ext uri="{BB962C8B-B14F-4D97-AF65-F5344CB8AC3E}">
+        <p14:creationId xmlns:p14="http://schemas.microsoft.com/office/powerpoint/2010/main" val="1431252665"/>
+      </p:ext>
+    </p:extLst>
+  </p:cSld>
+  <p:clrMapOvr>
+    <a:masterClrMapping/>
+  </p:clrMapOvr>
+</p:sld>
+</file>
+
 <file path=ppt/slides/slide2.xml><?xml version="1.0" encoding="utf-8"?>
 <p:sld xmlns:a="http://schemas.openxmlformats.org/drawingml/2006/main" xmlns:r="http://schemas.openxmlformats.org/officeDocument/2006/relationships" xmlns:p="http://schemas.openxmlformats.org/presentationml/2006/main">
   <p:cSld>
@@ -8037,21 +10992,18 @@
               <a:rPr lang="en-IE" dirty="0" smtClean="0"/>
               <a:t>Effects</a:t>
             </a:r>
-            <a:endParaRPr lang="en-IE" dirty="0" smtClean="0"/>
           </a:p>
           <a:p>
             <a:r>
               <a:rPr lang="en-IE" dirty="0" smtClean="0"/>
               <a:t>The .animate() method</a:t>
             </a:r>
-            <a:endParaRPr lang="en-IE" dirty="0" smtClean="0"/>
           </a:p>
           <a:p>
             <a:r>
               <a:rPr lang="en-IE" dirty="0" smtClean="0"/>
               <a:t>Form elements</a:t>
             </a:r>
-            <a:endParaRPr lang="en-IE" dirty="0" smtClean="0"/>
           </a:p>
           <a:p>
             <a:r>
@@ -8072,6 +11024,3967 @@
     <p:extLst>
       <p:ext uri="{BB962C8B-B14F-4D97-AF65-F5344CB8AC3E}">
         <p14:creationId xmlns:p14="http://schemas.microsoft.com/office/powerpoint/2010/main" val="2357837636"/>
+      </p:ext>
+    </p:extLst>
+  </p:cSld>
+  <p:clrMapOvr>
+    <a:masterClrMapping/>
+  </p:clrMapOvr>
+</p:sld>
+</file>
+
+<file path=ppt/slides/slide20.xml><?xml version="1.0" encoding="utf-8"?>
+<p:sld xmlns:a="http://schemas.openxmlformats.org/drawingml/2006/main" xmlns:r="http://schemas.openxmlformats.org/officeDocument/2006/relationships" xmlns:p="http://schemas.openxmlformats.org/presentationml/2006/main">
+  <p:cSld>
+    <p:spTree>
+      <p:nvGrpSpPr>
+        <p:cNvPr id="1" name=""/>
+        <p:cNvGrpSpPr/>
+        <p:nvPr/>
+      </p:nvGrpSpPr>
+      <p:grpSpPr>
+        <a:xfrm>
+          <a:off x="0" y="0"/>
+          <a:ext cx="0" cy="0"/>
+          <a:chOff x="0" y="0"/>
+          <a:chExt cx="0" cy="0"/>
+        </a:xfrm>
+      </p:grpSpPr>
+      <p:sp>
+        <p:nvSpPr>
+          <p:cNvPr id="2" name="Title 1"/>
+          <p:cNvSpPr>
+            <a:spLocks noGrp="1"/>
+          </p:cNvSpPr>
+          <p:nvPr>
+            <p:ph type="title"/>
+          </p:nvPr>
+        </p:nvSpPr>
+        <p:spPr/>
+        <p:txBody>
+          <a:bodyPr/>
+          <a:lstStyle/>
+          <a:p>
+            <a:r>
+              <a:rPr lang="en-IE" dirty="0" err="1" smtClean="0"/>
+              <a:t>Jquery</a:t>
+            </a:r>
+            <a:r>
+              <a:rPr lang="en-IE" dirty="0" smtClean="0"/>
+              <a:t> form events</a:t>
+            </a:r>
+            <a:endParaRPr lang="en-IE" dirty="0"/>
+          </a:p>
+        </p:txBody>
+      </p:sp>
+      <p:sp>
+        <p:nvSpPr>
+          <p:cNvPr id="3" name="Content Placeholder 2"/>
+          <p:cNvSpPr>
+            <a:spLocks noGrp="1"/>
+          </p:cNvSpPr>
+          <p:nvPr>
+            <p:ph idx="1"/>
+          </p:nvPr>
+        </p:nvSpPr>
+        <p:spPr>
+          <a:xfrm>
+            <a:off x="938758" y="1905000"/>
+            <a:ext cx="7633742" cy="3593591"/>
+          </a:xfrm>
+        </p:spPr>
+        <p:txBody>
+          <a:bodyPr/>
+          <a:lstStyle/>
+          <a:p>
+            <a:r>
+              <a:rPr lang="en-US" dirty="0"/>
+              <a:t>The events shown here correspond to JavaScript events that you might use to trigger functions. They work with the .on() method; for example:</a:t>
+            </a:r>
+            <a:endParaRPr lang="en-IE" dirty="0"/>
+          </a:p>
+        </p:txBody>
+      </p:sp>
+      <p:pic>
+        <p:nvPicPr>
+          <p:cNvPr id="10242" name="Picture 2"/>
+          <p:cNvPicPr>
+            <a:picLocks noChangeAspect="1" noChangeArrowheads="1"/>
+          </p:cNvPicPr>
+          <p:nvPr/>
+        </p:nvPicPr>
+        <p:blipFill>
+          <a:blip r:embed="rId2">
+            <a:extLst>
+              <a:ext uri="{28A0092B-C50C-407E-A947-70E740481C1C}">
+                <a14:useLocalDpi xmlns:a14="http://schemas.microsoft.com/office/drawing/2010/main" val="0"/>
+              </a:ext>
+            </a:extLst>
+          </a:blip>
+          <a:srcRect/>
+          <a:stretch>
+            <a:fillRect/>
+          </a:stretch>
+        </p:blipFill>
+        <p:spPr bwMode="auto">
+          <a:xfrm>
+            <a:off x="2286000" y="2819400"/>
+            <a:ext cx="5085381" cy="938212"/>
+          </a:xfrm>
+          <a:prstGeom prst="rect">
+            <a:avLst/>
+          </a:prstGeom>
+          <a:noFill/>
+          <a:ln>
+            <a:noFill/>
+          </a:ln>
+          <a:extLst>
+            <a:ext uri="{909E8E84-426E-40DD-AFC4-6F175D3DCCD1}">
+              <a14:hiddenFill xmlns:a14="http://schemas.microsoft.com/office/drawing/2010/main">
+                <a:solidFill>
+                  <a:schemeClr val="accent1"/>
+                </a:solidFill>
+              </a14:hiddenFill>
+            </a:ext>
+            <a:ext uri="{91240B29-F687-4F45-9708-019B960494DF}">
+              <a14:hiddenLine xmlns:a14="http://schemas.microsoft.com/office/drawing/2010/main" w="9525">
+                <a:solidFill>
+                  <a:schemeClr val="tx1"/>
+                </a:solidFill>
+                <a:miter lim="800000"/>
+                <a:headEnd/>
+                <a:tailEnd/>
+              </a14:hiddenLine>
+            </a:ext>
+          </a:extLst>
+        </p:spPr>
+      </p:pic>
+      <p:graphicFrame>
+        <p:nvGraphicFramePr>
+          <p:cNvPr id="5" name="Table 4"/>
+          <p:cNvGraphicFramePr>
+            <a:graphicFrameLocks noGrp="1"/>
+          </p:cNvGraphicFramePr>
+          <p:nvPr>
+            <p:extLst>
+              <p:ext uri="{D42A27DB-BD31-4B8C-83A1-F6EECF244321}">
+                <p14:modId xmlns:p14="http://schemas.microsoft.com/office/powerpoint/2010/main" val="2058476916"/>
+              </p:ext>
+            </p:extLst>
+          </p:nvPr>
+        </p:nvGraphicFramePr>
+        <p:xfrm>
+          <a:off x="1066800" y="4099560"/>
+          <a:ext cx="7467600" cy="2225040"/>
+        </p:xfrm>
+        <a:graphic>
+          <a:graphicData uri="http://schemas.openxmlformats.org/drawingml/2006/table">
+            <a:tbl>
+              <a:tblPr firstRow="1" bandRow="1">
+                <a:tableStyleId>{5C22544A-7EE6-4342-B048-85BDC9FD1C3A}</a:tableStyleId>
+              </a:tblPr>
+              <a:tblGrid>
+                <a:gridCol w="2053590"/>
+                <a:gridCol w="5414010"/>
+              </a:tblGrid>
+              <a:tr h="370840">
+                <a:tc>
+                  <a:txBody>
+                    <a:bodyPr/>
+                    <a:lstStyle/>
+                    <a:p>
+                      <a:r>
+                        <a:rPr lang="en-IE" sz="1800" dirty="0" smtClean="0"/>
+                        <a:t>Method</a:t>
+                      </a:r>
+                      <a:endParaRPr lang="en-IE" sz="1800" dirty="0"/>
+                    </a:p>
+                  </a:txBody>
+                  <a:tcPr/>
+                </a:tc>
+                <a:tc>
+                  <a:txBody>
+                    <a:bodyPr/>
+                    <a:lstStyle/>
+                    <a:p>
+                      <a:r>
+                        <a:rPr lang="en-IE" sz="1800" dirty="0" smtClean="0"/>
+                        <a:t>Usage</a:t>
+                      </a:r>
+                      <a:endParaRPr lang="en-IE" sz="1800" dirty="0"/>
+                    </a:p>
+                  </a:txBody>
+                  <a:tcPr/>
+                </a:tc>
+              </a:tr>
+              <a:tr h="370840">
+                <a:tc>
+                  <a:txBody>
+                    <a:bodyPr/>
+                    <a:lstStyle/>
+                    <a:p>
+                      <a:r>
+                        <a:rPr lang="en-US" sz="1800" b="1" i="0" kern="1200" dirty="0" smtClean="0">
+                          <a:solidFill>
+                            <a:schemeClr val="dk1"/>
+                          </a:solidFill>
+                          <a:effectLst/>
+                          <a:latin typeface="+mn-lt"/>
+                          <a:ea typeface="+mn-ea"/>
+                          <a:cs typeface="+mn-cs"/>
+                        </a:rPr>
+                        <a:t>blur</a:t>
+                      </a:r>
+                      <a:r>
+                        <a:rPr lang="en-US" sz="1800" b="0" i="0" kern="1200" dirty="0" smtClean="0">
+                          <a:solidFill>
+                            <a:schemeClr val="dk1"/>
+                          </a:solidFill>
+                          <a:effectLst/>
+                          <a:latin typeface="+mn-lt"/>
+                          <a:ea typeface="+mn-ea"/>
+                          <a:cs typeface="+mn-cs"/>
+                        </a:rPr>
+                        <a:t>: </a:t>
+                      </a:r>
+                    </a:p>
+                  </a:txBody>
+                  <a:tcPr/>
+                </a:tc>
+                <a:tc>
+                  <a:txBody>
+                    <a:bodyPr/>
+                    <a:lstStyle/>
+                    <a:p>
+                      <a:r>
+                        <a:rPr lang="en-US" sz="1800" b="0" i="0" kern="1200" dirty="0" smtClean="0">
+                          <a:solidFill>
+                            <a:schemeClr val="dk1"/>
+                          </a:solidFill>
+                          <a:effectLst/>
+                          <a:latin typeface="+mn-lt"/>
+                          <a:ea typeface="+mn-ea"/>
+                          <a:cs typeface="+mn-cs"/>
+                        </a:rPr>
+                        <a:t>When an element loses focus</a:t>
+                      </a:r>
+                      <a:endParaRPr lang="en-US" sz="1800" b="0" i="0" kern="1200" dirty="0" smtClean="0">
+                        <a:solidFill>
+                          <a:schemeClr val="dk1"/>
+                        </a:solidFill>
+                        <a:effectLst/>
+                        <a:latin typeface="+mn-lt"/>
+                        <a:ea typeface="+mn-ea"/>
+                        <a:cs typeface="+mn-cs"/>
+                      </a:endParaRPr>
+                    </a:p>
+                  </a:txBody>
+                  <a:tcPr/>
+                </a:tc>
+              </a:tr>
+              <a:tr h="370840">
+                <a:tc>
+                  <a:txBody>
+                    <a:bodyPr/>
+                    <a:lstStyle/>
+                    <a:p>
+                      <a:r>
+                        <a:rPr lang="en-US" sz="1800" b="1" i="0" kern="1200" dirty="0" smtClean="0">
+                          <a:solidFill>
+                            <a:schemeClr val="dk1"/>
+                          </a:solidFill>
+                          <a:effectLst/>
+                          <a:latin typeface="+mn-lt"/>
+                          <a:ea typeface="+mn-ea"/>
+                          <a:cs typeface="+mn-cs"/>
+                        </a:rPr>
+                        <a:t>change</a:t>
+                      </a:r>
+                      <a:r>
+                        <a:rPr lang="en-US" sz="1800" b="0" i="0" kern="1200" dirty="0" smtClean="0">
+                          <a:solidFill>
+                            <a:schemeClr val="dk1"/>
+                          </a:solidFill>
+                          <a:effectLst/>
+                          <a:latin typeface="+mn-lt"/>
+                          <a:ea typeface="+mn-ea"/>
+                          <a:cs typeface="+mn-cs"/>
+                        </a:rPr>
+                        <a:t>:</a:t>
+                      </a:r>
+                      <a:endParaRPr lang="en-US" sz="1800" b="0" i="0" kern="1200" dirty="0" smtClean="0">
+                        <a:solidFill>
+                          <a:schemeClr val="dk1"/>
+                        </a:solidFill>
+                        <a:effectLst/>
+                        <a:latin typeface="+mn-lt"/>
+                        <a:ea typeface="+mn-ea"/>
+                        <a:cs typeface="+mn-cs"/>
+                      </a:endParaRPr>
+                    </a:p>
+                  </a:txBody>
+                  <a:tcPr/>
+                </a:tc>
+                <a:tc>
+                  <a:txBody>
+                    <a:bodyPr/>
+                    <a:lstStyle/>
+                    <a:p>
+                      <a:pPr marL="0" marR="0" indent="0" algn="l" defTabSz="685800" rtl="0" eaLnBrk="1" fontAlgn="auto" latinLnBrk="0" hangingPunct="1">
+                        <a:lnSpc>
+                          <a:spcPct val="100000"/>
+                        </a:lnSpc>
+                        <a:spcBef>
+                          <a:spcPts val="0"/>
+                        </a:spcBef>
+                        <a:spcAft>
+                          <a:spcPts val="0"/>
+                        </a:spcAft>
+                        <a:buClrTx/>
+                        <a:buSzTx/>
+                        <a:buFontTx/>
+                        <a:buNone/>
+                        <a:tabLst/>
+                        <a:defRPr/>
+                      </a:pPr>
+                      <a:r>
+                        <a:rPr lang="en-US" sz="1800" b="0" i="0" kern="1200" dirty="0" smtClean="0">
+                          <a:solidFill>
+                            <a:schemeClr val="dk1"/>
+                          </a:solidFill>
+                          <a:effectLst/>
+                          <a:latin typeface="+mn-lt"/>
+                          <a:ea typeface="+mn-ea"/>
+                          <a:cs typeface="+mn-cs"/>
+                        </a:rPr>
+                        <a:t>When the value of an input changes</a:t>
+                      </a:r>
+                    </a:p>
+                  </a:txBody>
+                  <a:tcPr/>
+                </a:tc>
+              </a:tr>
+              <a:tr h="370840">
+                <a:tc>
+                  <a:txBody>
+                    <a:bodyPr/>
+                    <a:lstStyle/>
+                    <a:p>
+                      <a:pPr marL="0" marR="0" indent="0" algn="l" defTabSz="685800" rtl="0" eaLnBrk="1" fontAlgn="auto" latinLnBrk="0" hangingPunct="1">
+                        <a:lnSpc>
+                          <a:spcPct val="100000"/>
+                        </a:lnSpc>
+                        <a:spcBef>
+                          <a:spcPts val="0"/>
+                        </a:spcBef>
+                        <a:spcAft>
+                          <a:spcPts val="0"/>
+                        </a:spcAft>
+                        <a:buClrTx/>
+                        <a:buSzTx/>
+                        <a:buFontTx/>
+                        <a:buNone/>
+                        <a:tabLst/>
+                        <a:defRPr/>
+                      </a:pPr>
+                      <a:r>
+                        <a:rPr lang="en-US" sz="1800" b="1" i="0" kern="1200" dirty="0" smtClean="0">
+                          <a:solidFill>
+                            <a:schemeClr val="dk1"/>
+                          </a:solidFill>
+                          <a:effectLst/>
+                          <a:latin typeface="+mn-lt"/>
+                          <a:ea typeface="+mn-ea"/>
+                          <a:cs typeface="+mn-cs"/>
+                        </a:rPr>
+                        <a:t>focus</a:t>
+                      </a:r>
+                      <a:r>
+                        <a:rPr lang="en-US" sz="1800" b="0" i="0" kern="1200" dirty="0" smtClean="0">
+                          <a:solidFill>
+                            <a:schemeClr val="dk1"/>
+                          </a:solidFill>
+                          <a:effectLst/>
+                          <a:latin typeface="+mn-lt"/>
+                          <a:ea typeface="+mn-ea"/>
+                          <a:cs typeface="+mn-cs"/>
+                        </a:rPr>
+                        <a:t>: </a:t>
+                      </a:r>
+                    </a:p>
+                  </a:txBody>
+                  <a:tcPr/>
+                </a:tc>
+                <a:tc>
+                  <a:txBody>
+                    <a:bodyPr/>
+                    <a:lstStyle/>
+                    <a:p>
+                      <a:r>
+                        <a:rPr lang="en-US" sz="1800" b="0" i="0" kern="1200" dirty="0" smtClean="0">
+                          <a:solidFill>
+                            <a:schemeClr val="dk1"/>
+                          </a:solidFill>
+                          <a:effectLst/>
+                          <a:latin typeface="+mn-lt"/>
+                          <a:ea typeface="+mn-ea"/>
+                          <a:cs typeface="+mn-cs"/>
+                        </a:rPr>
+                        <a:t>When an element gains focus</a:t>
+                      </a:r>
+                      <a:endParaRPr lang="en-US" sz="1800" b="0" i="0" kern="1200" dirty="0" smtClean="0">
+                        <a:solidFill>
+                          <a:schemeClr val="dk1"/>
+                        </a:solidFill>
+                        <a:effectLst/>
+                        <a:latin typeface="+mn-lt"/>
+                        <a:ea typeface="+mn-ea"/>
+                        <a:cs typeface="+mn-cs"/>
+                      </a:endParaRPr>
+                    </a:p>
+                  </a:txBody>
+                  <a:tcPr/>
+                </a:tc>
+              </a:tr>
+              <a:tr h="370840">
+                <a:tc>
+                  <a:txBody>
+                    <a:bodyPr/>
+                    <a:lstStyle/>
+                    <a:p>
+                      <a:pPr marL="0" marR="0" indent="0" algn="l" defTabSz="685800" rtl="0" eaLnBrk="1" fontAlgn="auto" latinLnBrk="0" hangingPunct="1">
+                        <a:lnSpc>
+                          <a:spcPct val="100000"/>
+                        </a:lnSpc>
+                        <a:spcBef>
+                          <a:spcPts val="0"/>
+                        </a:spcBef>
+                        <a:spcAft>
+                          <a:spcPts val="0"/>
+                        </a:spcAft>
+                        <a:buClrTx/>
+                        <a:buSzTx/>
+                        <a:buFontTx/>
+                        <a:buNone/>
+                        <a:tabLst/>
+                        <a:defRPr/>
+                      </a:pPr>
+                      <a:r>
+                        <a:rPr lang="en-US" sz="1800" b="1" i="0" kern="1200" dirty="0" smtClean="0">
+                          <a:solidFill>
+                            <a:schemeClr val="dk1"/>
+                          </a:solidFill>
+                          <a:effectLst/>
+                          <a:latin typeface="+mn-lt"/>
+                          <a:ea typeface="+mn-ea"/>
+                          <a:cs typeface="+mn-cs"/>
+                        </a:rPr>
+                        <a:t>select</a:t>
+                      </a:r>
+                      <a:r>
+                        <a:rPr lang="en-US" sz="1800" b="0" i="0" kern="1200" dirty="0" smtClean="0">
+                          <a:solidFill>
+                            <a:schemeClr val="dk1"/>
+                          </a:solidFill>
+                          <a:effectLst/>
+                          <a:latin typeface="+mn-lt"/>
+                          <a:ea typeface="+mn-ea"/>
+                          <a:cs typeface="+mn-cs"/>
+                        </a:rPr>
+                        <a:t>: </a:t>
+                      </a:r>
+                      <a:endParaRPr lang="en-IE" sz="1800" dirty="0"/>
+                    </a:p>
+                  </a:txBody>
+                  <a:tcPr/>
+                </a:tc>
+                <a:tc>
+                  <a:txBody>
+                    <a:bodyPr/>
+                    <a:lstStyle/>
+                    <a:p>
+                      <a:r>
+                        <a:rPr lang="en-US" sz="1800" b="0" i="0" kern="1200" dirty="0" smtClean="0">
+                          <a:solidFill>
+                            <a:schemeClr val="dk1"/>
+                          </a:solidFill>
+                          <a:effectLst/>
+                          <a:latin typeface="+mn-lt"/>
+                          <a:ea typeface="+mn-ea"/>
+                          <a:cs typeface="+mn-cs"/>
+                        </a:rPr>
+                        <a:t>When the option for a &lt;select&gt; element is changed</a:t>
+                      </a:r>
+                      <a:endParaRPr lang="en-US" sz="1800" b="0" i="0" kern="1200" dirty="0" smtClean="0">
+                        <a:solidFill>
+                          <a:schemeClr val="dk1"/>
+                        </a:solidFill>
+                        <a:effectLst/>
+                        <a:latin typeface="+mn-lt"/>
+                        <a:ea typeface="+mn-ea"/>
+                        <a:cs typeface="+mn-cs"/>
+                      </a:endParaRPr>
+                    </a:p>
+                  </a:txBody>
+                  <a:tcPr/>
+                </a:tc>
+              </a:tr>
+              <a:tr h="370840">
+                <a:tc>
+                  <a:txBody>
+                    <a:bodyPr/>
+                    <a:lstStyle/>
+                    <a:p>
+                      <a:pPr marL="0" marR="0" indent="0" algn="l" defTabSz="685800" rtl="0" eaLnBrk="1" fontAlgn="auto" latinLnBrk="0" hangingPunct="1">
+                        <a:lnSpc>
+                          <a:spcPct val="100000"/>
+                        </a:lnSpc>
+                        <a:spcBef>
+                          <a:spcPts val="0"/>
+                        </a:spcBef>
+                        <a:spcAft>
+                          <a:spcPts val="0"/>
+                        </a:spcAft>
+                        <a:buClrTx/>
+                        <a:buSzTx/>
+                        <a:buFontTx/>
+                        <a:buNone/>
+                        <a:tabLst/>
+                        <a:defRPr/>
+                      </a:pPr>
+                      <a:r>
+                        <a:rPr lang="en-US" sz="1800" b="1" i="0" kern="1200" dirty="0" smtClean="0">
+                          <a:solidFill>
+                            <a:schemeClr val="dk1"/>
+                          </a:solidFill>
+                          <a:effectLst/>
+                          <a:latin typeface="+mn-lt"/>
+                          <a:ea typeface="+mn-ea"/>
+                          <a:cs typeface="+mn-cs"/>
+                        </a:rPr>
+                        <a:t>submit</a:t>
+                      </a:r>
+                      <a:r>
+                        <a:rPr lang="en-US" sz="1800" b="0" i="0" kern="1200" dirty="0" smtClean="0">
+                          <a:solidFill>
+                            <a:schemeClr val="dk1"/>
+                          </a:solidFill>
+                          <a:effectLst/>
+                          <a:latin typeface="+mn-lt"/>
+                          <a:ea typeface="+mn-ea"/>
+                          <a:cs typeface="+mn-cs"/>
+                        </a:rPr>
+                        <a:t>: </a:t>
+                      </a:r>
+                      <a:endParaRPr lang="en-IE" sz="1800" dirty="0"/>
+                    </a:p>
+                  </a:txBody>
+                  <a:tcPr/>
+                </a:tc>
+                <a:tc>
+                  <a:txBody>
+                    <a:bodyPr/>
+                    <a:lstStyle/>
+                    <a:p>
+                      <a:r>
+                        <a:rPr lang="en-US" sz="1800" b="0" i="0" kern="1200" dirty="0" smtClean="0">
+                          <a:solidFill>
+                            <a:schemeClr val="dk1"/>
+                          </a:solidFill>
+                          <a:effectLst/>
+                          <a:latin typeface="+mn-lt"/>
+                          <a:ea typeface="+mn-ea"/>
+                          <a:cs typeface="+mn-cs"/>
+                        </a:rPr>
+                        <a:t>When a form is submitted</a:t>
+                      </a:r>
+                    </a:p>
+                  </a:txBody>
+                  <a:tcPr/>
+                </a:tc>
+              </a:tr>
+            </a:tbl>
+          </a:graphicData>
+        </a:graphic>
+      </p:graphicFrame>
+    </p:spTree>
+    <p:extLst>
+      <p:ext uri="{BB962C8B-B14F-4D97-AF65-F5344CB8AC3E}">
+        <p14:creationId xmlns:p14="http://schemas.microsoft.com/office/powerpoint/2010/main" val="3178989414"/>
+      </p:ext>
+    </p:extLst>
+  </p:cSld>
+  <p:clrMapOvr>
+    <a:masterClrMapping/>
+  </p:clrMapOvr>
+</p:sld>
+</file>
+
+<file path=ppt/slides/slide21.xml><?xml version="1.0" encoding="utf-8"?>
+<p:sld xmlns:a="http://schemas.openxmlformats.org/drawingml/2006/main" xmlns:r="http://schemas.openxmlformats.org/officeDocument/2006/relationships" xmlns:p="http://schemas.openxmlformats.org/presentationml/2006/main">
+  <p:cSld>
+    <p:spTree>
+      <p:nvGrpSpPr>
+        <p:cNvPr id="1" name=""/>
+        <p:cNvGrpSpPr/>
+        <p:nvPr/>
+      </p:nvGrpSpPr>
+      <p:grpSpPr>
+        <a:xfrm>
+          <a:off x="0" y="0"/>
+          <a:ext cx="0" cy="0"/>
+          <a:chOff x="0" y="0"/>
+          <a:chExt cx="0" cy="0"/>
+        </a:xfrm>
+      </p:grpSpPr>
+      <p:sp>
+        <p:nvSpPr>
+          <p:cNvPr id="2" name="Title 1"/>
+          <p:cNvSpPr>
+            <a:spLocks noGrp="1"/>
+          </p:cNvSpPr>
+          <p:nvPr>
+            <p:ph type="title"/>
+          </p:nvPr>
+        </p:nvSpPr>
+        <p:spPr/>
+        <p:txBody>
+          <a:bodyPr/>
+          <a:lstStyle/>
+          <a:p>
+            <a:r>
+              <a:rPr lang="en-IE" dirty="0" err="1" smtClean="0"/>
+              <a:t>Jquery</a:t>
+            </a:r>
+            <a:r>
+              <a:rPr lang="en-IE" dirty="0" smtClean="0"/>
+              <a:t> form example</a:t>
+            </a:r>
+            <a:endParaRPr lang="en-IE" dirty="0"/>
+          </a:p>
+        </p:txBody>
+      </p:sp>
+      <p:sp>
+        <p:nvSpPr>
+          <p:cNvPr id="3" name="Content Placeholder 2"/>
+          <p:cNvSpPr>
+            <a:spLocks noGrp="1"/>
+          </p:cNvSpPr>
+          <p:nvPr>
+            <p:ph idx="1"/>
+          </p:nvPr>
+        </p:nvSpPr>
+        <p:spPr>
+          <a:xfrm>
+            <a:off x="938758" y="1219200"/>
+            <a:ext cx="3938042" cy="5181600"/>
+          </a:xfrm>
+        </p:spPr>
+        <p:txBody>
+          <a:bodyPr>
+            <a:noAutofit/>
+          </a:bodyPr>
+          <a:lstStyle/>
+          <a:p>
+            <a:r>
+              <a:rPr lang="en-US" dirty="0"/>
+              <a:t>In this example, a button and form have been added </a:t>
+            </a:r>
+            <a:r>
+              <a:rPr lang="en-US" dirty="0" smtClean="0"/>
+              <a:t>to the grocery list. When </a:t>
+            </a:r>
+            <a:r>
+              <a:rPr lang="en-US" dirty="0"/>
+              <a:t>the user clicks on the button to add a new item, the form will come into view. </a:t>
+            </a:r>
+            <a:endParaRPr lang="en-US" dirty="0" smtClean="0"/>
+          </a:p>
+          <a:p>
+            <a:r>
+              <a:rPr lang="en-US" dirty="0" smtClean="0"/>
+              <a:t>The </a:t>
+            </a:r>
+            <a:r>
+              <a:rPr lang="en-US" dirty="0"/>
+              <a:t>form lets users add a new item to the list with a single text input and a submit button. (The new item button is hidden when the form is in view.) </a:t>
+            </a:r>
+            <a:endParaRPr lang="en-US" dirty="0" smtClean="0"/>
+          </a:p>
+          <a:p>
+            <a:r>
+              <a:rPr lang="en-US" dirty="0" smtClean="0"/>
+              <a:t>When </a:t>
+            </a:r>
+            <a:r>
+              <a:rPr lang="en-US" dirty="0"/>
+              <a:t>the user presses the submit button, the new item is added to the bottom of the list. (The form is also hidden and the new item button is shown again.)</a:t>
+            </a:r>
+            <a:endParaRPr lang="en-IE" dirty="0"/>
+          </a:p>
+        </p:txBody>
+      </p:sp>
+      <p:pic>
+        <p:nvPicPr>
+          <p:cNvPr id="11266" name="Picture 2"/>
+          <p:cNvPicPr>
+            <a:picLocks noChangeAspect="1" noChangeArrowheads="1"/>
+          </p:cNvPicPr>
+          <p:nvPr/>
+        </p:nvPicPr>
+        <p:blipFill>
+          <a:blip r:embed="rId2">
+            <a:extLst>
+              <a:ext uri="{28A0092B-C50C-407E-A947-70E740481C1C}">
+                <a14:useLocalDpi xmlns:a14="http://schemas.microsoft.com/office/drawing/2010/main" val="0"/>
+              </a:ext>
+            </a:extLst>
+          </a:blip>
+          <a:srcRect/>
+          <a:stretch>
+            <a:fillRect/>
+          </a:stretch>
+        </p:blipFill>
+        <p:spPr bwMode="auto">
+          <a:xfrm>
+            <a:off x="4976524" y="1219200"/>
+            <a:ext cx="3862676" cy="4038600"/>
+          </a:xfrm>
+          <a:prstGeom prst="rect">
+            <a:avLst/>
+          </a:prstGeom>
+          <a:noFill/>
+          <a:ln>
+            <a:noFill/>
+          </a:ln>
+          <a:extLst>
+            <a:ext uri="{909E8E84-426E-40DD-AFC4-6F175D3DCCD1}">
+              <a14:hiddenFill xmlns:a14="http://schemas.microsoft.com/office/drawing/2010/main">
+                <a:solidFill>
+                  <a:schemeClr val="accent1"/>
+                </a:solidFill>
+              </a14:hiddenFill>
+            </a:ext>
+            <a:ext uri="{91240B29-F687-4F45-9708-019B960494DF}">
+              <a14:hiddenLine xmlns:a14="http://schemas.microsoft.com/office/drawing/2010/main" w="9525">
+                <a:solidFill>
+                  <a:schemeClr val="tx1"/>
+                </a:solidFill>
+                <a:miter lim="800000"/>
+                <a:headEnd/>
+                <a:tailEnd/>
+              </a14:hiddenLine>
+            </a:ext>
+          </a:extLst>
+        </p:spPr>
+      </p:pic>
+    </p:spTree>
+    <p:extLst>
+      <p:ext uri="{BB962C8B-B14F-4D97-AF65-F5344CB8AC3E}">
+        <p14:creationId xmlns:p14="http://schemas.microsoft.com/office/powerpoint/2010/main" val="2845477397"/>
+      </p:ext>
+    </p:extLst>
+  </p:cSld>
+  <p:clrMapOvr>
+    <a:masterClrMapping/>
+  </p:clrMapOvr>
+</p:sld>
+</file>
+
+<file path=ppt/slides/slide22.xml><?xml version="1.0" encoding="utf-8"?>
+<p:sld xmlns:a="http://schemas.openxmlformats.org/drawingml/2006/main" xmlns:r="http://schemas.openxmlformats.org/officeDocument/2006/relationships" xmlns:p="http://schemas.openxmlformats.org/presentationml/2006/main">
+  <p:cSld>
+    <p:spTree>
+      <p:nvGrpSpPr>
+        <p:cNvPr id="1" name=""/>
+        <p:cNvGrpSpPr/>
+        <p:nvPr/>
+      </p:nvGrpSpPr>
+      <p:grpSpPr>
+        <a:xfrm>
+          <a:off x="0" y="0"/>
+          <a:ext cx="0" cy="0"/>
+          <a:chOff x="0" y="0"/>
+          <a:chExt cx="0" cy="0"/>
+        </a:xfrm>
+      </p:grpSpPr>
+      <p:sp>
+        <p:nvSpPr>
+          <p:cNvPr id="2" name="Title 1"/>
+          <p:cNvSpPr>
+            <a:spLocks noGrp="1"/>
+          </p:cNvSpPr>
+          <p:nvPr>
+            <p:ph type="title"/>
+          </p:nvPr>
+        </p:nvSpPr>
+        <p:spPr/>
+        <p:txBody>
+          <a:bodyPr/>
+          <a:lstStyle/>
+          <a:p>
+            <a:r>
+              <a:rPr lang="en-IE" dirty="0" err="1"/>
+              <a:t>Jquery</a:t>
+            </a:r>
+            <a:r>
+              <a:rPr lang="en-IE" dirty="0"/>
+              <a:t> form example</a:t>
+            </a:r>
+          </a:p>
+        </p:txBody>
+      </p:sp>
+      <p:sp>
+        <p:nvSpPr>
+          <p:cNvPr id="3" name="Content Placeholder 2"/>
+          <p:cNvSpPr>
+            <a:spLocks noGrp="1"/>
+          </p:cNvSpPr>
+          <p:nvPr>
+            <p:ph idx="1"/>
+          </p:nvPr>
+        </p:nvSpPr>
+        <p:spPr/>
+        <p:txBody>
+          <a:bodyPr/>
+          <a:lstStyle/>
+          <a:p>
+            <a:r>
+              <a:rPr lang="en-IE" dirty="0" smtClean="0"/>
+              <a:t>This is the HTML used for the form:</a:t>
+            </a:r>
+          </a:p>
+          <a:p>
+            <a:endParaRPr lang="en-IE" dirty="0"/>
+          </a:p>
+        </p:txBody>
+      </p:sp>
+      <p:pic>
+        <p:nvPicPr>
+          <p:cNvPr id="12290" name="Picture 2"/>
+          <p:cNvPicPr>
+            <a:picLocks noChangeAspect="1" noChangeArrowheads="1"/>
+          </p:cNvPicPr>
+          <p:nvPr/>
+        </p:nvPicPr>
+        <p:blipFill>
+          <a:blip r:embed="rId2">
+            <a:extLst>
+              <a:ext uri="{28A0092B-C50C-407E-A947-70E740481C1C}">
+                <a14:useLocalDpi xmlns:a14="http://schemas.microsoft.com/office/drawing/2010/main" val="0"/>
+              </a:ext>
+            </a:extLst>
+          </a:blip>
+          <a:srcRect/>
+          <a:stretch>
+            <a:fillRect/>
+          </a:stretch>
+        </p:blipFill>
+        <p:spPr bwMode="auto">
+          <a:xfrm>
+            <a:off x="1253951" y="2895600"/>
+            <a:ext cx="7128049" cy="2162175"/>
+          </a:xfrm>
+          <a:prstGeom prst="rect">
+            <a:avLst/>
+          </a:prstGeom>
+          <a:noFill/>
+          <a:ln>
+            <a:noFill/>
+          </a:ln>
+          <a:extLst>
+            <a:ext uri="{909E8E84-426E-40DD-AFC4-6F175D3DCCD1}">
+              <a14:hiddenFill xmlns:a14="http://schemas.microsoft.com/office/drawing/2010/main">
+                <a:solidFill>
+                  <a:schemeClr val="accent1"/>
+                </a:solidFill>
+              </a14:hiddenFill>
+            </a:ext>
+            <a:ext uri="{91240B29-F687-4F45-9708-019B960494DF}">
+              <a14:hiddenLine xmlns:a14="http://schemas.microsoft.com/office/drawing/2010/main" w="9525">
+                <a:solidFill>
+                  <a:schemeClr val="tx1"/>
+                </a:solidFill>
+                <a:miter lim="800000"/>
+                <a:headEnd/>
+                <a:tailEnd/>
+              </a14:hiddenLine>
+            </a:ext>
+          </a:extLst>
+        </p:spPr>
+      </p:pic>
+    </p:spTree>
+    <p:extLst>
+      <p:ext uri="{BB962C8B-B14F-4D97-AF65-F5344CB8AC3E}">
+        <p14:creationId xmlns:p14="http://schemas.microsoft.com/office/powerpoint/2010/main" val="457513635"/>
+      </p:ext>
+    </p:extLst>
+  </p:cSld>
+  <p:clrMapOvr>
+    <a:masterClrMapping/>
+  </p:clrMapOvr>
+</p:sld>
+</file>
+
+<file path=ppt/slides/slide23.xml><?xml version="1.0" encoding="utf-8"?>
+<p:sld xmlns:a="http://schemas.openxmlformats.org/drawingml/2006/main" xmlns:r="http://schemas.openxmlformats.org/officeDocument/2006/relationships" xmlns:p="http://schemas.openxmlformats.org/presentationml/2006/main">
+  <p:cSld>
+    <p:spTree>
+      <p:nvGrpSpPr>
+        <p:cNvPr id="1" name=""/>
+        <p:cNvGrpSpPr/>
+        <p:nvPr/>
+      </p:nvGrpSpPr>
+      <p:grpSpPr>
+        <a:xfrm>
+          <a:off x="0" y="0"/>
+          <a:ext cx="0" cy="0"/>
+          <a:chOff x="0" y="0"/>
+          <a:chExt cx="0" cy="0"/>
+        </a:xfrm>
+      </p:grpSpPr>
+      <p:sp>
+        <p:nvSpPr>
+          <p:cNvPr id="2" name="Title 1"/>
+          <p:cNvSpPr>
+            <a:spLocks noGrp="1"/>
+          </p:cNvSpPr>
+          <p:nvPr>
+            <p:ph type="title"/>
+          </p:nvPr>
+        </p:nvSpPr>
+        <p:spPr/>
+        <p:txBody>
+          <a:bodyPr/>
+          <a:lstStyle/>
+          <a:p>
+            <a:r>
+              <a:rPr lang="en-IE" dirty="0" err="1"/>
+              <a:t>Jquery</a:t>
+            </a:r>
+            <a:r>
+              <a:rPr lang="en-IE" dirty="0"/>
+              <a:t> form example</a:t>
+            </a:r>
+          </a:p>
+        </p:txBody>
+      </p:sp>
+      <p:sp>
+        <p:nvSpPr>
+          <p:cNvPr id="3" name="Content Placeholder 2"/>
+          <p:cNvSpPr>
+            <a:spLocks noGrp="1"/>
+          </p:cNvSpPr>
+          <p:nvPr>
+            <p:ph idx="1"/>
+          </p:nvPr>
+        </p:nvSpPr>
+        <p:spPr>
+          <a:xfrm>
+            <a:off x="938758" y="1676400"/>
+            <a:ext cx="7633742" cy="4267200"/>
+          </a:xfrm>
+        </p:spPr>
+        <p:txBody>
+          <a:bodyPr>
+            <a:normAutofit lnSpcReduction="10000"/>
+          </a:bodyPr>
+          <a:lstStyle/>
+          <a:p>
+            <a:r>
+              <a:rPr lang="en-US" dirty="0"/>
+              <a:t>New jQuery objects are created to hold the new item button, the form to add new items, and the add button. These are cached in variables</a:t>
+            </a:r>
+            <a:r>
+              <a:rPr lang="en-US" dirty="0" smtClean="0"/>
+              <a:t>.</a:t>
+            </a:r>
+          </a:p>
+          <a:p>
+            <a:endParaRPr lang="en-US" dirty="0"/>
+          </a:p>
+          <a:p>
+            <a:endParaRPr lang="en-US" dirty="0" smtClean="0"/>
+          </a:p>
+          <a:p>
+            <a:endParaRPr lang="en-US" dirty="0" smtClean="0"/>
+          </a:p>
+          <a:p>
+            <a:endParaRPr lang="en-US" dirty="0"/>
+          </a:p>
+          <a:p>
+            <a:endParaRPr lang="en-US" dirty="0"/>
+          </a:p>
+          <a:p>
+            <a:r>
+              <a:rPr lang="en-US" dirty="0"/>
+              <a:t>When the page loads, the CSS hides the new item button (and shows the form), so jQuery methods show the new item button and hide the form.</a:t>
+            </a:r>
+            <a:endParaRPr lang="en-IE" dirty="0"/>
+          </a:p>
+        </p:txBody>
+      </p:sp>
+      <p:pic>
+        <p:nvPicPr>
+          <p:cNvPr id="13314" name="Picture 2"/>
+          <p:cNvPicPr>
+            <a:picLocks noChangeAspect="1" noChangeArrowheads="1"/>
+          </p:cNvPicPr>
+          <p:nvPr/>
+        </p:nvPicPr>
+        <p:blipFill>
+          <a:blip r:embed="rId2">
+            <a:extLst>
+              <a:ext uri="{28A0092B-C50C-407E-A947-70E740481C1C}">
+                <a14:useLocalDpi xmlns:a14="http://schemas.microsoft.com/office/drawing/2010/main" val="0"/>
+              </a:ext>
+            </a:extLst>
+          </a:blip>
+          <a:srcRect/>
+          <a:stretch>
+            <a:fillRect/>
+          </a:stretch>
+        </p:blipFill>
+        <p:spPr bwMode="auto">
+          <a:xfrm>
+            <a:off x="2405062" y="2438400"/>
+            <a:ext cx="4452938" cy="2095500"/>
+          </a:xfrm>
+          <a:prstGeom prst="rect">
+            <a:avLst/>
+          </a:prstGeom>
+          <a:noFill/>
+          <a:ln>
+            <a:noFill/>
+          </a:ln>
+          <a:extLst>
+            <a:ext uri="{909E8E84-426E-40DD-AFC4-6F175D3DCCD1}">
+              <a14:hiddenFill xmlns:a14="http://schemas.microsoft.com/office/drawing/2010/main">
+                <a:solidFill>
+                  <a:schemeClr val="accent1"/>
+                </a:solidFill>
+              </a14:hiddenFill>
+            </a:ext>
+            <a:ext uri="{91240B29-F687-4F45-9708-019B960494DF}">
+              <a14:hiddenLine xmlns:a14="http://schemas.microsoft.com/office/drawing/2010/main" w="9525">
+                <a:solidFill>
+                  <a:schemeClr val="tx1"/>
+                </a:solidFill>
+                <a:miter lim="800000"/>
+                <a:headEnd/>
+                <a:tailEnd/>
+              </a14:hiddenLine>
+            </a:ext>
+          </a:extLst>
+        </p:spPr>
+      </p:pic>
+      <p:pic>
+        <p:nvPicPr>
+          <p:cNvPr id="13315" name="Picture 3"/>
+          <p:cNvPicPr>
+            <a:picLocks noChangeAspect="1" noChangeArrowheads="1"/>
+          </p:cNvPicPr>
+          <p:nvPr/>
+        </p:nvPicPr>
+        <p:blipFill>
+          <a:blip r:embed="rId3">
+            <a:extLst>
+              <a:ext uri="{28A0092B-C50C-407E-A947-70E740481C1C}">
+                <a14:useLocalDpi xmlns:a14="http://schemas.microsoft.com/office/drawing/2010/main" val="0"/>
+              </a:ext>
+            </a:extLst>
+          </a:blip>
+          <a:srcRect/>
+          <a:stretch>
+            <a:fillRect/>
+          </a:stretch>
+        </p:blipFill>
+        <p:spPr bwMode="auto">
+          <a:xfrm>
+            <a:off x="2819400" y="5486400"/>
+            <a:ext cx="3681701" cy="923925"/>
+          </a:xfrm>
+          <a:prstGeom prst="rect">
+            <a:avLst/>
+          </a:prstGeom>
+          <a:noFill/>
+          <a:ln>
+            <a:noFill/>
+          </a:ln>
+          <a:extLst>
+            <a:ext uri="{909E8E84-426E-40DD-AFC4-6F175D3DCCD1}">
+              <a14:hiddenFill xmlns:a14="http://schemas.microsoft.com/office/drawing/2010/main">
+                <a:solidFill>
+                  <a:schemeClr val="accent1"/>
+                </a:solidFill>
+              </a14:hiddenFill>
+            </a:ext>
+            <a:ext uri="{91240B29-F687-4F45-9708-019B960494DF}">
+              <a14:hiddenLine xmlns:a14="http://schemas.microsoft.com/office/drawing/2010/main" w="9525">
+                <a:solidFill>
+                  <a:schemeClr val="tx1"/>
+                </a:solidFill>
+                <a:miter lim="800000"/>
+                <a:headEnd/>
+                <a:tailEnd/>
+              </a14:hiddenLine>
+            </a:ext>
+          </a:extLst>
+        </p:spPr>
+      </p:pic>
+    </p:spTree>
+    <p:extLst>
+      <p:ext uri="{BB962C8B-B14F-4D97-AF65-F5344CB8AC3E}">
+        <p14:creationId xmlns:p14="http://schemas.microsoft.com/office/powerpoint/2010/main" val="236338722"/>
+      </p:ext>
+    </p:extLst>
+  </p:cSld>
+  <p:clrMapOvr>
+    <a:masterClrMapping/>
+  </p:clrMapOvr>
+</p:sld>
+</file>
+
+<file path=ppt/slides/slide24.xml><?xml version="1.0" encoding="utf-8"?>
+<p:sld xmlns:a="http://schemas.openxmlformats.org/drawingml/2006/main" xmlns:r="http://schemas.openxmlformats.org/officeDocument/2006/relationships" xmlns:p="http://schemas.openxmlformats.org/presentationml/2006/main">
+  <p:cSld>
+    <p:spTree>
+      <p:nvGrpSpPr>
+        <p:cNvPr id="1" name=""/>
+        <p:cNvGrpSpPr/>
+        <p:nvPr/>
+      </p:nvGrpSpPr>
+      <p:grpSpPr>
+        <a:xfrm>
+          <a:off x="0" y="0"/>
+          <a:ext cx="0" cy="0"/>
+          <a:chOff x="0" y="0"/>
+          <a:chExt cx="0" cy="0"/>
+        </a:xfrm>
+      </p:grpSpPr>
+      <p:sp>
+        <p:nvSpPr>
+          <p:cNvPr id="2" name="Title 1"/>
+          <p:cNvSpPr>
+            <a:spLocks noGrp="1"/>
+          </p:cNvSpPr>
+          <p:nvPr>
+            <p:ph type="title"/>
+          </p:nvPr>
+        </p:nvSpPr>
+        <p:spPr/>
+        <p:txBody>
+          <a:bodyPr/>
+          <a:lstStyle/>
+          <a:p>
+            <a:r>
+              <a:rPr lang="en-IE" dirty="0" err="1"/>
+              <a:t>Jquery</a:t>
+            </a:r>
+            <a:r>
+              <a:rPr lang="en-IE" dirty="0"/>
+              <a:t> form example</a:t>
+            </a:r>
+          </a:p>
+        </p:txBody>
+      </p:sp>
+      <p:sp>
+        <p:nvSpPr>
+          <p:cNvPr id="3" name="Content Placeholder 2"/>
+          <p:cNvSpPr>
+            <a:spLocks noGrp="1"/>
+          </p:cNvSpPr>
+          <p:nvPr>
+            <p:ph idx="1"/>
+          </p:nvPr>
+        </p:nvSpPr>
+        <p:spPr/>
+        <p:txBody>
+          <a:bodyPr/>
+          <a:lstStyle/>
+          <a:p>
+            <a:r>
+              <a:rPr lang="en-US" dirty="0" smtClean="0"/>
+              <a:t>If </a:t>
+            </a:r>
+            <a:r>
+              <a:rPr lang="en-US" dirty="0"/>
+              <a:t>a user clicks on the new item button (the </a:t>
+            </a:r>
+            <a:r>
+              <a:rPr lang="en-US" dirty="0"/>
+              <a:t>&lt;button&gt;</a:t>
+            </a:r>
+            <a:r>
+              <a:rPr lang="en-US" dirty="0"/>
+              <a:t> element whose id attribute has a value of </a:t>
+            </a:r>
+            <a:r>
+              <a:rPr lang="en-US" dirty="0" err="1"/>
+              <a:t>showForm</a:t>
+            </a:r>
+            <a:r>
+              <a:rPr lang="en-US" dirty="0"/>
+              <a:t>), the new item button is hidden and the form is shown.</a:t>
+            </a:r>
+            <a:endParaRPr lang="en-IE" dirty="0"/>
+          </a:p>
+        </p:txBody>
+      </p:sp>
+      <p:pic>
+        <p:nvPicPr>
+          <p:cNvPr id="14338" name="Picture 2"/>
+          <p:cNvPicPr>
+            <a:picLocks noChangeAspect="1" noChangeArrowheads="1"/>
+          </p:cNvPicPr>
+          <p:nvPr/>
+        </p:nvPicPr>
+        <p:blipFill>
+          <a:blip r:embed="rId2">
+            <a:extLst>
+              <a:ext uri="{28A0092B-C50C-407E-A947-70E740481C1C}">
+                <a14:useLocalDpi xmlns:a14="http://schemas.microsoft.com/office/drawing/2010/main" val="0"/>
+              </a:ext>
+            </a:extLst>
+          </a:blip>
+          <a:srcRect/>
+          <a:stretch>
+            <a:fillRect/>
+          </a:stretch>
+        </p:blipFill>
+        <p:spPr bwMode="auto">
+          <a:xfrm>
+            <a:off x="2209800" y="3590925"/>
+            <a:ext cx="4749944" cy="1514475"/>
+          </a:xfrm>
+          <a:prstGeom prst="rect">
+            <a:avLst/>
+          </a:prstGeom>
+          <a:noFill/>
+          <a:ln>
+            <a:noFill/>
+          </a:ln>
+          <a:extLst>
+            <a:ext uri="{909E8E84-426E-40DD-AFC4-6F175D3DCCD1}">
+              <a14:hiddenFill xmlns:a14="http://schemas.microsoft.com/office/drawing/2010/main">
+                <a:solidFill>
+                  <a:schemeClr val="accent1"/>
+                </a:solidFill>
+              </a14:hiddenFill>
+            </a:ext>
+            <a:ext uri="{91240B29-F687-4F45-9708-019B960494DF}">
+              <a14:hiddenLine xmlns:a14="http://schemas.microsoft.com/office/drawing/2010/main" w="9525">
+                <a:solidFill>
+                  <a:schemeClr val="tx1"/>
+                </a:solidFill>
+                <a:miter lim="800000"/>
+                <a:headEnd/>
+                <a:tailEnd/>
+              </a14:hiddenLine>
+            </a:ext>
+          </a:extLst>
+        </p:spPr>
+      </p:pic>
+    </p:spTree>
+    <p:extLst>
+      <p:ext uri="{BB962C8B-B14F-4D97-AF65-F5344CB8AC3E}">
+        <p14:creationId xmlns:p14="http://schemas.microsoft.com/office/powerpoint/2010/main" val="555538750"/>
+      </p:ext>
+    </p:extLst>
+  </p:cSld>
+  <p:clrMapOvr>
+    <a:masterClrMapping/>
+  </p:clrMapOvr>
+</p:sld>
+</file>
+
+<file path=ppt/slides/slide25.xml><?xml version="1.0" encoding="utf-8"?>
+<p:sld xmlns:a="http://schemas.openxmlformats.org/drawingml/2006/main" xmlns:r="http://schemas.openxmlformats.org/officeDocument/2006/relationships" xmlns:p="http://schemas.openxmlformats.org/presentationml/2006/main">
+  <p:cSld>
+    <p:spTree>
+      <p:nvGrpSpPr>
+        <p:cNvPr id="1" name=""/>
+        <p:cNvGrpSpPr/>
+        <p:nvPr/>
+      </p:nvGrpSpPr>
+      <p:grpSpPr>
+        <a:xfrm>
+          <a:off x="0" y="0"/>
+          <a:ext cx="0" cy="0"/>
+          <a:chOff x="0" y="0"/>
+          <a:chExt cx="0" cy="0"/>
+        </a:xfrm>
+      </p:grpSpPr>
+      <p:sp>
+        <p:nvSpPr>
+          <p:cNvPr id="2" name="Title 1"/>
+          <p:cNvSpPr>
+            <a:spLocks noGrp="1"/>
+          </p:cNvSpPr>
+          <p:nvPr>
+            <p:ph type="title"/>
+          </p:nvPr>
+        </p:nvSpPr>
+        <p:spPr/>
+        <p:txBody>
+          <a:bodyPr/>
+          <a:lstStyle/>
+          <a:p>
+            <a:r>
+              <a:rPr lang="en-IE" dirty="0" err="1"/>
+              <a:t>Jquery</a:t>
+            </a:r>
+            <a:r>
+              <a:rPr lang="en-IE" dirty="0"/>
+              <a:t> form example</a:t>
+            </a:r>
+          </a:p>
+        </p:txBody>
+      </p:sp>
+      <p:sp>
+        <p:nvSpPr>
+          <p:cNvPr id="3" name="Content Placeholder 2"/>
+          <p:cNvSpPr>
+            <a:spLocks noGrp="1"/>
+          </p:cNvSpPr>
+          <p:nvPr>
+            <p:ph idx="1"/>
+          </p:nvPr>
+        </p:nvSpPr>
+        <p:spPr>
+          <a:xfrm>
+            <a:off x="938758" y="1371600"/>
+            <a:ext cx="7633742" cy="5193793"/>
+          </a:xfrm>
+        </p:spPr>
+        <p:txBody>
+          <a:bodyPr>
+            <a:noAutofit/>
+          </a:bodyPr>
+          <a:lstStyle/>
+          <a:p>
+            <a:r>
+              <a:rPr lang="en-US" sz="2400" dirty="0"/>
+              <a:t>The last part of the script handles the form submit event.</a:t>
+            </a:r>
+          </a:p>
+          <a:p>
+            <a:pPr lvl="1"/>
+            <a:r>
+              <a:rPr lang="en-US" sz="2000" dirty="0"/>
+              <a:t>When the form is submitted, an anonymous function is called. It is passed the event object.</a:t>
+            </a:r>
+          </a:p>
+          <a:p>
+            <a:pPr lvl="1"/>
+            <a:r>
+              <a:rPr lang="en-US" sz="2000" dirty="0"/>
+              <a:t>The .</a:t>
+            </a:r>
+            <a:r>
+              <a:rPr lang="en-US" sz="2000" dirty="0" err="1"/>
+              <a:t>preventDefault</a:t>
+            </a:r>
+            <a:r>
+              <a:rPr lang="en-US" sz="2000" dirty="0"/>
+              <a:t>() method stops the form from being submitted.</a:t>
+            </a:r>
+          </a:p>
+          <a:p>
+            <a:pPr lvl="1"/>
+            <a:r>
+              <a:rPr lang="en-US" sz="2000" dirty="0"/>
+              <a:t>The .</a:t>
+            </a:r>
+            <a:r>
+              <a:rPr lang="en-US" sz="2000" dirty="0" err="1"/>
+              <a:t>val</a:t>
+            </a:r>
+            <a:r>
+              <a:rPr lang="en-US" sz="2000" dirty="0"/>
+              <a:t>() method gets the value the user entered from the text input that is stored in $</a:t>
+            </a:r>
+            <a:r>
+              <a:rPr lang="en-US" sz="2000" dirty="0" err="1"/>
+              <a:t>textInput</a:t>
+            </a:r>
+            <a:r>
+              <a:rPr lang="en-US" sz="2000" dirty="0"/>
+              <a:t>. The value is stored in a variable called </a:t>
+            </a:r>
+            <a:r>
+              <a:rPr lang="en-US" sz="2000" dirty="0" err="1"/>
+              <a:t>newText</a:t>
+            </a:r>
+            <a:r>
+              <a:rPr lang="en-US" sz="2000" dirty="0"/>
+              <a:t>.</a:t>
+            </a:r>
+          </a:p>
+          <a:p>
+            <a:pPr lvl="1"/>
+            <a:r>
+              <a:rPr lang="en-US" sz="2000" dirty="0"/>
+              <a:t>A new item is added to the end of the list using the .after() method.</a:t>
+            </a:r>
+          </a:p>
+          <a:p>
+            <a:pPr lvl="1"/>
+            <a:r>
+              <a:rPr lang="en-US" sz="2000" dirty="0"/>
+              <a:t>The form is hidden, the new item button is shown again, and the content of the text input is emptied (so the placeholder text is shown again and the user can add a new entry if they want to).</a:t>
+            </a:r>
+          </a:p>
+          <a:p>
+            <a:endParaRPr lang="en-IE" sz="2400" dirty="0"/>
+          </a:p>
+        </p:txBody>
+      </p:sp>
+    </p:spTree>
+    <p:extLst>
+      <p:ext uri="{BB962C8B-B14F-4D97-AF65-F5344CB8AC3E}">
+        <p14:creationId xmlns:p14="http://schemas.microsoft.com/office/powerpoint/2010/main" val="2714623501"/>
+      </p:ext>
+    </p:extLst>
+  </p:cSld>
+  <p:clrMapOvr>
+    <a:masterClrMapping/>
+  </p:clrMapOvr>
+</p:sld>
+</file>
+
+<file path=ppt/slides/slide26.xml><?xml version="1.0" encoding="utf-8"?>
+<p:sld xmlns:a="http://schemas.openxmlformats.org/drawingml/2006/main" xmlns:r="http://schemas.openxmlformats.org/officeDocument/2006/relationships" xmlns:p="http://schemas.openxmlformats.org/presentationml/2006/main">
+  <p:cSld>
+    <p:spTree>
+      <p:nvGrpSpPr>
+        <p:cNvPr id="1" name=""/>
+        <p:cNvGrpSpPr/>
+        <p:nvPr/>
+      </p:nvGrpSpPr>
+      <p:grpSpPr>
+        <a:xfrm>
+          <a:off x="0" y="0"/>
+          <a:ext cx="0" cy="0"/>
+          <a:chOff x="0" y="0"/>
+          <a:chExt cx="0" cy="0"/>
+        </a:xfrm>
+      </p:grpSpPr>
+      <p:sp>
+        <p:nvSpPr>
+          <p:cNvPr id="2" name="Title 1"/>
+          <p:cNvSpPr>
+            <a:spLocks noGrp="1"/>
+          </p:cNvSpPr>
+          <p:nvPr>
+            <p:ph type="title"/>
+          </p:nvPr>
+        </p:nvSpPr>
+        <p:spPr/>
+        <p:txBody>
+          <a:bodyPr/>
+          <a:lstStyle/>
+          <a:p>
+            <a:r>
+              <a:rPr lang="en-IE" dirty="0" err="1"/>
+              <a:t>Jquery</a:t>
+            </a:r>
+            <a:r>
+              <a:rPr lang="en-IE" dirty="0"/>
+              <a:t> form example</a:t>
+            </a:r>
+          </a:p>
+        </p:txBody>
+      </p:sp>
+      <p:pic>
+        <p:nvPicPr>
+          <p:cNvPr id="15362" name="Picture 2"/>
+          <p:cNvPicPr>
+            <a:picLocks noGrp="1" noChangeAspect="1" noChangeArrowheads="1"/>
+          </p:cNvPicPr>
+          <p:nvPr>
+            <p:ph idx="1"/>
+          </p:nvPr>
+        </p:nvPicPr>
+        <p:blipFill>
+          <a:blip r:embed="rId2">
+            <a:extLst>
+              <a:ext uri="{28A0092B-C50C-407E-A947-70E740481C1C}">
+                <a14:useLocalDpi xmlns:a14="http://schemas.microsoft.com/office/drawing/2010/main" val="0"/>
+              </a:ext>
+            </a:extLst>
+          </a:blip>
+          <a:srcRect/>
+          <a:stretch>
+            <a:fillRect/>
+          </a:stretch>
+        </p:blipFill>
+        <p:spPr bwMode="auto">
+          <a:xfrm>
+            <a:off x="1391823" y="1905000"/>
+            <a:ext cx="6532977" cy="3429000"/>
+          </a:xfrm>
+          <a:prstGeom prst="rect">
+            <a:avLst/>
+          </a:prstGeom>
+          <a:noFill/>
+          <a:ln>
+            <a:noFill/>
+          </a:ln>
+          <a:extLst>
+            <a:ext uri="{909E8E84-426E-40DD-AFC4-6F175D3DCCD1}">
+              <a14:hiddenFill xmlns:a14="http://schemas.microsoft.com/office/drawing/2010/main">
+                <a:solidFill>
+                  <a:schemeClr val="accent1"/>
+                </a:solidFill>
+              </a14:hiddenFill>
+            </a:ext>
+            <a:ext uri="{91240B29-F687-4F45-9708-019B960494DF}">
+              <a14:hiddenLine xmlns:a14="http://schemas.microsoft.com/office/drawing/2010/main" w="9525">
+                <a:solidFill>
+                  <a:schemeClr val="tx1"/>
+                </a:solidFill>
+                <a:miter lim="800000"/>
+                <a:headEnd/>
+                <a:tailEnd/>
+              </a14:hiddenLine>
+            </a:ext>
+          </a:extLst>
+        </p:spPr>
+      </p:pic>
+    </p:spTree>
+    <p:extLst>
+      <p:ext uri="{BB962C8B-B14F-4D97-AF65-F5344CB8AC3E}">
+        <p14:creationId xmlns:p14="http://schemas.microsoft.com/office/powerpoint/2010/main" val="697440254"/>
+      </p:ext>
+    </p:extLst>
+  </p:cSld>
+  <p:clrMapOvr>
+    <a:masterClrMapping/>
+  </p:clrMapOvr>
+</p:sld>
+</file>
+
+<file path=ppt/slides/slide27.xml><?xml version="1.0" encoding="utf-8"?>
+<p:sld xmlns:a="http://schemas.openxmlformats.org/drawingml/2006/main" xmlns:r="http://schemas.openxmlformats.org/officeDocument/2006/relationships" xmlns:p="http://schemas.openxmlformats.org/presentationml/2006/main">
+  <p:cSld>
+    <p:spTree>
+      <p:nvGrpSpPr>
+        <p:cNvPr id="1" name=""/>
+        <p:cNvGrpSpPr/>
+        <p:nvPr/>
+      </p:nvGrpSpPr>
+      <p:grpSpPr>
+        <a:xfrm>
+          <a:off x="0" y="0"/>
+          <a:ext cx="0" cy="0"/>
+          <a:chOff x="0" y="0"/>
+          <a:chExt cx="0" cy="0"/>
+        </a:xfrm>
+      </p:grpSpPr>
+      <p:sp>
+        <p:nvSpPr>
+          <p:cNvPr id="2" name="Title 1"/>
+          <p:cNvSpPr>
+            <a:spLocks noGrp="1"/>
+          </p:cNvSpPr>
+          <p:nvPr>
+            <p:ph type="title"/>
+          </p:nvPr>
+        </p:nvSpPr>
+        <p:spPr/>
+        <p:txBody>
+          <a:bodyPr/>
+          <a:lstStyle/>
+          <a:p>
+            <a:r>
+              <a:rPr lang="en-IE" dirty="0" err="1" smtClean="0"/>
+              <a:t>Jquery</a:t>
+            </a:r>
+            <a:r>
+              <a:rPr lang="en-IE" dirty="0" smtClean="0"/>
+              <a:t> </a:t>
+            </a:r>
+            <a:r>
+              <a:rPr lang="en-IE" dirty="0" err="1" smtClean="0"/>
+              <a:t>ui</a:t>
+            </a:r>
+            <a:endParaRPr lang="en-IE" dirty="0"/>
+          </a:p>
+        </p:txBody>
+      </p:sp>
+      <p:sp>
+        <p:nvSpPr>
+          <p:cNvPr id="3" name="Content Placeholder 2"/>
+          <p:cNvSpPr>
+            <a:spLocks noGrp="1"/>
+          </p:cNvSpPr>
+          <p:nvPr>
+            <p:ph idx="1"/>
+          </p:nvPr>
+        </p:nvSpPr>
+        <p:spPr/>
+        <p:txBody>
+          <a:bodyPr/>
+          <a:lstStyle/>
+          <a:p>
+            <a:r>
+              <a:rPr lang="en-US" dirty="0"/>
+              <a:t>jQuery UI is a curated set of user interface interactions, effects, widgets, and themes built on top of the jQuery JavaScript Library. </a:t>
+            </a:r>
+            <a:endParaRPr lang="en-US" dirty="0" smtClean="0"/>
+          </a:p>
+          <a:p>
+            <a:r>
+              <a:rPr lang="en-US" dirty="0" smtClean="0"/>
+              <a:t>Whether </a:t>
+            </a:r>
+            <a:r>
+              <a:rPr lang="en-US" dirty="0"/>
+              <a:t>you're building highly interactive web applications or you just need to add a date picker to a form control, jQuery UI is the perfect choice</a:t>
+            </a:r>
+            <a:r>
+              <a:rPr lang="en-US" dirty="0" smtClean="0"/>
+              <a:t>.</a:t>
+            </a:r>
+          </a:p>
+          <a:p>
+            <a:r>
+              <a:rPr lang="en-US" dirty="0">
+                <a:hlinkClick r:id="rId2"/>
+              </a:rPr>
+              <a:t>https://jqueryui.com</a:t>
+            </a:r>
+            <a:r>
+              <a:rPr lang="en-US" dirty="0" smtClean="0">
+                <a:hlinkClick r:id="rId2"/>
+              </a:rPr>
+              <a:t>/</a:t>
+            </a:r>
+            <a:r>
+              <a:rPr lang="en-US" dirty="0" smtClean="0"/>
+              <a:t> </a:t>
+            </a:r>
+            <a:endParaRPr lang="en-IE" dirty="0"/>
+          </a:p>
+        </p:txBody>
+      </p:sp>
+    </p:spTree>
+    <p:extLst>
+      <p:ext uri="{BB962C8B-B14F-4D97-AF65-F5344CB8AC3E}">
+        <p14:creationId xmlns:p14="http://schemas.microsoft.com/office/powerpoint/2010/main" val="4092584473"/>
+      </p:ext>
+    </p:extLst>
+  </p:cSld>
+  <p:clrMapOvr>
+    <a:masterClrMapping/>
+  </p:clrMapOvr>
+</p:sld>
+</file>
+
+<file path=ppt/slides/slide3.xml><?xml version="1.0" encoding="utf-8"?>
+<p:sld xmlns:a="http://schemas.openxmlformats.org/drawingml/2006/main" xmlns:r="http://schemas.openxmlformats.org/officeDocument/2006/relationships" xmlns:p="http://schemas.openxmlformats.org/presentationml/2006/main">
+  <p:cSld>
+    <p:spTree>
+      <p:nvGrpSpPr>
+        <p:cNvPr id="1" name=""/>
+        <p:cNvGrpSpPr/>
+        <p:nvPr/>
+      </p:nvGrpSpPr>
+      <p:grpSpPr>
+        <a:xfrm>
+          <a:off x="0" y="0"/>
+          <a:ext cx="0" cy="0"/>
+          <a:chOff x="0" y="0"/>
+          <a:chExt cx="0" cy="0"/>
+        </a:xfrm>
+      </p:grpSpPr>
+      <p:sp>
+        <p:nvSpPr>
+          <p:cNvPr id="2" name="Title 1"/>
+          <p:cNvSpPr>
+            <a:spLocks noGrp="1"/>
+          </p:cNvSpPr>
+          <p:nvPr>
+            <p:ph type="title"/>
+          </p:nvPr>
+        </p:nvSpPr>
+        <p:spPr/>
+        <p:txBody>
+          <a:bodyPr/>
+          <a:lstStyle/>
+          <a:p>
+            <a:r>
+              <a:rPr lang="en-IE" dirty="0" err="1" smtClean="0"/>
+              <a:t>Jquery</a:t>
+            </a:r>
+            <a:r>
+              <a:rPr lang="en-IE" dirty="0" smtClean="0"/>
+              <a:t> effects</a:t>
+            </a:r>
+            <a:endParaRPr lang="en-IE" dirty="0"/>
+          </a:p>
+        </p:txBody>
+      </p:sp>
+      <p:sp>
+        <p:nvSpPr>
+          <p:cNvPr id="3" name="Content Placeholder 2"/>
+          <p:cNvSpPr>
+            <a:spLocks noGrp="1"/>
+          </p:cNvSpPr>
+          <p:nvPr>
+            <p:ph idx="1"/>
+          </p:nvPr>
+        </p:nvSpPr>
+        <p:spPr/>
+        <p:txBody>
+          <a:bodyPr/>
+          <a:lstStyle/>
+          <a:p>
+            <a:r>
+              <a:rPr lang="en-US" dirty="0"/>
+              <a:t>When you start using jQuery, the effects methods can enhance your web page with transitions and movement. </a:t>
+            </a:r>
+            <a:endParaRPr lang="en-US" dirty="0" smtClean="0"/>
+          </a:p>
+          <a:p>
+            <a:r>
+              <a:rPr lang="en-US" dirty="0" smtClean="0"/>
+              <a:t>Here </a:t>
+            </a:r>
+            <a:r>
+              <a:rPr lang="en-US" dirty="0"/>
+              <a:t>you can see some of the jQuery effects that show or hide elements and their content. </a:t>
+            </a:r>
+            <a:endParaRPr lang="en-IE" dirty="0"/>
+          </a:p>
+        </p:txBody>
+      </p:sp>
+      <p:graphicFrame>
+        <p:nvGraphicFramePr>
+          <p:cNvPr id="4" name="Content Placeholder 3"/>
+          <p:cNvGraphicFramePr>
+            <a:graphicFrameLocks/>
+          </p:cNvGraphicFramePr>
+          <p:nvPr>
+            <p:extLst>
+              <p:ext uri="{D42A27DB-BD31-4B8C-83A1-F6EECF244321}">
+                <p14:modId xmlns:p14="http://schemas.microsoft.com/office/powerpoint/2010/main" val="4217882171"/>
+              </p:ext>
+            </p:extLst>
+          </p:nvPr>
+        </p:nvGraphicFramePr>
+        <p:xfrm>
+          <a:off x="976312" y="4114800"/>
+          <a:ext cx="7634288" cy="1889760"/>
+        </p:xfrm>
+        <a:graphic>
+          <a:graphicData uri="http://schemas.openxmlformats.org/drawingml/2006/table">
+            <a:tbl>
+              <a:tblPr firstRow="1" bandRow="1">
+                <a:tableStyleId>{5C22544A-7EE6-4342-B048-85BDC9FD1C3A}</a:tableStyleId>
+              </a:tblPr>
+              <a:tblGrid>
+                <a:gridCol w="2338387"/>
+                <a:gridCol w="5295901"/>
+              </a:tblGrid>
+              <a:tr h="370840">
+                <a:tc>
+                  <a:txBody>
+                    <a:bodyPr/>
+                    <a:lstStyle/>
+                    <a:p>
+                      <a:r>
+                        <a:rPr lang="en-IE" sz="2000" dirty="0" smtClean="0"/>
+                        <a:t>Method</a:t>
+                      </a:r>
+                      <a:endParaRPr lang="en-IE" sz="2000" dirty="0"/>
+                    </a:p>
+                  </a:txBody>
+                  <a:tcPr/>
+                </a:tc>
+                <a:tc>
+                  <a:txBody>
+                    <a:bodyPr/>
+                    <a:lstStyle/>
+                    <a:p>
+                      <a:r>
+                        <a:rPr lang="en-IE" sz="2000" dirty="0" smtClean="0"/>
+                        <a:t>Effect</a:t>
+                      </a:r>
+                      <a:endParaRPr lang="en-IE" sz="2000" dirty="0"/>
+                    </a:p>
+                  </a:txBody>
+                  <a:tcPr/>
+                </a:tc>
+              </a:tr>
+              <a:tr h="370840">
+                <a:tc>
+                  <a:txBody>
+                    <a:bodyPr/>
+                    <a:lstStyle/>
+                    <a:p>
+                      <a:r>
+                        <a:rPr lang="en-US" sz="2000" b="1" i="0" kern="1200" dirty="0" smtClean="0">
+                          <a:solidFill>
+                            <a:schemeClr val="dk1"/>
+                          </a:solidFill>
+                          <a:effectLst/>
+                          <a:latin typeface="+mn-lt"/>
+                          <a:ea typeface="+mn-ea"/>
+                          <a:cs typeface="+mn-cs"/>
+                        </a:rPr>
+                        <a:t>.show()</a:t>
+                      </a:r>
+                      <a:r>
+                        <a:rPr lang="en-US" sz="2000" b="0" i="0" kern="1200" dirty="0" smtClean="0">
+                          <a:solidFill>
+                            <a:schemeClr val="dk1"/>
+                          </a:solidFill>
+                          <a:effectLst/>
+                          <a:latin typeface="+mn-lt"/>
+                          <a:ea typeface="+mn-ea"/>
+                          <a:cs typeface="+mn-cs"/>
+                        </a:rPr>
+                        <a:t>:</a:t>
+                      </a:r>
+                    </a:p>
+                  </a:txBody>
+                  <a:tcPr/>
+                </a:tc>
+                <a:tc>
+                  <a:txBody>
+                    <a:bodyPr/>
+                    <a:lstStyle/>
+                    <a:p>
+                      <a:r>
+                        <a:rPr lang="en-US" sz="2000" b="0" i="0" kern="1200" dirty="0" smtClean="0">
+                          <a:solidFill>
+                            <a:schemeClr val="dk1"/>
+                          </a:solidFill>
+                          <a:effectLst/>
+                          <a:latin typeface="+mn-lt"/>
+                          <a:ea typeface="+mn-ea"/>
+                          <a:cs typeface="+mn-cs"/>
+                        </a:rPr>
+                        <a:t>Displays selected elements</a:t>
+                      </a:r>
+                      <a:endParaRPr lang="en-IE" sz="2000" dirty="0"/>
+                    </a:p>
+                  </a:txBody>
+                  <a:tcPr/>
+                </a:tc>
+              </a:tr>
+              <a:tr h="370840">
+                <a:tc>
+                  <a:txBody>
+                    <a:bodyPr/>
+                    <a:lstStyle/>
+                    <a:p>
+                      <a:pPr marL="0" marR="0" indent="0" algn="l" defTabSz="685800" rtl="0" eaLnBrk="1" fontAlgn="auto" latinLnBrk="0" hangingPunct="1">
+                        <a:lnSpc>
+                          <a:spcPct val="100000"/>
+                        </a:lnSpc>
+                        <a:spcBef>
+                          <a:spcPts val="0"/>
+                        </a:spcBef>
+                        <a:spcAft>
+                          <a:spcPts val="0"/>
+                        </a:spcAft>
+                        <a:buClrTx/>
+                        <a:buSzTx/>
+                        <a:buFontTx/>
+                        <a:buNone/>
+                        <a:tabLst/>
+                        <a:defRPr/>
+                      </a:pPr>
+                      <a:r>
+                        <a:rPr lang="en-US" sz="2000" b="1" i="0" kern="1200" dirty="0" smtClean="0">
+                          <a:solidFill>
+                            <a:schemeClr val="dk1"/>
+                          </a:solidFill>
+                          <a:effectLst/>
+                          <a:latin typeface="+mn-lt"/>
+                          <a:ea typeface="+mn-ea"/>
+                          <a:cs typeface="+mn-cs"/>
+                        </a:rPr>
+                        <a:t>.hide()</a:t>
+                      </a:r>
+                      <a:r>
+                        <a:rPr lang="en-US" sz="2000" b="0" i="0" kern="1200" dirty="0" smtClean="0">
+                          <a:solidFill>
+                            <a:schemeClr val="dk1"/>
+                          </a:solidFill>
+                          <a:effectLst/>
+                          <a:latin typeface="+mn-lt"/>
+                          <a:ea typeface="+mn-ea"/>
+                          <a:cs typeface="+mn-cs"/>
+                        </a:rPr>
+                        <a:t>:</a:t>
+                      </a:r>
+                    </a:p>
+                  </a:txBody>
+                  <a:tcPr/>
+                </a:tc>
+                <a:tc>
+                  <a:txBody>
+                    <a:bodyPr/>
+                    <a:lstStyle/>
+                    <a:p>
+                      <a:pPr marL="0" marR="0" indent="0" algn="l" defTabSz="685800" rtl="0" eaLnBrk="1" fontAlgn="auto" latinLnBrk="0" hangingPunct="1">
+                        <a:lnSpc>
+                          <a:spcPct val="100000"/>
+                        </a:lnSpc>
+                        <a:spcBef>
+                          <a:spcPts val="0"/>
+                        </a:spcBef>
+                        <a:spcAft>
+                          <a:spcPts val="0"/>
+                        </a:spcAft>
+                        <a:buClrTx/>
+                        <a:buSzTx/>
+                        <a:buFontTx/>
+                        <a:buNone/>
+                        <a:tabLst/>
+                        <a:defRPr/>
+                      </a:pPr>
+                      <a:r>
+                        <a:rPr lang="en-US" sz="2000" b="0" i="0" kern="1200" dirty="0" smtClean="0">
+                          <a:solidFill>
+                            <a:schemeClr val="dk1"/>
+                          </a:solidFill>
+                          <a:effectLst/>
+                          <a:latin typeface="+mn-lt"/>
+                          <a:ea typeface="+mn-ea"/>
+                          <a:cs typeface="+mn-cs"/>
+                        </a:rPr>
+                        <a:t>Hides selected elements</a:t>
+                      </a:r>
+                      <a:endParaRPr lang="en-IE" sz="2000" dirty="0"/>
+                    </a:p>
+                  </a:txBody>
+                  <a:tcPr/>
+                </a:tc>
+              </a:tr>
+              <a:tr h="370840">
+                <a:tc>
+                  <a:txBody>
+                    <a:bodyPr/>
+                    <a:lstStyle/>
+                    <a:p>
+                      <a:pPr marL="0" marR="0" indent="0" algn="l" defTabSz="685800" rtl="0" eaLnBrk="1" fontAlgn="auto" latinLnBrk="0" hangingPunct="1">
+                        <a:lnSpc>
+                          <a:spcPct val="100000"/>
+                        </a:lnSpc>
+                        <a:spcBef>
+                          <a:spcPts val="0"/>
+                        </a:spcBef>
+                        <a:spcAft>
+                          <a:spcPts val="0"/>
+                        </a:spcAft>
+                        <a:buClrTx/>
+                        <a:buSzTx/>
+                        <a:buFontTx/>
+                        <a:buNone/>
+                        <a:tabLst/>
+                        <a:defRPr/>
+                      </a:pPr>
+                      <a:r>
+                        <a:rPr lang="en-US" sz="2000" b="1" i="0" kern="1200" dirty="0" smtClean="0">
+                          <a:solidFill>
+                            <a:schemeClr val="dk1"/>
+                          </a:solidFill>
+                          <a:effectLst/>
+                          <a:latin typeface="+mn-lt"/>
+                          <a:ea typeface="+mn-ea"/>
+                          <a:cs typeface="+mn-cs"/>
+                        </a:rPr>
+                        <a:t>.toggle()</a:t>
+                      </a:r>
+                      <a:r>
+                        <a:rPr lang="en-US" sz="2000" b="0" i="0" kern="1200" dirty="0" smtClean="0">
+                          <a:solidFill>
+                            <a:schemeClr val="dk1"/>
+                          </a:solidFill>
+                          <a:effectLst/>
+                          <a:latin typeface="+mn-lt"/>
+                          <a:ea typeface="+mn-ea"/>
+                          <a:cs typeface="+mn-cs"/>
+                        </a:rPr>
+                        <a:t>:</a:t>
+                      </a:r>
+                      <a:endParaRPr lang="en-IE" sz="2000" dirty="0"/>
+                    </a:p>
+                  </a:txBody>
+                  <a:tcPr/>
+                </a:tc>
+                <a:tc>
+                  <a:txBody>
+                    <a:bodyPr/>
+                    <a:lstStyle/>
+                    <a:p>
+                      <a:pPr marL="0" marR="0" indent="0" algn="l" defTabSz="685800" rtl="0" eaLnBrk="1" fontAlgn="auto" latinLnBrk="0" hangingPunct="1">
+                        <a:lnSpc>
+                          <a:spcPct val="100000"/>
+                        </a:lnSpc>
+                        <a:spcBef>
+                          <a:spcPts val="0"/>
+                        </a:spcBef>
+                        <a:spcAft>
+                          <a:spcPts val="0"/>
+                        </a:spcAft>
+                        <a:buClrTx/>
+                        <a:buSzTx/>
+                        <a:buFontTx/>
+                        <a:buNone/>
+                        <a:tabLst/>
+                        <a:defRPr/>
+                      </a:pPr>
+                      <a:r>
+                        <a:rPr lang="en-US" sz="2000" b="0" i="0" kern="1200" dirty="0" smtClean="0">
+                          <a:solidFill>
+                            <a:schemeClr val="dk1"/>
+                          </a:solidFill>
+                          <a:effectLst/>
+                          <a:latin typeface="+mn-lt"/>
+                          <a:ea typeface="+mn-ea"/>
+                          <a:cs typeface="+mn-cs"/>
+                        </a:rPr>
+                        <a:t>Toggles between showing and hiding selected elements</a:t>
+                      </a:r>
+                      <a:endParaRPr lang="en-IE" sz="2000" dirty="0"/>
+                    </a:p>
+                  </a:txBody>
+                  <a:tcPr/>
+                </a:tc>
+              </a:tr>
+            </a:tbl>
+          </a:graphicData>
+        </a:graphic>
+      </p:graphicFrame>
+    </p:spTree>
+    <p:extLst>
+      <p:ext uri="{BB962C8B-B14F-4D97-AF65-F5344CB8AC3E}">
+        <p14:creationId xmlns:p14="http://schemas.microsoft.com/office/powerpoint/2010/main" val="1090759275"/>
+      </p:ext>
+    </p:extLst>
+  </p:cSld>
+  <p:clrMapOvr>
+    <a:masterClrMapping/>
+  </p:clrMapOvr>
+</p:sld>
+</file>
+
+<file path=ppt/slides/slide4.xml><?xml version="1.0" encoding="utf-8"?>
+<p:sld xmlns:a="http://schemas.openxmlformats.org/drawingml/2006/main" xmlns:r="http://schemas.openxmlformats.org/officeDocument/2006/relationships" xmlns:p="http://schemas.openxmlformats.org/presentationml/2006/main">
+  <p:cSld>
+    <p:spTree>
+      <p:nvGrpSpPr>
+        <p:cNvPr id="1" name=""/>
+        <p:cNvGrpSpPr/>
+        <p:nvPr/>
+      </p:nvGrpSpPr>
+      <p:grpSpPr>
+        <a:xfrm>
+          <a:off x="0" y="0"/>
+          <a:ext cx="0" cy="0"/>
+          <a:chOff x="0" y="0"/>
+          <a:chExt cx="0" cy="0"/>
+        </a:xfrm>
+      </p:grpSpPr>
+      <p:sp>
+        <p:nvSpPr>
+          <p:cNvPr id="2" name="Title 1"/>
+          <p:cNvSpPr>
+            <a:spLocks noGrp="1"/>
+          </p:cNvSpPr>
+          <p:nvPr>
+            <p:ph type="title"/>
+          </p:nvPr>
+        </p:nvSpPr>
+        <p:spPr/>
+        <p:txBody>
+          <a:bodyPr/>
+          <a:lstStyle/>
+          <a:p>
+            <a:r>
+              <a:rPr lang="en-IE" dirty="0" err="1"/>
+              <a:t>Jquery</a:t>
+            </a:r>
+            <a:r>
+              <a:rPr lang="en-IE" dirty="0"/>
+              <a:t> effects</a:t>
+            </a:r>
+          </a:p>
+        </p:txBody>
+      </p:sp>
+      <p:sp>
+        <p:nvSpPr>
+          <p:cNvPr id="5" name="Content Placeholder 4"/>
+          <p:cNvSpPr>
+            <a:spLocks noGrp="1"/>
+          </p:cNvSpPr>
+          <p:nvPr>
+            <p:ph idx="1"/>
+          </p:nvPr>
+        </p:nvSpPr>
+        <p:spPr>
+          <a:xfrm>
+            <a:off x="938758" y="1435609"/>
+            <a:ext cx="7633742" cy="3593591"/>
+          </a:xfrm>
+        </p:spPr>
+        <p:txBody>
+          <a:bodyPr/>
+          <a:lstStyle/>
+          <a:p>
+            <a:r>
+              <a:rPr lang="en-US" dirty="0"/>
+              <a:t>You can </a:t>
+            </a:r>
+            <a:r>
+              <a:rPr lang="en-US" dirty="0" smtClean="0"/>
+              <a:t>also animate elements, fade them in </a:t>
+            </a:r>
+            <a:r>
+              <a:rPr lang="en-US" dirty="0"/>
+              <a:t>or out, or slide them up and down.</a:t>
+            </a:r>
+            <a:endParaRPr lang="en-IE" dirty="0"/>
+          </a:p>
+          <a:p>
+            <a:pPr marL="0" indent="0">
+              <a:buNone/>
+            </a:pPr>
+            <a:endParaRPr lang="en-IE" dirty="0"/>
+          </a:p>
+        </p:txBody>
+      </p:sp>
+      <p:graphicFrame>
+        <p:nvGraphicFramePr>
+          <p:cNvPr id="7" name="Content Placeholder 3"/>
+          <p:cNvGraphicFramePr>
+            <a:graphicFrameLocks/>
+          </p:cNvGraphicFramePr>
+          <p:nvPr>
+            <p:extLst>
+              <p:ext uri="{D42A27DB-BD31-4B8C-83A1-F6EECF244321}">
+                <p14:modId xmlns:p14="http://schemas.microsoft.com/office/powerpoint/2010/main" val="798663268"/>
+              </p:ext>
+            </p:extLst>
+          </p:nvPr>
+        </p:nvGraphicFramePr>
+        <p:xfrm>
+          <a:off x="976312" y="2438400"/>
+          <a:ext cx="7634288" cy="3505200"/>
+        </p:xfrm>
+        <a:graphic>
+          <a:graphicData uri="http://schemas.openxmlformats.org/drawingml/2006/table">
+            <a:tbl>
+              <a:tblPr firstRow="1" bandRow="1">
+                <a:tableStyleId>{5C22544A-7EE6-4342-B048-85BDC9FD1C3A}</a:tableStyleId>
+              </a:tblPr>
+              <a:tblGrid>
+                <a:gridCol w="2338387"/>
+                <a:gridCol w="5295901"/>
+              </a:tblGrid>
+              <a:tr h="370840">
+                <a:tc>
+                  <a:txBody>
+                    <a:bodyPr/>
+                    <a:lstStyle/>
+                    <a:p>
+                      <a:r>
+                        <a:rPr lang="en-IE" sz="1800" dirty="0" smtClean="0"/>
+                        <a:t>Method</a:t>
+                      </a:r>
+                      <a:endParaRPr lang="en-IE" sz="1800" dirty="0"/>
+                    </a:p>
+                  </a:txBody>
+                  <a:tcPr/>
+                </a:tc>
+                <a:tc>
+                  <a:txBody>
+                    <a:bodyPr/>
+                    <a:lstStyle/>
+                    <a:p>
+                      <a:r>
+                        <a:rPr lang="en-IE" sz="1800" dirty="0" smtClean="0"/>
+                        <a:t>Effect</a:t>
+                      </a:r>
+                      <a:endParaRPr lang="en-IE" sz="1800" dirty="0"/>
+                    </a:p>
+                  </a:txBody>
+                  <a:tcPr/>
+                </a:tc>
+              </a:tr>
+              <a:tr h="370840">
+                <a:tc>
+                  <a:txBody>
+                    <a:bodyPr/>
+                    <a:lstStyle/>
+                    <a:p>
+                      <a:r>
+                        <a:rPr lang="en-US" sz="1800" b="1" i="0" kern="1200" dirty="0" smtClean="0">
+                          <a:solidFill>
+                            <a:schemeClr val="dk1"/>
+                          </a:solidFill>
+                          <a:effectLst/>
+                          <a:latin typeface="+mn-lt"/>
+                          <a:ea typeface="+mn-ea"/>
+                          <a:cs typeface="+mn-cs"/>
+                        </a:rPr>
+                        <a:t>.</a:t>
+                      </a:r>
+                      <a:r>
+                        <a:rPr lang="en-US" sz="1800" b="1" i="0" kern="1200" dirty="0" err="1" smtClean="0">
+                          <a:solidFill>
+                            <a:schemeClr val="dk1"/>
+                          </a:solidFill>
+                          <a:effectLst/>
+                          <a:latin typeface="+mn-lt"/>
+                          <a:ea typeface="+mn-ea"/>
+                          <a:cs typeface="+mn-cs"/>
+                        </a:rPr>
+                        <a:t>fadeIn</a:t>
+                      </a:r>
+                      <a:r>
+                        <a:rPr lang="en-US" sz="1800" b="1" i="0" kern="1200" dirty="0" smtClean="0">
+                          <a:solidFill>
+                            <a:schemeClr val="dk1"/>
+                          </a:solidFill>
+                          <a:effectLst/>
+                          <a:latin typeface="+mn-lt"/>
+                          <a:ea typeface="+mn-ea"/>
+                          <a:cs typeface="+mn-cs"/>
+                        </a:rPr>
+                        <a:t>()</a:t>
+                      </a:r>
+                      <a:r>
+                        <a:rPr lang="en-US" sz="1800" b="0" i="0" kern="1200" dirty="0" smtClean="0">
+                          <a:solidFill>
+                            <a:schemeClr val="dk1"/>
+                          </a:solidFill>
+                          <a:effectLst/>
+                          <a:latin typeface="+mn-lt"/>
+                          <a:ea typeface="+mn-ea"/>
+                          <a:cs typeface="+mn-cs"/>
+                        </a:rPr>
+                        <a:t>:</a:t>
+                      </a:r>
+                      <a:endParaRPr lang="en-US" sz="1800" b="0" i="0" kern="1200" dirty="0" smtClean="0">
+                        <a:solidFill>
+                          <a:schemeClr val="dk1"/>
+                        </a:solidFill>
+                        <a:effectLst/>
+                        <a:latin typeface="+mn-lt"/>
+                        <a:ea typeface="+mn-ea"/>
+                        <a:cs typeface="+mn-cs"/>
+                      </a:endParaRPr>
+                    </a:p>
+                  </a:txBody>
+                  <a:tcPr/>
+                </a:tc>
+                <a:tc>
+                  <a:txBody>
+                    <a:bodyPr/>
+                    <a:lstStyle/>
+                    <a:p>
+                      <a:r>
+                        <a:rPr lang="en-US" sz="1800" b="0" i="0" kern="1200" dirty="0" smtClean="0">
+                          <a:solidFill>
+                            <a:schemeClr val="dk1"/>
+                          </a:solidFill>
+                          <a:effectLst/>
+                          <a:latin typeface="+mn-lt"/>
+                          <a:ea typeface="+mn-ea"/>
+                          <a:cs typeface="+mn-cs"/>
+                        </a:rPr>
+                        <a:t>Fades in selected elements making them opaque</a:t>
+                      </a:r>
+                      <a:endParaRPr lang="en-US" sz="1800" b="0" i="0" kern="1200" dirty="0" smtClean="0">
+                        <a:solidFill>
+                          <a:schemeClr val="dk1"/>
+                        </a:solidFill>
+                        <a:effectLst/>
+                        <a:latin typeface="+mn-lt"/>
+                        <a:ea typeface="+mn-ea"/>
+                        <a:cs typeface="+mn-cs"/>
+                      </a:endParaRPr>
+                    </a:p>
+                  </a:txBody>
+                  <a:tcPr/>
+                </a:tc>
+              </a:tr>
+              <a:tr h="370840">
+                <a:tc>
+                  <a:txBody>
+                    <a:bodyPr/>
+                    <a:lstStyle/>
+                    <a:p>
+                      <a:pPr marL="0" marR="0" indent="0" algn="l" defTabSz="685800" rtl="0" eaLnBrk="1" fontAlgn="auto" latinLnBrk="0" hangingPunct="1">
+                        <a:lnSpc>
+                          <a:spcPct val="100000"/>
+                        </a:lnSpc>
+                        <a:spcBef>
+                          <a:spcPts val="0"/>
+                        </a:spcBef>
+                        <a:spcAft>
+                          <a:spcPts val="0"/>
+                        </a:spcAft>
+                        <a:buClrTx/>
+                        <a:buSzTx/>
+                        <a:buFontTx/>
+                        <a:buNone/>
+                        <a:tabLst/>
+                        <a:defRPr/>
+                      </a:pPr>
+                      <a:r>
+                        <a:rPr lang="en-US" sz="1800" b="1" i="0" kern="1200" dirty="0" smtClean="0">
+                          <a:solidFill>
+                            <a:schemeClr val="dk1"/>
+                          </a:solidFill>
+                          <a:effectLst/>
+                          <a:latin typeface="+mn-lt"/>
+                          <a:ea typeface="+mn-ea"/>
+                          <a:cs typeface="+mn-cs"/>
+                        </a:rPr>
+                        <a:t>.</a:t>
+                      </a:r>
+                      <a:r>
+                        <a:rPr lang="en-US" sz="1800" b="1" i="0" kern="1200" dirty="0" err="1" smtClean="0">
+                          <a:solidFill>
+                            <a:schemeClr val="dk1"/>
+                          </a:solidFill>
+                          <a:effectLst/>
+                          <a:latin typeface="+mn-lt"/>
+                          <a:ea typeface="+mn-ea"/>
+                          <a:cs typeface="+mn-cs"/>
+                        </a:rPr>
+                        <a:t>fadeOut</a:t>
+                      </a:r>
+                      <a:r>
+                        <a:rPr lang="en-US" sz="1800" b="1" i="0" kern="1200" dirty="0" smtClean="0">
+                          <a:solidFill>
+                            <a:schemeClr val="dk1"/>
+                          </a:solidFill>
+                          <a:effectLst/>
+                          <a:latin typeface="+mn-lt"/>
+                          <a:ea typeface="+mn-ea"/>
+                          <a:cs typeface="+mn-cs"/>
+                        </a:rPr>
+                        <a:t>()</a:t>
+                      </a:r>
+                      <a:r>
+                        <a:rPr lang="en-US" sz="1800" b="0" i="0" kern="1200" dirty="0" smtClean="0">
+                          <a:solidFill>
+                            <a:schemeClr val="dk1"/>
+                          </a:solidFill>
+                          <a:effectLst/>
+                          <a:latin typeface="+mn-lt"/>
+                          <a:ea typeface="+mn-ea"/>
+                          <a:cs typeface="+mn-cs"/>
+                        </a:rPr>
+                        <a:t>:</a:t>
+                      </a:r>
+                    </a:p>
+                  </a:txBody>
+                  <a:tcPr/>
+                </a:tc>
+                <a:tc>
+                  <a:txBody>
+                    <a:bodyPr/>
+                    <a:lstStyle/>
+                    <a:p>
+                      <a:pPr marL="0" marR="0" indent="0" algn="l" defTabSz="685800" rtl="0" eaLnBrk="1" fontAlgn="auto" latinLnBrk="0" hangingPunct="1">
+                        <a:lnSpc>
+                          <a:spcPct val="100000"/>
+                        </a:lnSpc>
+                        <a:spcBef>
+                          <a:spcPts val="0"/>
+                        </a:spcBef>
+                        <a:spcAft>
+                          <a:spcPts val="0"/>
+                        </a:spcAft>
+                        <a:buClrTx/>
+                        <a:buSzTx/>
+                        <a:buFontTx/>
+                        <a:buNone/>
+                        <a:tabLst/>
+                        <a:defRPr/>
+                      </a:pPr>
+                      <a:r>
+                        <a:rPr lang="en-US" sz="1800" b="0" i="0" kern="1200" dirty="0" smtClean="0">
+                          <a:solidFill>
+                            <a:schemeClr val="dk1"/>
+                          </a:solidFill>
+                          <a:effectLst/>
+                          <a:latin typeface="+mn-lt"/>
+                          <a:ea typeface="+mn-ea"/>
+                          <a:cs typeface="+mn-cs"/>
+                        </a:rPr>
+                        <a:t>Fades out selected elements making them transparent</a:t>
+                      </a:r>
+                      <a:endParaRPr lang="en-IE" sz="1800" dirty="0"/>
+                    </a:p>
+                  </a:txBody>
+                  <a:tcPr/>
+                </a:tc>
+              </a:tr>
+              <a:tr h="370840">
+                <a:tc>
+                  <a:txBody>
+                    <a:bodyPr/>
+                    <a:lstStyle/>
+                    <a:p>
+                      <a:pPr marL="0" marR="0" indent="0" algn="l" defTabSz="685800" rtl="0" eaLnBrk="1" fontAlgn="auto" latinLnBrk="0" hangingPunct="1">
+                        <a:lnSpc>
+                          <a:spcPct val="100000"/>
+                        </a:lnSpc>
+                        <a:spcBef>
+                          <a:spcPts val="0"/>
+                        </a:spcBef>
+                        <a:spcAft>
+                          <a:spcPts val="0"/>
+                        </a:spcAft>
+                        <a:buClrTx/>
+                        <a:buSzTx/>
+                        <a:buFontTx/>
+                        <a:buNone/>
+                        <a:tabLst/>
+                        <a:defRPr/>
+                      </a:pPr>
+                      <a:r>
+                        <a:rPr lang="en-US" sz="1800" b="1" i="0" kern="1200" dirty="0" smtClean="0">
+                          <a:solidFill>
+                            <a:schemeClr val="dk1"/>
+                          </a:solidFill>
+                          <a:effectLst/>
+                          <a:latin typeface="+mn-lt"/>
+                          <a:ea typeface="+mn-ea"/>
+                          <a:cs typeface="+mn-cs"/>
+                        </a:rPr>
+                        <a:t>.</a:t>
+                      </a:r>
+                      <a:r>
+                        <a:rPr lang="en-US" sz="1800" b="1" i="0" kern="1200" dirty="0" err="1" smtClean="0">
+                          <a:solidFill>
+                            <a:schemeClr val="dk1"/>
+                          </a:solidFill>
+                          <a:effectLst/>
+                          <a:latin typeface="+mn-lt"/>
+                          <a:ea typeface="+mn-ea"/>
+                          <a:cs typeface="+mn-cs"/>
+                        </a:rPr>
+                        <a:t>fadeTo</a:t>
+                      </a:r>
+                      <a:r>
+                        <a:rPr lang="en-US" sz="1800" b="1" i="0" kern="1200" dirty="0" smtClean="0">
+                          <a:solidFill>
+                            <a:schemeClr val="dk1"/>
+                          </a:solidFill>
+                          <a:effectLst/>
+                          <a:latin typeface="+mn-lt"/>
+                          <a:ea typeface="+mn-ea"/>
+                          <a:cs typeface="+mn-cs"/>
+                        </a:rPr>
+                        <a:t>()</a:t>
+                      </a:r>
+                      <a:r>
+                        <a:rPr lang="en-US" sz="1800" b="0" i="0" kern="1200" dirty="0" smtClean="0">
+                          <a:solidFill>
+                            <a:schemeClr val="dk1"/>
+                          </a:solidFill>
+                          <a:effectLst/>
+                          <a:latin typeface="+mn-lt"/>
+                          <a:ea typeface="+mn-ea"/>
+                          <a:cs typeface="+mn-cs"/>
+                        </a:rPr>
+                        <a:t>:</a:t>
+                      </a:r>
+                      <a:endParaRPr lang="en-IE" sz="1800" dirty="0"/>
+                    </a:p>
+                  </a:txBody>
+                  <a:tcPr/>
+                </a:tc>
+                <a:tc>
+                  <a:txBody>
+                    <a:bodyPr/>
+                    <a:lstStyle/>
+                    <a:p>
+                      <a:pPr marL="0" marR="0" indent="0" algn="l" defTabSz="685800" rtl="0" eaLnBrk="1" fontAlgn="auto" latinLnBrk="0" hangingPunct="1">
+                        <a:lnSpc>
+                          <a:spcPct val="100000"/>
+                        </a:lnSpc>
+                        <a:spcBef>
+                          <a:spcPts val="0"/>
+                        </a:spcBef>
+                        <a:spcAft>
+                          <a:spcPts val="0"/>
+                        </a:spcAft>
+                        <a:buClrTx/>
+                        <a:buSzTx/>
+                        <a:buFontTx/>
+                        <a:buNone/>
+                        <a:tabLst/>
+                        <a:defRPr/>
+                      </a:pPr>
+                      <a:r>
+                        <a:rPr lang="en-US" sz="1800" b="0" i="0" kern="1200" dirty="0" smtClean="0">
+                          <a:solidFill>
+                            <a:schemeClr val="dk1"/>
+                          </a:solidFill>
+                          <a:effectLst/>
+                          <a:latin typeface="+mn-lt"/>
+                          <a:ea typeface="+mn-ea"/>
+                          <a:cs typeface="+mn-cs"/>
+                        </a:rPr>
+                        <a:t>Changes opacity of selected elements</a:t>
+                      </a:r>
+                    </a:p>
+                  </a:txBody>
+                  <a:tcPr/>
+                </a:tc>
+              </a:tr>
+              <a:tr h="370840">
+                <a:tc>
+                  <a:txBody>
+                    <a:bodyPr/>
+                    <a:lstStyle/>
+                    <a:p>
+                      <a:pPr marL="0" marR="0" indent="0" algn="l" defTabSz="685800" rtl="0" eaLnBrk="1" fontAlgn="auto" latinLnBrk="0" hangingPunct="1">
+                        <a:lnSpc>
+                          <a:spcPct val="100000"/>
+                        </a:lnSpc>
+                        <a:spcBef>
+                          <a:spcPts val="0"/>
+                        </a:spcBef>
+                        <a:spcAft>
+                          <a:spcPts val="0"/>
+                        </a:spcAft>
+                        <a:buClrTx/>
+                        <a:buSzTx/>
+                        <a:buFontTx/>
+                        <a:buNone/>
+                        <a:tabLst/>
+                        <a:defRPr/>
+                      </a:pPr>
+                      <a:r>
+                        <a:rPr lang="en-US" sz="1800" b="1" i="0" kern="1200" dirty="0" smtClean="0">
+                          <a:solidFill>
+                            <a:schemeClr val="dk1"/>
+                          </a:solidFill>
+                          <a:effectLst/>
+                          <a:latin typeface="+mn-lt"/>
+                          <a:ea typeface="+mn-ea"/>
+                          <a:cs typeface="+mn-cs"/>
+                        </a:rPr>
+                        <a:t>.</a:t>
+                      </a:r>
+                      <a:r>
+                        <a:rPr lang="en-US" sz="1800" b="1" i="0" kern="1200" dirty="0" err="1" smtClean="0">
+                          <a:solidFill>
+                            <a:schemeClr val="dk1"/>
+                          </a:solidFill>
+                          <a:effectLst/>
+                          <a:latin typeface="+mn-lt"/>
+                          <a:ea typeface="+mn-ea"/>
+                          <a:cs typeface="+mn-cs"/>
+                        </a:rPr>
+                        <a:t>fadeToggle</a:t>
+                      </a:r>
+                      <a:r>
+                        <a:rPr lang="en-US" sz="1800" b="1" i="0" kern="1200" dirty="0" smtClean="0">
+                          <a:solidFill>
+                            <a:schemeClr val="dk1"/>
+                          </a:solidFill>
+                          <a:effectLst/>
+                          <a:latin typeface="+mn-lt"/>
+                          <a:ea typeface="+mn-ea"/>
+                          <a:cs typeface="+mn-cs"/>
+                        </a:rPr>
+                        <a:t>()</a:t>
+                      </a:r>
+                      <a:r>
+                        <a:rPr lang="en-US" sz="1800" b="0" i="0" kern="1200" dirty="0" smtClean="0">
+                          <a:solidFill>
+                            <a:schemeClr val="dk1"/>
+                          </a:solidFill>
+                          <a:effectLst/>
+                          <a:latin typeface="+mn-lt"/>
+                          <a:ea typeface="+mn-ea"/>
+                          <a:cs typeface="+mn-cs"/>
+                        </a:rPr>
+                        <a:t>:</a:t>
+                      </a:r>
+                      <a:endParaRPr lang="en-IE" sz="1800" dirty="0"/>
+                    </a:p>
+                  </a:txBody>
+                  <a:tcPr/>
+                </a:tc>
+                <a:tc>
+                  <a:txBody>
+                    <a:bodyPr/>
+                    <a:lstStyle/>
+                    <a:p>
+                      <a:pPr marL="0" marR="0" indent="0" algn="l" defTabSz="685800" rtl="0" eaLnBrk="1" fontAlgn="auto" latinLnBrk="0" hangingPunct="1">
+                        <a:lnSpc>
+                          <a:spcPct val="100000"/>
+                        </a:lnSpc>
+                        <a:spcBef>
+                          <a:spcPts val="0"/>
+                        </a:spcBef>
+                        <a:spcAft>
+                          <a:spcPts val="0"/>
+                        </a:spcAft>
+                        <a:buClrTx/>
+                        <a:buSzTx/>
+                        <a:buFontTx/>
+                        <a:buNone/>
+                        <a:tabLst/>
+                        <a:defRPr/>
+                      </a:pPr>
+                      <a:r>
+                        <a:rPr lang="en-US" sz="1800" b="0" i="0" kern="1200" dirty="0" smtClean="0">
+                          <a:solidFill>
+                            <a:schemeClr val="dk1"/>
+                          </a:solidFill>
+                          <a:effectLst/>
+                          <a:latin typeface="+mn-lt"/>
+                          <a:ea typeface="+mn-ea"/>
+                          <a:cs typeface="+mn-cs"/>
+                        </a:rPr>
+                        <a:t>Hides or shows selected elements by changing their opacity (the opposite of their current state)</a:t>
+                      </a:r>
+                    </a:p>
+                  </a:txBody>
+                  <a:tcPr/>
+                </a:tc>
+              </a:tr>
+              <a:tr h="370840">
+                <a:tc>
+                  <a:txBody>
+                    <a:bodyPr/>
+                    <a:lstStyle/>
+                    <a:p>
+                      <a:pPr marL="0" marR="0" indent="0" algn="l" defTabSz="685800" rtl="0" eaLnBrk="1" fontAlgn="auto" latinLnBrk="0" hangingPunct="1">
+                        <a:lnSpc>
+                          <a:spcPct val="100000"/>
+                        </a:lnSpc>
+                        <a:spcBef>
+                          <a:spcPts val="0"/>
+                        </a:spcBef>
+                        <a:spcAft>
+                          <a:spcPts val="0"/>
+                        </a:spcAft>
+                        <a:buClrTx/>
+                        <a:buSzTx/>
+                        <a:buFontTx/>
+                        <a:buNone/>
+                        <a:tabLst/>
+                        <a:defRPr/>
+                      </a:pPr>
+                      <a:r>
+                        <a:rPr lang="en-US" sz="1800" b="1" i="0" kern="1200" dirty="0" smtClean="0">
+                          <a:solidFill>
+                            <a:schemeClr val="dk1"/>
+                          </a:solidFill>
+                          <a:effectLst/>
+                          <a:latin typeface="+mn-lt"/>
+                          <a:ea typeface="+mn-ea"/>
+                          <a:cs typeface="+mn-cs"/>
+                        </a:rPr>
+                        <a:t>.</a:t>
+                      </a:r>
+                      <a:r>
+                        <a:rPr lang="en-US" sz="1800" b="1" i="0" kern="1200" dirty="0" err="1" smtClean="0">
+                          <a:solidFill>
+                            <a:schemeClr val="dk1"/>
+                          </a:solidFill>
+                          <a:effectLst/>
+                          <a:latin typeface="+mn-lt"/>
+                          <a:ea typeface="+mn-ea"/>
+                          <a:cs typeface="+mn-cs"/>
+                        </a:rPr>
+                        <a:t>slideUp</a:t>
+                      </a:r>
+                      <a:r>
+                        <a:rPr lang="en-US" sz="1800" b="1" i="0" kern="1200" dirty="0" smtClean="0">
+                          <a:solidFill>
+                            <a:schemeClr val="dk1"/>
+                          </a:solidFill>
+                          <a:effectLst/>
+                          <a:latin typeface="+mn-lt"/>
+                          <a:ea typeface="+mn-ea"/>
+                          <a:cs typeface="+mn-cs"/>
+                        </a:rPr>
+                        <a:t>()</a:t>
+                      </a:r>
+                      <a:r>
+                        <a:rPr lang="en-US" sz="1800" b="0" i="0" kern="1200" dirty="0" smtClean="0">
+                          <a:solidFill>
+                            <a:schemeClr val="dk1"/>
+                          </a:solidFill>
+                          <a:effectLst/>
+                          <a:latin typeface="+mn-lt"/>
+                          <a:ea typeface="+mn-ea"/>
+                          <a:cs typeface="+mn-cs"/>
+                        </a:rPr>
+                        <a:t>:</a:t>
+                      </a:r>
+                      <a:endParaRPr lang="en-IE" sz="1800" dirty="0"/>
+                    </a:p>
+                  </a:txBody>
+                  <a:tcPr/>
+                </a:tc>
+                <a:tc>
+                  <a:txBody>
+                    <a:bodyPr/>
+                    <a:lstStyle/>
+                    <a:p>
+                      <a:pPr marL="0" marR="0" indent="0" algn="l" defTabSz="685800" rtl="0" eaLnBrk="1" fontAlgn="auto" latinLnBrk="0" hangingPunct="1">
+                        <a:lnSpc>
+                          <a:spcPct val="100000"/>
+                        </a:lnSpc>
+                        <a:spcBef>
+                          <a:spcPts val="0"/>
+                        </a:spcBef>
+                        <a:spcAft>
+                          <a:spcPts val="0"/>
+                        </a:spcAft>
+                        <a:buClrTx/>
+                        <a:buSzTx/>
+                        <a:buFontTx/>
+                        <a:buNone/>
+                        <a:tabLst/>
+                        <a:defRPr/>
+                      </a:pPr>
+                      <a:r>
+                        <a:rPr lang="en-US" sz="1800" b="0" i="0" kern="1200" dirty="0" smtClean="0">
+                          <a:solidFill>
+                            <a:schemeClr val="dk1"/>
+                          </a:solidFill>
+                          <a:effectLst/>
+                          <a:latin typeface="+mn-lt"/>
+                          <a:ea typeface="+mn-ea"/>
+                          <a:cs typeface="+mn-cs"/>
+                        </a:rPr>
+                        <a:t>Hides selected elements with a sliding motion</a:t>
+                      </a:r>
+                    </a:p>
+                  </a:txBody>
+                  <a:tcPr/>
+                </a:tc>
+              </a:tr>
+              <a:tr h="370840">
+                <a:tc>
+                  <a:txBody>
+                    <a:bodyPr/>
+                    <a:lstStyle/>
+                    <a:p>
+                      <a:pPr marL="0" marR="0" indent="0" algn="l" defTabSz="685800" rtl="0" eaLnBrk="1" fontAlgn="auto" latinLnBrk="0" hangingPunct="1">
+                        <a:lnSpc>
+                          <a:spcPct val="100000"/>
+                        </a:lnSpc>
+                        <a:spcBef>
+                          <a:spcPts val="0"/>
+                        </a:spcBef>
+                        <a:spcAft>
+                          <a:spcPts val="0"/>
+                        </a:spcAft>
+                        <a:buClrTx/>
+                        <a:buSzTx/>
+                        <a:buFontTx/>
+                        <a:buNone/>
+                        <a:tabLst/>
+                        <a:defRPr/>
+                      </a:pPr>
+                      <a:r>
+                        <a:rPr lang="en-US" sz="1800" b="1" i="0" kern="1200" dirty="0" smtClean="0">
+                          <a:solidFill>
+                            <a:schemeClr val="dk1"/>
+                          </a:solidFill>
+                          <a:effectLst/>
+                          <a:latin typeface="+mn-lt"/>
+                          <a:ea typeface="+mn-ea"/>
+                          <a:cs typeface="+mn-cs"/>
+                        </a:rPr>
+                        <a:t>.</a:t>
+                      </a:r>
+                      <a:r>
+                        <a:rPr lang="en-US" sz="1800" b="1" i="0" kern="1200" dirty="0" err="1" smtClean="0">
+                          <a:solidFill>
+                            <a:schemeClr val="dk1"/>
+                          </a:solidFill>
+                          <a:effectLst/>
+                          <a:latin typeface="+mn-lt"/>
+                          <a:ea typeface="+mn-ea"/>
+                          <a:cs typeface="+mn-cs"/>
+                        </a:rPr>
+                        <a:t>slideDown</a:t>
+                      </a:r>
+                      <a:r>
+                        <a:rPr lang="en-US" sz="1800" b="1" i="0" kern="1200" dirty="0" smtClean="0">
+                          <a:solidFill>
+                            <a:schemeClr val="dk1"/>
+                          </a:solidFill>
+                          <a:effectLst/>
+                          <a:latin typeface="+mn-lt"/>
+                          <a:ea typeface="+mn-ea"/>
+                          <a:cs typeface="+mn-cs"/>
+                        </a:rPr>
+                        <a:t>()</a:t>
+                      </a:r>
+                      <a:r>
+                        <a:rPr lang="en-US" sz="1800" b="0" i="0" kern="1200" dirty="0" smtClean="0">
+                          <a:solidFill>
+                            <a:schemeClr val="dk1"/>
+                          </a:solidFill>
+                          <a:effectLst/>
+                          <a:latin typeface="+mn-lt"/>
+                          <a:ea typeface="+mn-ea"/>
+                          <a:cs typeface="+mn-cs"/>
+                        </a:rPr>
+                        <a:t>:</a:t>
+                      </a:r>
+                      <a:endParaRPr lang="en-IE" sz="1800" dirty="0"/>
+                    </a:p>
+                  </a:txBody>
+                  <a:tcPr/>
+                </a:tc>
+                <a:tc>
+                  <a:txBody>
+                    <a:bodyPr/>
+                    <a:lstStyle/>
+                    <a:p>
+                      <a:pPr marL="0" marR="0" indent="0" algn="l" defTabSz="685800" rtl="0" eaLnBrk="1" fontAlgn="auto" latinLnBrk="0" hangingPunct="1">
+                        <a:lnSpc>
+                          <a:spcPct val="100000"/>
+                        </a:lnSpc>
+                        <a:spcBef>
+                          <a:spcPts val="0"/>
+                        </a:spcBef>
+                        <a:spcAft>
+                          <a:spcPts val="0"/>
+                        </a:spcAft>
+                        <a:buClrTx/>
+                        <a:buSzTx/>
+                        <a:buFontTx/>
+                        <a:buNone/>
+                        <a:tabLst/>
+                        <a:defRPr/>
+                      </a:pPr>
+                      <a:r>
+                        <a:rPr lang="en-US" sz="1800" b="0" i="0" kern="1200" dirty="0" smtClean="0">
+                          <a:solidFill>
+                            <a:schemeClr val="dk1"/>
+                          </a:solidFill>
+                          <a:effectLst/>
+                          <a:latin typeface="+mn-lt"/>
+                          <a:ea typeface="+mn-ea"/>
+                          <a:cs typeface="+mn-cs"/>
+                        </a:rPr>
+                        <a:t>Shows selected elements with a sliding motion</a:t>
+                      </a:r>
+                    </a:p>
+                  </a:txBody>
+                  <a:tcPr/>
+                </a:tc>
+              </a:tr>
+              <a:tr h="370840">
+                <a:tc>
+                  <a:txBody>
+                    <a:bodyPr/>
+                    <a:lstStyle/>
+                    <a:p>
+                      <a:pPr marL="0" marR="0" indent="0" algn="l" defTabSz="685800" rtl="0" eaLnBrk="1" fontAlgn="auto" latinLnBrk="0" hangingPunct="1">
+                        <a:lnSpc>
+                          <a:spcPct val="100000"/>
+                        </a:lnSpc>
+                        <a:spcBef>
+                          <a:spcPts val="0"/>
+                        </a:spcBef>
+                        <a:spcAft>
+                          <a:spcPts val="0"/>
+                        </a:spcAft>
+                        <a:buClrTx/>
+                        <a:buSzTx/>
+                        <a:buFontTx/>
+                        <a:buNone/>
+                        <a:tabLst/>
+                        <a:defRPr/>
+                      </a:pPr>
+                      <a:r>
+                        <a:rPr lang="en-US" sz="1800" b="1" i="0" kern="1200" dirty="0" smtClean="0">
+                          <a:solidFill>
+                            <a:schemeClr val="dk1"/>
+                          </a:solidFill>
+                          <a:effectLst/>
+                          <a:latin typeface="+mn-lt"/>
+                          <a:ea typeface="+mn-ea"/>
+                          <a:cs typeface="+mn-cs"/>
+                        </a:rPr>
+                        <a:t>.</a:t>
+                      </a:r>
+                      <a:r>
+                        <a:rPr lang="en-US" sz="1800" b="1" i="0" kern="1200" dirty="0" err="1" smtClean="0">
+                          <a:solidFill>
+                            <a:schemeClr val="dk1"/>
+                          </a:solidFill>
+                          <a:effectLst/>
+                          <a:latin typeface="+mn-lt"/>
+                          <a:ea typeface="+mn-ea"/>
+                          <a:cs typeface="+mn-cs"/>
+                        </a:rPr>
+                        <a:t>slideToggle</a:t>
+                      </a:r>
+                      <a:r>
+                        <a:rPr lang="en-US" sz="1800" b="1" i="0" kern="1200" dirty="0" smtClean="0">
+                          <a:solidFill>
+                            <a:schemeClr val="dk1"/>
+                          </a:solidFill>
+                          <a:effectLst/>
+                          <a:latin typeface="+mn-lt"/>
+                          <a:ea typeface="+mn-ea"/>
+                          <a:cs typeface="+mn-cs"/>
+                        </a:rPr>
+                        <a:t>()</a:t>
+                      </a:r>
+                      <a:r>
+                        <a:rPr lang="en-US" sz="1800" b="0" i="0" kern="1200" dirty="0" smtClean="0">
+                          <a:solidFill>
+                            <a:schemeClr val="dk1"/>
+                          </a:solidFill>
+                          <a:effectLst/>
+                          <a:latin typeface="+mn-lt"/>
+                          <a:ea typeface="+mn-ea"/>
+                          <a:cs typeface="+mn-cs"/>
+                        </a:rPr>
+                        <a:t>:</a:t>
+                      </a:r>
+                    </a:p>
+                    <a:p>
+                      <a:pPr marL="0" marR="0" indent="0" algn="l" defTabSz="685800" rtl="0" eaLnBrk="1" fontAlgn="auto" latinLnBrk="0" hangingPunct="1">
+                        <a:lnSpc>
+                          <a:spcPct val="100000"/>
+                        </a:lnSpc>
+                        <a:spcBef>
+                          <a:spcPts val="0"/>
+                        </a:spcBef>
+                        <a:spcAft>
+                          <a:spcPts val="0"/>
+                        </a:spcAft>
+                        <a:buClrTx/>
+                        <a:buSzTx/>
+                        <a:buFontTx/>
+                        <a:buNone/>
+                        <a:tabLst/>
+                        <a:defRPr/>
+                      </a:pPr>
+                      <a:endParaRPr lang="en-IE" sz="1800" dirty="0"/>
+                    </a:p>
+                  </a:txBody>
+                  <a:tcPr/>
+                </a:tc>
+                <a:tc>
+                  <a:txBody>
+                    <a:bodyPr/>
+                    <a:lstStyle/>
+                    <a:p>
+                      <a:pPr marL="0" marR="0" indent="0" algn="l" defTabSz="685800" rtl="0" eaLnBrk="1" fontAlgn="auto" latinLnBrk="0" hangingPunct="1">
+                        <a:lnSpc>
+                          <a:spcPct val="100000"/>
+                        </a:lnSpc>
+                        <a:spcBef>
+                          <a:spcPts val="0"/>
+                        </a:spcBef>
+                        <a:spcAft>
+                          <a:spcPts val="0"/>
+                        </a:spcAft>
+                        <a:buClrTx/>
+                        <a:buSzTx/>
+                        <a:buFontTx/>
+                        <a:buNone/>
+                        <a:tabLst/>
+                        <a:defRPr/>
+                      </a:pPr>
+                      <a:r>
+                        <a:rPr lang="en-US" sz="1800" b="0" i="0" kern="1200" dirty="0" smtClean="0">
+                          <a:solidFill>
+                            <a:schemeClr val="dk1"/>
+                          </a:solidFill>
+                          <a:effectLst/>
+                          <a:latin typeface="+mn-lt"/>
+                          <a:ea typeface="+mn-ea"/>
+                          <a:cs typeface="+mn-cs"/>
+                        </a:rPr>
+                        <a:t>Hides or shows selected elements with a sliding motion (in the opposite direction to its current state)</a:t>
+                      </a:r>
+                    </a:p>
+                  </a:txBody>
+                  <a:tcPr/>
+                </a:tc>
+              </a:tr>
+            </a:tbl>
+          </a:graphicData>
+        </a:graphic>
+      </p:graphicFrame>
+    </p:spTree>
+    <p:extLst>
+      <p:ext uri="{BB962C8B-B14F-4D97-AF65-F5344CB8AC3E}">
+        <p14:creationId xmlns:p14="http://schemas.microsoft.com/office/powerpoint/2010/main" val="3246665814"/>
+      </p:ext>
+    </p:extLst>
+  </p:cSld>
+  <p:clrMapOvr>
+    <a:masterClrMapping/>
+  </p:clrMapOvr>
+</p:sld>
+</file>
+
+<file path=ppt/slides/slide5.xml><?xml version="1.0" encoding="utf-8"?>
+<p:sld xmlns:a="http://schemas.openxmlformats.org/drawingml/2006/main" xmlns:r="http://schemas.openxmlformats.org/officeDocument/2006/relationships" xmlns:p="http://schemas.openxmlformats.org/presentationml/2006/main">
+  <p:cSld>
+    <p:spTree>
+      <p:nvGrpSpPr>
+        <p:cNvPr id="1" name=""/>
+        <p:cNvGrpSpPr/>
+        <p:nvPr/>
+      </p:nvGrpSpPr>
+      <p:grpSpPr>
+        <a:xfrm>
+          <a:off x="0" y="0"/>
+          <a:ext cx="0" cy="0"/>
+          <a:chOff x="0" y="0"/>
+          <a:chExt cx="0" cy="0"/>
+        </a:xfrm>
+      </p:grpSpPr>
+      <p:sp>
+        <p:nvSpPr>
+          <p:cNvPr id="2" name="Title 1"/>
+          <p:cNvSpPr>
+            <a:spLocks noGrp="1"/>
+          </p:cNvSpPr>
+          <p:nvPr>
+            <p:ph type="title"/>
+          </p:nvPr>
+        </p:nvSpPr>
+        <p:spPr/>
+        <p:txBody>
+          <a:bodyPr/>
+          <a:lstStyle/>
+          <a:p>
+            <a:r>
+              <a:rPr lang="en-IE" dirty="0" err="1" smtClean="0"/>
+              <a:t>Jquery</a:t>
+            </a:r>
+            <a:r>
+              <a:rPr lang="en-IE" dirty="0" smtClean="0"/>
+              <a:t> effects</a:t>
+            </a:r>
+            <a:endParaRPr lang="en-IE" dirty="0"/>
+          </a:p>
+        </p:txBody>
+      </p:sp>
+      <p:sp>
+        <p:nvSpPr>
+          <p:cNvPr id="3" name="Content Placeholder 2"/>
+          <p:cNvSpPr>
+            <a:spLocks noGrp="1"/>
+          </p:cNvSpPr>
+          <p:nvPr>
+            <p:ph idx="1"/>
+          </p:nvPr>
+        </p:nvSpPr>
+        <p:spPr/>
+        <p:txBody>
+          <a:bodyPr/>
+          <a:lstStyle/>
+          <a:p>
+            <a:r>
+              <a:rPr lang="en-US" dirty="0" smtClean="0"/>
+              <a:t>You can also create custom effects using the animate method.</a:t>
+            </a:r>
+          </a:p>
+          <a:p>
+            <a:r>
+              <a:rPr lang="en-US" dirty="0" smtClean="0"/>
+              <a:t>Stop and delay can be used to control the timing and execution of effects. </a:t>
+            </a:r>
+            <a:endParaRPr lang="en-IE" dirty="0"/>
+          </a:p>
+        </p:txBody>
+      </p:sp>
+      <p:graphicFrame>
+        <p:nvGraphicFramePr>
+          <p:cNvPr id="4" name="Content Placeholder 3"/>
+          <p:cNvGraphicFramePr>
+            <a:graphicFrameLocks/>
+          </p:cNvGraphicFramePr>
+          <p:nvPr>
+            <p:extLst>
+              <p:ext uri="{D42A27DB-BD31-4B8C-83A1-F6EECF244321}">
+                <p14:modId xmlns:p14="http://schemas.microsoft.com/office/powerpoint/2010/main" val="3084272573"/>
+              </p:ext>
+            </p:extLst>
+          </p:nvPr>
+        </p:nvGraphicFramePr>
+        <p:xfrm>
+          <a:off x="976312" y="3672840"/>
+          <a:ext cx="7634288" cy="1584960"/>
+        </p:xfrm>
+        <a:graphic>
+          <a:graphicData uri="http://schemas.openxmlformats.org/drawingml/2006/table">
+            <a:tbl>
+              <a:tblPr firstRow="1" bandRow="1">
+                <a:tableStyleId>{5C22544A-7EE6-4342-B048-85BDC9FD1C3A}</a:tableStyleId>
+              </a:tblPr>
+              <a:tblGrid>
+                <a:gridCol w="2338387"/>
+                <a:gridCol w="5295901"/>
+              </a:tblGrid>
+              <a:tr h="370840">
+                <a:tc>
+                  <a:txBody>
+                    <a:bodyPr/>
+                    <a:lstStyle/>
+                    <a:p>
+                      <a:r>
+                        <a:rPr lang="en-IE" sz="2000" dirty="0" smtClean="0"/>
+                        <a:t>Method</a:t>
+                      </a:r>
+                      <a:endParaRPr lang="en-IE" sz="2000" dirty="0"/>
+                    </a:p>
+                  </a:txBody>
+                  <a:tcPr/>
+                </a:tc>
+                <a:tc>
+                  <a:txBody>
+                    <a:bodyPr/>
+                    <a:lstStyle/>
+                    <a:p>
+                      <a:r>
+                        <a:rPr lang="en-IE" sz="2000" dirty="0" smtClean="0"/>
+                        <a:t>Effect</a:t>
+                      </a:r>
+                      <a:endParaRPr lang="en-IE" sz="2000" dirty="0"/>
+                    </a:p>
+                  </a:txBody>
+                  <a:tcPr/>
+                </a:tc>
+              </a:tr>
+              <a:tr h="370840">
+                <a:tc>
+                  <a:txBody>
+                    <a:bodyPr/>
+                    <a:lstStyle/>
+                    <a:p>
+                      <a:r>
+                        <a:rPr lang="en-US" sz="2000" b="1" i="0" kern="1200" dirty="0" smtClean="0">
+                          <a:solidFill>
+                            <a:schemeClr val="dk1"/>
+                          </a:solidFill>
+                          <a:effectLst/>
+                          <a:latin typeface="+mn-lt"/>
+                          <a:ea typeface="+mn-ea"/>
+                          <a:cs typeface="+mn-cs"/>
+                        </a:rPr>
+                        <a:t>.delay()</a:t>
+                      </a:r>
+                      <a:r>
+                        <a:rPr lang="en-US" sz="2000" b="0" i="0" kern="1200" dirty="0" smtClean="0">
+                          <a:solidFill>
+                            <a:schemeClr val="dk1"/>
+                          </a:solidFill>
+                          <a:effectLst/>
+                          <a:latin typeface="+mn-lt"/>
+                          <a:ea typeface="+mn-ea"/>
+                          <a:cs typeface="+mn-cs"/>
+                        </a:rPr>
+                        <a:t>:</a:t>
+                      </a:r>
+                    </a:p>
+                  </a:txBody>
+                  <a:tcPr/>
+                </a:tc>
+                <a:tc>
+                  <a:txBody>
+                    <a:bodyPr/>
+                    <a:lstStyle/>
+                    <a:p>
+                      <a:r>
+                        <a:rPr lang="en-US" sz="2000" b="0" i="0" kern="1200" dirty="0" smtClean="0">
+                          <a:solidFill>
+                            <a:schemeClr val="dk1"/>
+                          </a:solidFill>
+                          <a:effectLst/>
+                          <a:latin typeface="+mn-lt"/>
+                          <a:ea typeface="+mn-ea"/>
+                          <a:cs typeface="+mn-cs"/>
+                        </a:rPr>
+                        <a:t>Delays execution of subsequent items in queue</a:t>
+                      </a:r>
+                      <a:endParaRPr lang="en-US" sz="2000" b="0" i="0" kern="1200" dirty="0" smtClean="0">
+                        <a:solidFill>
+                          <a:schemeClr val="dk1"/>
+                        </a:solidFill>
+                        <a:effectLst/>
+                        <a:latin typeface="+mn-lt"/>
+                        <a:ea typeface="+mn-ea"/>
+                        <a:cs typeface="+mn-cs"/>
+                      </a:endParaRPr>
+                    </a:p>
+                  </a:txBody>
+                  <a:tcPr/>
+                </a:tc>
+              </a:tr>
+              <a:tr h="370840">
+                <a:tc>
+                  <a:txBody>
+                    <a:bodyPr/>
+                    <a:lstStyle/>
+                    <a:p>
+                      <a:r>
+                        <a:rPr lang="en-US" sz="2000" b="1" i="0" kern="1200" dirty="0" smtClean="0">
+                          <a:solidFill>
+                            <a:schemeClr val="dk1"/>
+                          </a:solidFill>
+                          <a:effectLst/>
+                          <a:latin typeface="+mn-lt"/>
+                          <a:ea typeface="+mn-ea"/>
+                          <a:cs typeface="+mn-cs"/>
+                        </a:rPr>
+                        <a:t>.stop()</a:t>
+                      </a:r>
+                      <a:r>
+                        <a:rPr lang="en-US" sz="2000" b="0" i="0" kern="1200" dirty="0" smtClean="0">
+                          <a:solidFill>
+                            <a:schemeClr val="dk1"/>
+                          </a:solidFill>
+                          <a:effectLst/>
+                          <a:latin typeface="+mn-lt"/>
+                          <a:ea typeface="+mn-ea"/>
+                          <a:cs typeface="+mn-cs"/>
+                        </a:rPr>
+                        <a:t>:</a:t>
+                      </a:r>
+                      <a:endParaRPr lang="en-US" sz="2000" b="0" i="0" kern="1200" dirty="0" smtClean="0">
+                        <a:solidFill>
+                          <a:schemeClr val="dk1"/>
+                        </a:solidFill>
+                        <a:effectLst/>
+                        <a:latin typeface="+mn-lt"/>
+                        <a:ea typeface="+mn-ea"/>
+                        <a:cs typeface="+mn-cs"/>
+                      </a:endParaRPr>
+                    </a:p>
+                  </a:txBody>
+                  <a:tcPr/>
+                </a:tc>
+                <a:tc>
+                  <a:txBody>
+                    <a:bodyPr/>
+                    <a:lstStyle/>
+                    <a:p>
+                      <a:r>
+                        <a:rPr lang="en-US" sz="2000" b="0" i="0" kern="1200" dirty="0" smtClean="0">
+                          <a:solidFill>
+                            <a:schemeClr val="dk1"/>
+                          </a:solidFill>
+                          <a:effectLst/>
+                          <a:latin typeface="+mn-lt"/>
+                          <a:ea typeface="+mn-ea"/>
+                          <a:cs typeface="+mn-cs"/>
+                        </a:rPr>
+                        <a:t>Stops an animation if it is currently running</a:t>
+                      </a:r>
+                      <a:endParaRPr lang="en-US" sz="2000" b="0" i="0" kern="1200" dirty="0" smtClean="0">
+                        <a:solidFill>
+                          <a:schemeClr val="dk1"/>
+                        </a:solidFill>
+                        <a:effectLst/>
+                        <a:latin typeface="+mn-lt"/>
+                        <a:ea typeface="+mn-ea"/>
+                        <a:cs typeface="+mn-cs"/>
+                      </a:endParaRPr>
+                    </a:p>
+                  </a:txBody>
+                  <a:tcPr/>
+                </a:tc>
+              </a:tr>
+              <a:tr h="370840">
+                <a:tc>
+                  <a:txBody>
+                    <a:bodyPr/>
+                    <a:lstStyle/>
+                    <a:p>
+                      <a:r>
+                        <a:rPr lang="en-US" sz="2000" b="1" i="0" kern="1200" dirty="0" smtClean="0">
+                          <a:solidFill>
+                            <a:schemeClr val="dk1"/>
+                          </a:solidFill>
+                          <a:effectLst/>
+                          <a:latin typeface="+mn-lt"/>
+                          <a:ea typeface="+mn-ea"/>
+                          <a:cs typeface="+mn-cs"/>
+                        </a:rPr>
+                        <a:t>.animate()</a:t>
+                      </a:r>
+                      <a:r>
+                        <a:rPr lang="en-US" sz="2000" b="0" i="0" kern="1200" dirty="0" smtClean="0">
+                          <a:solidFill>
+                            <a:schemeClr val="dk1"/>
+                          </a:solidFill>
+                          <a:effectLst/>
+                          <a:latin typeface="+mn-lt"/>
+                          <a:ea typeface="+mn-ea"/>
+                          <a:cs typeface="+mn-cs"/>
+                        </a:rPr>
+                        <a:t>:</a:t>
+                      </a:r>
+                      <a:endParaRPr lang="en-US" sz="2000" b="0" i="0" kern="1200" dirty="0">
+                        <a:solidFill>
+                          <a:schemeClr val="dk1"/>
+                        </a:solidFill>
+                        <a:effectLst/>
+                        <a:latin typeface="+mn-lt"/>
+                        <a:ea typeface="+mn-ea"/>
+                        <a:cs typeface="+mn-cs"/>
+                      </a:endParaRPr>
+                    </a:p>
+                  </a:txBody>
+                  <a:tcPr/>
+                </a:tc>
+                <a:tc>
+                  <a:txBody>
+                    <a:bodyPr/>
+                    <a:lstStyle/>
+                    <a:p>
+                      <a:r>
+                        <a:rPr lang="en-US" sz="2000" b="0" i="0" kern="1200" dirty="0" smtClean="0">
+                          <a:solidFill>
+                            <a:schemeClr val="dk1"/>
+                          </a:solidFill>
+                          <a:effectLst/>
+                          <a:latin typeface="+mn-lt"/>
+                          <a:ea typeface="+mn-ea"/>
+                          <a:cs typeface="+mn-cs"/>
+                        </a:rPr>
+                        <a:t>Creates custom animations (more on this later)</a:t>
+                      </a:r>
+                      <a:endParaRPr lang="en-US" sz="2000" b="0" i="0" kern="1200" dirty="0">
+                        <a:solidFill>
+                          <a:schemeClr val="dk1"/>
+                        </a:solidFill>
+                        <a:effectLst/>
+                        <a:latin typeface="+mn-lt"/>
+                        <a:ea typeface="+mn-ea"/>
+                        <a:cs typeface="+mn-cs"/>
+                      </a:endParaRPr>
+                    </a:p>
+                  </a:txBody>
+                  <a:tcPr/>
+                </a:tc>
+              </a:tr>
+            </a:tbl>
+          </a:graphicData>
+        </a:graphic>
+      </p:graphicFrame>
+    </p:spTree>
+    <p:extLst>
+      <p:ext uri="{BB962C8B-B14F-4D97-AF65-F5344CB8AC3E}">
+        <p14:creationId xmlns:p14="http://schemas.microsoft.com/office/powerpoint/2010/main" val="3154721478"/>
+      </p:ext>
+    </p:extLst>
+  </p:cSld>
+  <p:clrMapOvr>
+    <a:masterClrMapping/>
+  </p:clrMapOvr>
+</p:sld>
+</file>
+
+<file path=ppt/slides/slide6.xml><?xml version="1.0" encoding="utf-8"?>
+<p:sld xmlns:a="http://schemas.openxmlformats.org/drawingml/2006/main" xmlns:r="http://schemas.openxmlformats.org/officeDocument/2006/relationships" xmlns:p="http://schemas.openxmlformats.org/presentationml/2006/main">
+  <p:cSld>
+    <p:spTree>
+      <p:nvGrpSpPr>
+        <p:cNvPr id="1" name=""/>
+        <p:cNvGrpSpPr/>
+        <p:nvPr/>
+      </p:nvGrpSpPr>
+      <p:grpSpPr>
+        <a:xfrm>
+          <a:off x="0" y="0"/>
+          <a:ext cx="0" cy="0"/>
+          <a:chOff x="0" y="0"/>
+          <a:chExt cx="0" cy="0"/>
+        </a:xfrm>
+      </p:grpSpPr>
+      <p:sp>
+        <p:nvSpPr>
+          <p:cNvPr id="2" name="Title 1"/>
+          <p:cNvSpPr>
+            <a:spLocks noGrp="1"/>
+          </p:cNvSpPr>
+          <p:nvPr>
+            <p:ph type="title"/>
+          </p:nvPr>
+        </p:nvSpPr>
+        <p:spPr/>
+        <p:txBody>
+          <a:bodyPr/>
+          <a:lstStyle/>
+          <a:p>
+            <a:r>
+              <a:rPr lang="en-IE" dirty="0" err="1" smtClean="0"/>
+              <a:t>Jquery</a:t>
+            </a:r>
+            <a:r>
+              <a:rPr lang="en-IE" dirty="0" smtClean="0"/>
+              <a:t> effects example</a:t>
+            </a:r>
+            <a:endParaRPr lang="en-IE" dirty="0"/>
+          </a:p>
+        </p:txBody>
+      </p:sp>
+      <p:sp>
+        <p:nvSpPr>
+          <p:cNvPr id="3" name="Content Placeholder 2"/>
+          <p:cNvSpPr>
+            <a:spLocks noGrp="1"/>
+          </p:cNvSpPr>
+          <p:nvPr>
+            <p:ph idx="1"/>
+          </p:nvPr>
+        </p:nvSpPr>
+        <p:spPr>
+          <a:xfrm>
+            <a:off x="938758" y="2286002"/>
+            <a:ext cx="2899817" cy="3593591"/>
+          </a:xfrm>
+        </p:spPr>
+        <p:txBody>
+          <a:bodyPr/>
+          <a:lstStyle/>
+          <a:p>
+            <a:r>
+              <a:rPr lang="en-US" dirty="0"/>
+              <a:t>In this example it appears as if list items are faded into view when the page loads. </a:t>
+            </a:r>
+            <a:endParaRPr lang="en-US" dirty="0" smtClean="0"/>
+          </a:p>
+          <a:p>
+            <a:r>
+              <a:rPr lang="en-US" dirty="0" smtClean="0"/>
+              <a:t>Each </a:t>
+            </a:r>
+            <a:r>
+              <a:rPr lang="en-US" dirty="0"/>
+              <a:t>item is faded out when it is clicked on.</a:t>
+            </a:r>
+            <a:endParaRPr lang="en-IE" dirty="0"/>
+          </a:p>
+        </p:txBody>
+      </p:sp>
+      <p:pic>
+        <p:nvPicPr>
+          <p:cNvPr id="1026" name="Picture 2"/>
+          <p:cNvPicPr>
+            <a:picLocks noChangeAspect="1" noChangeArrowheads="1"/>
+          </p:cNvPicPr>
+          <p:nvPr/>
+        </p:nvPicPr>
+        <p:blipFill>
+          <a:blip r:embed="rId2">
+            <a:extLst>
+              <a:ext uri="{28A0092B-C50C-407E-A947-70E740481C1C}">
+                <a14:useLocalDpi xmlns:a14="http://schemas.microsoft.com/office/drawing/2010/main" val="0"/>
+              </a:ext>
+            </a:extLst>
+          </a:blip>
+          <a:srcRect/>
+          <a:stretch>
+            <a:fillRect/>
+          </a:stretch>
+        </p:blipFill>
+        <p:spPr bwMode="auto">
+          <a:xfrm>
+            <a:off x="3838575" y="1809750"/>
+            <a:ext cx="4848225" cy="4438650"/>
+          </a:xfrm>
+          <a:prstGeom prst="rect">
+            <a:avLst/>
+          </a:prstGeom>
+          <a:noFill/>
+          <a:ln>
+            <a:noFill/>
+          </a:ln>
+          <a:extLst>
+            <a:ext uri="{909E8E84-426E-40DD-AFC4-6F175D3DCCD1}">
+              <a14:hiddenFill xmlns:a14="http://schemas.microsoft.com/office/drawing/2010/main">
+                <a:solidFill>
+                  <a:schemeClr val="accent1"/>
+                </a:solidFill>
+              </a14:hiddenFill>
+            </a:ext>
+            <a:ext uri="{91240B29-F687-4F45-9708-019B960494DF}">
+              <a14:hiddenLine xmlns:a14="http://schemas.microsoft.com/office/drawing/2010/main" w="9525">
+                <a:solidFill>
+                  <a:schemeClr val="tx1"/>
+                </a:solidFill>
+                <a:miter lim="800000"/>
+                <a:headEnd/>
+                <a:tailEnd/>
+              </a14:hiddenLine>
+            </a:ext>
+          </a:extLst>
+        </p:spPr>
+      </p:pic>
+    </p:spTree>
+    <p:extLst>
+      <p:ext uri="{BB962C8B-B14F-4D97-AF65-F5344CB8AC3E}">
+        <p14:creationId xmlns:p14="http://schemas.microsoft.com/office/powerpoint/2010/main" val="1133568611"/>
+      </p:ext>
+    </p:extLst>
+  </p:cSld>
+  <p:clrMapOvr>
+    <a:masterClrMapping/>
+  </p:clrMapOvr>
+</p:sld>
+</file>
+
+<file path=ppt/slides/slide7.xml><?xml version="1.0" encoding="utf-8"?>
+<p:sld xmlns:a="http://schemas.openxmlformats.org/drawingml/2006/main" xmlns:r="http://schemas.openxmlformats.org/officeDocument/2006/relationships" xmlns:p="http://schemas.openxmlformats.org/presentationml/2006/main">
+  <p:cSld>
+    <p:spTree>
+      <p:nvGrpSpPr>
+        <p:cNvPr id="1" name=""/>
+        <p:cNvGrpSpPr/>
+        <p:nvPr/>
+      </p:nvGrpSpPr>
+      <p:grpSpPr>
+        <a:xfrm>
+          <a:off x="0" y="0"/>
+          <a:ext cx="0" cy="0"/>
+          <a:chOff x="0" y="0"/>
+          <a:chExt cx="0" cy="0"/>
+        </a:xfrm>
+      </p:grpSpPr>
+      <p:sp>
+        <p:nvSpPr>
+          <p:cNvPr id="2" name="Title 1"/>
+          <p:cNvSpPr>
+            <a:spLocks noGrp="1"/>
+          </p:cNvSpPr>
+          <p:nvPr>
+            <p:ph type="title"/>
+          </p:nvPr>
+        </p:nvSpPr>
+        <p:spPr/>
+        <p:txBody>
+          <a:bodyPr/>
+          <a:lstStyle/>
+          <a:p>
+            <a:r>
+              <a:rPr lang="en-IE" dirty="0" err="1"/>
+              <a:t>Jquery</a:t>
+            </a:r>
+            <a:r>
+              <a:rPr lang="en-IE" dirty="0"/>
+              <a:t> effects example</a:t>
+            </a:r>
+          </a:p>
+        </p:txBody>
+      </p:sp>
+      <p:sp>
+        <p:nvSpPr>
+          <p:cNvPr id="3" name="Content Placeholder 2"/>
+          <p:cNvSpPr>
+            <a:spLocks noGrp="1"/>
+          </p:cNvSpPr>
+          <p:nvPr>
+            <p:ph idx="1"/>
+          </p:nvPr>
+        </p:nvSpPr>
+        <p:spPr>
+          <a:xfrm>
+            <a:off x="938758" y="1600200"/>
+            <a:ext cx="7633742" cy="3593591"/>
+          </a:xfrm>
+        </p:spPr>
+        <p:txBody>
+          <a:bodyPr/>
+          <a:lstStyle/>
+          <a:p>
+            <a:r>
+              <a:rPr lang="en-US" dirty="0"/>
+              <a:t>In fact, the items are loaded normally along with the rest of the page, but then immediately hidden using jQuery. </a:t>
+            </a:r>
+            <a:endParaRPr lang="en-US" dirty="0" smtClean="0"/>
+          </a:p>
+          <a:p>
+            <a:r>
+              <a:rPr lang="en-US" dirty="0" smtClean="0"/>
+              <a:t>Once </a:t>
+            </a:r>
+            <a:r>
+              <a:rPr lang="en-US" dirty="0"/>
+              <a:t>hidden, only then are they faded into view. This is so they will still be visible in browsers that do not have JavaScript enabled</a:t>
+            </a:r>
+            <a:r>
+              <a:rPr lang="en-US" dirty="0" smtClean="0"/>
+              <a:t>.</a:t>
+            </a:r>
+          </a:p>
+          <a:p>
+            <a:r>
+              <a:rPr lang="en-US" dirty="0"/>
+              <a:t>In the first statement, the selector picks the </a:t>
+            </a:r>
+            <a:r>
+              <a:rPr lang="en-US" dirty="0"/>
+              <a:t>&lt;h2&gt;</a:t>
+            </a:r>
+            <a:r>
+              <a:rPr lang="en-US" dirty="0"/>
+              <a:t> element and hides it so that it can be animated in. The chosen effect to show the heading is the .</a:t>
+            </a:r>
+            <a:r>
+              <a:rPr lang="en-US" dirty="0" err="1"/>
+              <a:t>slideDown</a:t>
+            </a:r>
+            <a:r>
+              <a:rPr lang="en-US" dirty="0"/>
+              <a:t>() method. </a:t>
+            </a:r>
+            <a:endParaRPr lang="en-US" dirty="0" smtClean="0"/>
+          </a:p>
+          <a:p>
+            <a:r>
+              <a:rPr lang="en-US" dirty="0" smtClean="0"/>
+              <a:t>Note </a:t>
+            </a:r>
+            <a:r>
+              <a:rPr lang="en-US" dirty="0"/>
+              <a:t>how the methods are chained; there is no need to make a new selection for each of the tasks.</a:t>
+            </a:r>
+            <a:endParaRPr lang="en-IE" dirty="0"/>
+          </a:p>
+        </p:txBody>
+      </p:sp>
+      <p:pic>
+        <p:nvPicPr>
+          <p:cNvPr id="2050" name="Picture 2"/>
+          <p:cNvPicPr>
+            <a:picLocks noChangeAspect="1" noChangeArrowheads="1"/>
+          </p:cNvPicPr>
+          <p:nvPr/>
+        </p:nvPicPr>
+        <p:blipFill>
+          <a:blip r:embed="rId2">
+            <a:extLst>
+              <a:ext uri="{28A0092B-C50C-407E-A947-70E740481C1C}">
+                <a14:useLocalDpi xmlns:a14="http://schemas.microsoft.com/office/drawing/2010/main" val="0"/>
+              </a:ext>
+            </a:extLst>
+          </a:blip>
+          <a:srcRect/>
+          <a:stretch>
+            <a:fillRect/>
+          </a:stretch>
+        </p:blipFill>
+        <p:spPr bwMode="auto">
+          <a:xfrm>
+            <a:off x="2895600" y="5075517"/>
+            <a:ext cx="3352800" cy="1525308"/>
+          </a:xfrm>
+          <a:prstGeom prst="rect">
+            <a:avLst/>
+          </a:prstGeom>
+          <a:noFill/>
+          <a:ln>
+            <a:noFill/>
+          </a:ln>
+          <a:extLst>
+            <a:ext uri="{909E8E84-426E-40DD-AFC4-6F175D3DCCD1}">
+              <a14:hiddenFill xmlns:a14="http://schemas.microsoft.com/office/drawing/2010/main">
+                <a:solidFill>
+                  <a:schemeClr val="accent1"/>
+                </a:solidFill>
+              </a14:hiddenFill>
+            </a:ext>
+            <a:ext uri="{91240B29-F687-4F45-9708-019B960494DF}">
+              <a14:hiddenLine xmlns:a14="http://schemas.microsoft.com/office/drawing/2010/main" w="9525">
+                <a:solidFill>
+                  <a:schemeClr val="tx1"/>
+                </a:solidFill>
+                <a:miter lim="800000"/>
+                <a:headEnd/>
+                <a:tailEnd/>
+              </a14:hiddenLine>
+            </a:ext>
+          </a:extLst>
+        </p:spPr>
+      </p:pic>
+    </p:spTree>
+    <p:extLst>
+      <p:ext uri="{BB962C8B-B14F-4D97-AF65-F5344CB8AC3E}">
+        <p14:creationId xmlns:p14="http://schemas.microsoft.com/office/powerpoint/2010/main" val="925290993"/>
+      </p:ext>
+    </p:extLst>
+  </p:cSld>
+  <p:clrMapOvr>
+    <a:masterClrMapping/>
+  </p:clrMapOvr>
+</p:sld>
+</file>
+
+<file path=ppt/slides/slide8.xml><?xml version="1.0" encoding="utf-8"?>
+<p:sld xmlns:a="http://schemas.openxmlformats.org/drawingml/2006/main" xmlns:r="http://schemas.openxmlformats.org/officeDocument/2006/relationships" xmlns:p="http://schemas.openxmlformats.org/presentationml/2006/main">
+  <p:cSld>
+    <p:spTree>
+      <p:nvGrpSpPr>
+        <p:cNvPr id="1" name=""/>
+        <p:cNvGrpSpPr/>
+        <p:nvPr/>
+      </p:nvGrpSpPr>
+      <p:grpSpPr>
+        <a:xfrm>
+          <a:off x="0" y="0"/>
+          <a:ext cx="0" cy="0"/>
+          <a:chOff x="0" y="0"/>
+          <a:chExt cx="0" cy="0"/>
+        </a:xfrm>
+      </p:grpSpPr>
+      <p:sp>
+        <p:nvSpPr>
+          <p:cNvPr id="2" name="Title 1"/>
+          <p:cNvSpPr>
+            <a:spLocks noGrp="1"/>
+          </p:cNvSpPr>
+          <p:nvPr>
+            <p:ph type="title"/>
+          </p:nvPr>
+        </p:nvSpPr>
+        <p:spPr/>
+        <p:txBody>
+          <a:bodyPr/>
+          <a:lstStyle/>
+          <a:p>
+            <a:r>
+              <a:rPr lang="en-IE" dirty="0" err="1"/>
+              <a:t>Jquery</a:t>
+            </a:r>
+            <a:r>
+              <a:rPr lang="en-IE" dirty="0"/>
+              <a:t> effects example</a:t>
+            </a:r>
+          </a:p>
+        </p:txBody>
+      </p:sp>
+      <p:sp>
+        <p:nvSpPr>
+          <p:cNvPr id="3" name="Content Placeholder 2"/>
+          <p:cNvSpPr>
+            <a:spLocks noGrp="1"/>
+          </p:cNvSpPr>
+          <p:nvPr>
+            <p:ph idx="1"/>
+          </p:nvPr>
+        </p:nvSpPr>
+        <p:spPr/>
+        <p:txBody>
+          <a:bodyPr>
+            <a:normAutofit lnSpcReduction="10000"/>
+          </a:bodyPr>
+          <a:lstStyle/>
+          <a:p>
+            <a:r>
+              <a:rPr lang="en-US" dirty="0"/>
+              <a:t>The second part causes the list of items to appear one by one.</a:t>
+            </a:r>
+          </a:p>
+          <a:p>
+            <a:pPr lvl="1"/>
+            <a:r>
+              <a:rPr lang="en-US" dirty="0"/>
+              <a:t>Again, before they can be faded in, they must be hidden.</a:t>
+            </a:r>
+          </a:p>
+          <a:p>
+            <a:pPr lvl="1"/>
+            <a:r>
+              <a:rPr lang="en-US" dirty="0"/>
+              <a:t>Then the .each() method is used to loop through each of the &lt;li&gt; elements in turn. You can see that this triggers an anonymous function.</a:t>
+            </a:r>
+          </a:p>
+          <a:p>
+            <a:pPr lvl="1"/>
+            <a:r>
+              <a:rPr lang="en-US" dirty="0"/>
+              <a:t>Inside the anonymous function the index property acts as a counter indicating which &lt;li&gt; element is the current one.</a:t>
+            </a:r>
+          </a:p>
+          <a:p>
+            <a:pPr lvl="1"/>
+            <a:r>
+              <a:rPr lang="en-US" dirty="0"/>
+              <a:t>The .delay() method creates a pause before the list item is shown. The delay is set, multiplying the index number by 700ms (otherwise all of the list items would appear at the same time).</a:t>
+            </a:r>
+          </a:p>
+          <a:p>
+            <a:pPr lvl="1"/>
+            <a:r>
+              <a:rPr lang="en-US" dirty="0"/>
+              <a:t>Then it is faded in using the .</a:t>
+            </a:r>
+            <a:r>
+              <a:rPr lang="en-US" dirty="0" err="1"/>
+              <a:t>fadeIn</a:t>
+            </a:r>
+            <a:r>
+              <a:rPr lang="en-US" dirty="0"/>
+              <a:t>() method.</a:t>
+            </a:r>
+          </a:p>
+          <a:p>
+            <a:endParaRPr lang="en-IE" dirty="0"/>
+          </a:p>
+        </p:txBody>
+      </p:sp>
+    </p:spTree>
+    <p:extLst>
+      <p:ext uri="{BB962C8B-B14F-4D97-AF65-F5344CB8AC3E}">
+        <p14:creationId xmlns:p14="http://schemas.microsoft.com/office/powerpoint/2010/main" val="1972520166"/>
+      </p:ext>
+    </p:extLst>
+  </p:cSld>
+  <p:clrMapOvr>
+    <a:masterClrMapping/>
+  </p:clrMapOvr>
+</p:sld>
+</file>
+
+<file path=ppt/slides/slide9.xml><?xml version="1.0" encoding="utf-8"?>
+<p:sld xmlns:a="http://schemas.openxmlformats.org/drawingml/2006/main" xmlns:r="http://schemas.openxmlformats.org/officeDocument/2006/relationships" xmlns:p="http://schemas.openxmlformats.org/presentationml/2006/main">
+  <p:cSld>
+    <p:spTree>
+      <p:nvGrpSpPr>
+        <p:cNvPr id="1" name=""/>
+        <p:cNvGrpSpPr/>
+        <p:nvPr/>
+      </p:nvGrpSpPr>
+      <p:grpSpPr>
+        <a:xfrm>
+          <a:off x="0" y="0"/>
+          <a:ext cx="0" cy="0"/>
+          <a:chOff x="0" y="0"/>
+          <a:chExt cx="0" cy="0"/>
+        </a:xfrm>
+      </p:grpSpPr>
+      <p:sp>
+        <p:nvSpPr>
+          <p:cNvPr id="2" name="Title 1"/>
+          <p:cNvSpPr>
+            <a:spLocks noGrp="1"/>
+          </p:cNvSpPr>
+          <p:nvPr>
+            <p:ph type="title"/>
+          </p:nvPr>
+        </p:nvSpPr>
+        <p:spPr/>
+        <p:txBody>
+          <a:bodyPr/>
+          <a:lstStyle/>
+          <a:p>
+            <a:r>
+              <a:rPr lang="en-IE" dirty="0" err="1"/>
+              <a:t>Jquery</a:t>
+            </a:r>
+            <a:r>
+              <a:rPr lang="en-IE" dirty="0"/>
+              <a:t> effects example</a:t>
+            </a:r>
+          </a:p>
+        </p:txBody>
+      </p:sp>
+      <p:sp>
+        <p:nvSpPr>
+          <p:cNvPr id="4" name="Content Placeholder 3"/>
+          <p:cNvSpPr>
+            <a:spLocks noGrp="1"/>
+          </p:cNvSpPr>
+          <p:nvPr>
+            <p:ph idx="1"/>
+          </p:nvPr>
+        </p:nvSpPr>
+        <p:spPr/>
+        <p:txBody>
+          <a:bodyPr/>
+          <a:lstStyle/>
+          <a:p>
+            <a:endParaRPr lang="en-IE"/>
+          </a:p>
+        </p:txBody>
+      </p:sp>
+      <p:pic>
+        <p:nvPicPr>
+          <p:cNvPr id="3075" name="Picture 3"/>
+          <p:cNvPicPr>
+            <a:picLocks noChangeAspect="1" noChangeArrowheads="1"/>
+          </p:cNvPicPr>
+          <p:nvPr/>
+        </p:nvPicPr>
+        <p:blipFill>
+          <a:blip r:embed="rId2">
+            <a:extLst>
+              <a:ext uri="{28A0092B-C50C-407E-A947-70E740481C1C}">
+                <a14:useLocalDpi xmlns:a14="http://schemas.microsoft.com/office/drawing/2010/main" val="0"/>
+              </a:ext>
+            </a:extLst>
+          </a:blip>
+          <a:srcRect/>
+          <a:stretch>
+            <a:fillRect/>
+          </a:stretch>
+        </p:blipFill>
+        <p:spPr bwMode="auto">
+          <a:xfrm>
+            <a:off x="919730" y="1905000"/>
+            <a:ext cx="7767070" cy="4350192"/>
+          </a:xfrm>
+          <a:prstGeom prst="rect">
+            <a:avLst/>
+          </a:prstGeom>
+          <a:noFill/>
+          <a:ln>
+            <a:noFill/>
+          </a:ln>
+          <a:extLst>
+            <a:ext uri="{909E8E84-426E-40DD-AFC4-6F175D3DCCD1}">
+              <a14:hiddenFill xmlns:a14="http://schemas.microsoft.com/office/drawing/2010/main">
+                <a:solidFill>
+                  <a:schemeClr val="accent1"/>
+                </a:solidFill>
+              </a14:hiddenFill>
+            </a:ext>
+            <a:ext uri="{91240B29-F687-4F45-9708-019B960494DF}">
+              <a14:hiddenLine xmlns:a14="http://schemas.microsoft.com/office/drawing/2010/main" w="9525">
+                <a:solidFill>
+                  <a:schemeClr val="tx1"/>
+                </a:solidFill>
+                <a:miter lim="800000"/>
+                <a:headEnd/>
+                <a:tailEnd/>
+              </a14:hiddenLine>
+            </a:ext>
+          </a:extLst>
+        </p:spPr>
+      </p:pic>
+    </p:spTree>
+    <p:extLst>
+      <p:ext uri="{BB962C8B-B14F-4D97-AF65-F5344CB8AC3E}">
+        <p14:creationId xmlns:p14="http://schemas.microsoft.com/office/powerpoint/2010/main" val="2561751263"/>
       </p:ext>
     </p:extLst>
   </p:cSld>
@@ -8335,7 +15248,7 @@
   <a:extraClrSchemeLst/>
   <a:extLst>
     <a:ext uri="{05A4C25C-085E-4340-85A3-A5531E510DB2}">
-      <thm15:themeFamily xmlns:thm15="http://schemas.microsoft.com/office/thememl/2012/main" xmlns="" name="Badge" id="{71A07785-5930-41D4-9A83-E23602B48E98}" vid="{771EA782-DFA6-45B1-AEA3-661F1715B310}"/>
+      <thm15:themeFamily xmlns="" xmlns:thm15="http://schemas.microsoft.com/office/thememl/2012/main" name="Badge" id="{71A07785-5930-41D4-9A83-E23602B48E98}" vid="{771EA782-DFA6-45B1-AEA3-661F1715B310}"/>
     </a:ext>
   </a:extLst>
 </a:theme>
